--- a/_book/plot/global-document-type-1.pptx
+++ b/_book/plot/global-document-type-1.pptx
@@ -3123,7 +3123,7 @@
           <p:spPr>
             <a:xfrm>
               <a:off x="2148681" y="1495425"/>
-              <a:ext cx="6400800" cy="4571999"/>
+              <a:ext cx="6400799" cy="4571999"/>
             </a:xfrm>
             <a:prstGeom prst="rect">
               <a:avLst/>

--- a/_book/plot/global-document-type-1.pptx
+++ b/_book/plot/global-document-type-1.pptx
@@ -3108,10 +3108,10 @@
         </p:nvGrpSpPr>
         <p:grpSpPr>
           <a:xfrm>
-            <a:off x="2148682" y="1495425"/>
-            <a:ext cx="6400800" cy="4572000"/>
-            <a:chOff x="2148682" y="1495425"/>
-            <a:chExt cx="6400800" cy="4572000"/>
+            <a:off x="1691482" y="1521028"/>
+            <a:ext cx="7315200" cy="4520794"/>
+            <a:chOff x="1691482" y="1521028"/>
+            <a:chExt cx="7315200" cy="4520794"/>
           </a:xfrm>
         </p:grpSpPr>
         <p:sp>
@@ -3122,8 +3122,8 @@
           </p:nvSpPr>
           <p:spPr>
             <a:xfrm>
-              <a:off x="2148681" y="1495425"/>
-              <a:ext cx="6400799" cy="4571999"/>
+              <a:off x="1691481" y="1521028"/>
+              <a:ext cx="7315199" cy="4520793"/>
             </a:xfrm>
             <a:prstGeom prst="rect">
               <a:avLst/>
@@ -3157,576 +3157,576 @@
           </p:nvSpPr>
           <p:spPr>
             <a:xfrm>
-              <a:off x="3520318" y="1952625"/>
-              <a:ext cx="3580629" cy="3657453"/>
+              <a:off x="3540800" y="1973107"/>
+              <a:ext cx="3540526" cy="3616489"/>
             </a:xfrm>
             <a:custGeom>
               <a:avLst/>
               <a:pathLst>
-                <a:path w="3580629" h="3657453">
+                <a:path w="3540526" h="3616489">
                   <a:moveTo>
-                    <a:pt x="1828763" y="1828799"/>
+                    <a:pt x="1808281" y="1808317"/>
                   </a:moveTo>
                   <a:lnTo>
-                    <a:pt x="1828763" y="1765737"/>
-                  </a:lnTo>
-                  <a:lnTo>
-                    <a:pt x="1828763" y="1702675"/>
-                  </a:lnTo>
-                  <a:lnTo>
-                    <a:pt x="1828763" y="1639613"/>
-                  </a:lnTo>
-                  <a:lnTo>
-                    <a:pt x="1828763" y="1576551"/>
-                  </a:lnTo>
-                  <a:lnTo>
-                    <a:pt x="1828763" y="1513489"/>
-                  </a:lnTo>
-                  <a:lnTo>
-                    <a:pt x="1828763" y="1450427"/>
-                  </a:lnTo>
-                  <a:lnTo>
-                    <a:pt x="1828763" y="1387365"/>
-                  </a:lnTo>
-                  <a:lnTo>
-                    <a:pt x="1828763" y="1324303"/>
-                  </a:lnTo>
-                  <a:lnTo>
-                    <a:pt x="1828763" y="1261241"/>
-                  </a:lnTo>
-                  <a:lnTo>
-                    <a:pt x="1828763" y="1198179"/>
-                  </a:lnTo>
-                  <a:lnTo>
-                    <a:pt x="1828763" y="1135117"/>
-                  </a:lnTo>
-                  <a:lnTo>
-                    <a:pt x="1828763" y="1072055"/>
-                  </a:lnTo>
-                  <a:lnTo>
-                    <a:pt x="1828763" y="1008993"/>
-                  </a:lnTo>
-                  <a:lnTo>
-                    <a:pt x="1828763" y="945931"/>
-                  </a:lnTo>
-                  <a:lnTo>
-                    <a:pt x="1828763" y="882868"/>
-                  </a:lnTo>
-                  <a:lnTo>
-                    <a:pt x="1828763" y="819806"/>
-                  </a:lnTo>
-                  <a:lnTo>
-                    <a:pt x="1828763" y="756744"/>
-                  </a:lnTo>
-                  <a:lnTo>
-                    <a:pt x="1828763" y="693682"/>
-                  </a:lnTo>
-                  <a:lnTo>
-                    <a:pt x="1828763" y="630620"/>
-                  </a:lnTo>
-                  <a:lnTo>
-                    <a:pt x="1828763" y="567558"/>
-                  </a:lnTo>
-                  <a:lnTo>
-                    <a:pt x="1828763" y="504496"/>
-                  </a:lnTo>
-                  <a:lnTo>
-                    <a:pt x="1828763" y="441434"/>
-                  </a:lnTo>
-                  <a:lnTo>
-                    <a:pt x="1828763" y="378372"/>
-                  </a:lnTo>
-                  <a:lnTo>
-                    <a:pt x="1828763" y="315310"/>
-                  </a:lnTo>
-                  <a:lnTo>
-                    <a:pt x="1828763" y="252248"/>
-                  </a:lnTo>
-                  <a:lnTo>
-                    <a:pt x="1828763" y="189186"/>
-                  </a:lnTo>
-                  <a:lnTo>
-                    <a:pt x="1828763" y="126124"/>
-                  </a:lnTo>
-                  <a:lnTo>
-                    <a:pt x="1828763" y="63062"/>
-                  </a:lnTo>
-                  <a:lnTo>
-                    <a:pt x="1828763" y="0"/>
-                  </a:lnTo>
-                  <a:lnTo>
-                    <a:pt x="1766577" y="1057"/>
-                  </a:lnTo>
-                  <a:lnTo>
-                    <a:pt x="1704464" y="4229"/>
-                  </a:lnTo>
-                  <a:lnTo>
-                    <a:pt x="1642494" y="9510"/>
-                  </a:lnTo>
-                  <a:lnTo>
-                    <a:pt x="1580740" y="16896"/>
-                  </a:lnTo>
-                  <a:lnTo>
-                    <a:pt x="1519272" y="26378"/>
-                  </a:lnTo>
-                  <a:lnTo>
-                    <a:pt x="1458162" y="37944"/>
-                  </a:lnTo>
-                  <a:lnTo>
-                    <a:pt x="1397481" y="51581"/>
-                  </a:lnTo>
-                  <a:lnTo>
-                    <a:pt x="1337299" y="67274"/>
-                  </a:lnTo>
-                  <a:lnTo>
-                    <a:pt x="1277686" y="85004"/>
-                  </a:lnTo>
-                  <a:lnTo>
-                    <a:pt x="1218709" y="104751"/>
-                  </a:lnTo>
-                  <a:lnTo>
-                    <a:pt x="1160438" y="126492"/>
-                  </a:lnTo>
-                  <a:lnTo>
-                    <a:pt x="1102941" y="150201"/>
-                  </a:lnTo>
-                  <a:lnTo>
-                    <a:pt x="1046282" y="175853"/>
-                  </a:lnTo>
-                  <a:lnTo>
-                    <a:pt x="990529" y="203416"/>
-                  </a:lnTo>
-                  <a:lnTo>
-                    <a:pt x="935745" y="232858"/>
-                  </a:lnTo>
-                  <a:lnTo>
-                    <a:pt x="881994" y="264147"/>
-                  </a:lnTo>
-                  <a:lnTo>
-                    <a:pt x="829338" y="297245"/>
-                  </a:lnTo>
-                  <a:lnTo>
-                    <a:pt x="777838" y="332115"/>
-                  </a:lnTo>
-                  <a:lnTo>
-                    <a:pt x="727553" y="368715"/>
-                  </a:lnTo>
-                  <a:lnTo>
-                    <a:pt x="678542" y="407005"/>
-                  </a:lnTo>
-                  <a:lnTo>
-                    <a:pt x="630861" y="446938"/>
-                  </a:lnTo>
-                  <a:lnTo>
-                    <a:pt x="584566" y="488470"/>
-                  </a:lnTo>
-                  <a:lnTo>
-                    <a:pt x="539709" y="531552"/>
-                  </a:lnTo>
-                  <a:lnTo>
-                    <a:pt x="496344" y="576135"/>
-                  </a:lnTo>
-                  <a:lnTo>
-                    <a:pt x="454519" y="622166"/>
-                  </a:lnTo>
-                  <a:lnTo>
-                    <a:pt x="414284" y="669593"/>
-                  </a:lnTo>
-                  <a:lnTo>
-                    <a:pt x="375685" y="718360"/>
-                  </a:lnTo>
-                  <a:lnTo>
-                    <a:pt x="338767" y="768412"/>
-                  </a:lnTo>
-                  <a:lnTo>
-                    <a:pt x="303572" y="819690"/>
-                  </a:lnTo>
-                  <a:lnTo>
-                    <a:pt x="270141" y="872135"/>
-                  </a:lnTo>
-                  <a:lnTo>
-                    <a:pt x="238512" y="925687"/>
-                  </a:lnTo>
-                  <a:lnTo>
-                    <a:pt x="208723" y="980283"/>
-                  </a:lnTo>
-                  <a:lnTo>
-                    <a:pt x="180807" y="1035861"/>
-                  </a:lnTo>
-                  <a:lnTo>
-                    <a:pt x="154797" y="1092356"/>
-                  </a:lnTo>
-                  <a:lnTo>
-                    <a:pt x="130724" y="1149702"/>
-                  </a:lnTo>
-                  <a:lnTo>
-                    <a:pt x="108614" y="1207834"/>
-                  </a:lnTo>
-                  <a:lnTo>
-                    <a:pt x="88494" y="1266684"/>
-                  </a:lnTo>
-                  <a:lnTo>
-                    <a:pt x="70386" y="1326184"/>
-                  </a:lnTo>
-                  <a:lnTo>
-                    <a:pt x="54313" y="1386266"/>
-                  </a:lnTo>
-                  <a:lnTo>
-                    <a:pt x="40291" y="1446859"/>
-                  </a:lnTo>
-                  <a:lnTo>
-                    <a:pt x="28338" y="1507894"/>
-                  </a:lnTo>
-                  <a:lnTo>
-                    <a:pt x="18467" y="1569300"/>
-                  </a:lnTo>
-                  <a:lnTo>
-                    <a:pt x="10690" y="1631007"/>
-                  </a:lnTo>
-                  <a:lnTo>
-                    <a:pt x="5016" y="1692942"/>
-                  </a:lnTo>
-                  <a:lnTo>
-                    <a:pt x="1451" y="1755034"/>
-                  </a:lnTo>
-                  <a:lnTo>
-                    <a:pt x="0" y="1817212"/>
-                  </a:lnTo>
-                  <a:lnTo>
-                    <a:pt x="663" y="1879403"/>
-                  </a:lnTo>
-                  <a:lnTo>
-                    <a:pt x="3441" y="1941535"/>
-                  </a:lnTo>
-                  <a:lnTo>
-                    <a:pt x="8330" y="2003537"/>
-                  </a:lnTo>
-                  <a:lnTo>
-                    <a:pt x="15324" y="2065337"/>
-                  </a:lnTo>
-                  <a:lnTo>
-                    <a:pt x="24416" y="2126863"/>
-                  </a:lnTo>
-                  <a:lnTo>
-                    <a:pt x="35595" y="2188045"/>
-                  </a:lnTo>
-                  <a:lnTo>
-                    <a:pt x="48847" y="2248811"/>
-                  </a:lnTo>
-                  <a:lnTo>
-                    <a:pt x="64158" y="2309092"/>
-                  </a:lnTo>
-                  <a:lnTo>
-                    <a:pt x="81510" y="2368816"/>
-                  </a:lnTo>
-                  <a:lnTo>
-                    <a:pt x="100883" y="2427917"/>
-                  </a:lnTo>
-                  <a:lnTo>
-                    <a:pt x="122254" y="2486324"/>
-                  </a:lnTo>
-                  <a:lnTo>
-                    <a:pt x="145599" y="2543971"/>
-                  </a:lnTo>
-                  <a:lnTo>
-                    <a:pt x="170891" y="2600791"/>
-                  </a:lnTo>
-                  <a:lnTo>
-                    <a:pt x="198100" y="2656718"/>
-                  </a:lnTo>
-                  <a:lnTo>
-                    <a:pt x="227195" y="2711687"/>
-                  </a:lnTo>
-                  <a:lnTo>
-                    <a:pt x="258143" y="2765635"/>
-                  </a:lnTo>
-                  <a:lnTo>
-                    <a:pt x="290906" y="2818500"/>
-                  </a:lnTo>
-                  <a:lnTo>
-                    <a:pt x="325449" y="2870220"/>
-                  </a:lnTo>
-                  <a:lnTo>
-                    <a:pt x="361730" y="2920736"/>
-                  </a:lnTo>
-                  <a:lnTo>
-                    <a:pt x="399708" y="2969989"/>
-                  </a:lnTo>
-                  <a:lnTo>
-                    <a:pt x="439339" y="3017921"/>
-                  </a:lnTo>
-                  <a:lnTo>
-                    <a:pt x="480577" y="3064479"/>
-                  </a:lnTo>
-                  <a:lnTo>
-                    <a:pt x="523374" y="3109607"/>
-                  </a:lnTo>
-                  <a:lnTo>
-                    <a:pt x="567680" y="3153254"/>
-                  </a:lnTo>
-                  <a:lnTo>
-                    <a:pt x="613446" y="3195370"/>
-                  </a:lnTo>
-                  <a:lnTo>
-                    <a:pt x="660617" y="3235904"/>
-                  </a:lnTo>
-                  <a:lnTo>
-                    <a:pt x="709139" y="3274812"/>
-                  </a:lnTo>
-                  <a:lnTo>
-                    <a:pt x="758955" y="3312047"/>
-                  </a:lnTo>
-                  <a:lnTo>
-                    <a:pt x="810010" y="3347566"/>
-                  </a:lnTo>
-                  <a:lnTo>
-                    <a:pt x="862242" y="3381329"/>
-                  </a:lnTo>
-                  <a:lnTo>
-                    <a:pt x="915592" y="3413296"/>
-                  </a:lnTo>
-                  <a:lnTo>
-                    <a:pt x="969999" y="3443431"/>
-                  </a:lnTo>
-                  <a:lnTo>
-                    <a:pt x="1025398" y="3471698"/>
-                  </a:lnTo>
-                  <a:lnTo>
-                    <a:pt x="1081727" y="3498065"/>
-                  </a:lnTo>
-                  <a:lnTo>
-                    <a:pt x="1138920" y="3522501"/>
-                  </a:lnTo>
-                  <a:lnTo>
-                    <a:pt x="1196910" y="3544979"/>
-                  </a:lnTo>
-                  <a:lnTo>
-                    <a:pt x="1255632" y="3565472"/>
-                  </a:lnTo>
-                  <a:lnTo>
-                    <a:pt x="1315016" y="3583956"/>
-                  </a:lnTo>
-                  <a:lnTo>
-                    <a:pt x="1374995" y="3600410"/>
-                  </a:lnTo>
-                  <a:lnTo>
-                    <a:pt x="1435498" y="3614815"/>
-                  </a:lnTo>
-                  <a:lnTo>
-                    <a:pt x="1496456" y="3627155"/>
-                  </a:lnTo>
-                  <a:lnTo>
-                    <a:pt x="1557798" y="3637414"/>
-                  </a:lnTo>
-                  <a:lnTo>
-                    <a:pt x="1619454" y="3645582"/>
-                  </a:lnTo>
-                  <a:lnTo>
-                    <a:pt x="1681352" y="3651649"/>
-                  </a:lnTo>
-                  <a:lnTo>
-                    <a:pt x="1743421" y="3655607"/>
-                  </a:lnTo>
-                  <a:lnTo>
-                    <a:pt x="1805588" y="3657453"/>
-                  </a:lnTo>
-                  <a:lnTo>
-                    <a:pt x="1867782" y="3657183"/>
-                  </a:lnTo>
-                  <a:lnTo>
-                    <a:pt x="1929930" y="3654799"/>
-                  </a:lnTo>
-                  <a:lnTo>
-                    <a:pt x="1991962" y="3650303"/>
-                  </a:lnTo>
-                  <a:lnTo>
-                    <a:pt x="2053805" y="3643700"/>
-                  </a:lnTo>
-                  <a:lnTo>
-                    <a:pt x="2115388" y="3634999"/>
-                  </a:lnTo>
-                  <a:lnTo>
-                    <a:pt x="2176639" y="3624208"/>
-                  </a:lnTo>
-                  <a:lnTo>
-                    <a:pt x="2237488" y="3611341"/>
-                  </a:lnTo>
-                  <a:lnTo>
-                    <a:pt x="2297864" y="3596412"/>
-                  </a:lnTo>
-                  <a:lnTo>
-                    <a:pt x="2357698" y="3579439"/>
-                  </a:lnTo>
-                  <a:lnTo>
-                    <a:pt x="2416920" y="3560441"/>
-                  </a:lnTo>
-                  <a:lnTo>
-                    <a:pt x="2475461" y="3539440"/>
-                  </a:lnTo>
-                  <a:lnTo>
-                    <a:pt x="2533255" y="3516461"/>
-                  </a:lnTo>
-                  <a:lnTo>
-                    <a:pt x="2590234" y="3491530"/>
-                  </a:lnTo>
-                  <a:lnTo>
-                    <a:pt x="2646332" y="3464675"/>
-                  </a:lnTo>
-                  <a:lnTo>
-                    <a:pt x="2701485" y="3435929"/>
-                  </a:lnTo>
-                  <a:lnTo>
-                    <a:pt x="2755628" y="3405324"/>
-                  </a:lnTo>
-                  <a:lnTo>
-                    <a:pt x="2808699" y="3372896"/>
-                  </a:lnTo>
-                  <a:lnTo>
-                    <a:pt x="2860637" y="3338682"/>
-                  </a:lnTo>
-                  <a:lnTo>
-                    <a:pt x="2911382" y="3302721"/>
-                  </a:lnTo>
-                  <a:lnTo>
-                    <a:pt x="2960874" y="3265056"/>
-                  </a:lnTo>
-                  <a:lnTo>
-                    <a:pt x="3009057" y="3225730"/>
-                  </a:lnTo>
-                  <a:lnTo>
-                    <a:pt x="3055875" y="3184788"/>
-                  </a:lnTo>
-                  <a:lnTo>
-                    <a:pt x="3101274" y="3142278"/>
-                  </a:lnTo>
-                  <a:lnTo>
-                    <a:pt x="3145201" y="3098249"/>
-                  </a:lnTo>
-                  <a:lnTo>
-                    <a:pt x="3187605" y="3052751"/>
-                  </a:lnTo>
-                  <a:lnTo>
-                    <a:pt x="3228438" y="3005838"/>
-                  </a:lnTo>
-                  <a:lnTo>
-                    <a:pt x="3267652" y="2957564"/>
-                  </a:lnTo>
-                  <a:lnTo>
-                    <a:pt x="3305201" y="2907984"/>
-                  </a:lnTo>
-                  <a:lnTo>
-                    <a:pt x="3341044" y="2857156"/>
-                  </a:lnTo>
-                  <a:lnTo>
-                    <a:pt x="3375137" y="2805138"/>
-                  </a:lnTo>
-                  <a:lnTo>
-                    <a:pt x="3407441" y="2751991"/>
-                  </a:lnTo>
-                  <a:lnTo>
-                    <a:pt x="3437920" y="2697777"/>
-                  </a:lnTo>
-                  <a:lnTo>
-                    <a:pt x="3466538" y="2642558"/>
-                  </a:lnTo>
-                  <a:lnTo>
-                    <a:pt x="3493261" y="2586397"/>
-                  </a:lnTo>
-                  <a:lnTo>
-                    <a:pt x="3518060" y="2529360"/>
-                  </a:lnTo>
-                  <a:lnTo>
-                    <a:pt x="3540904" y="2471513"/>
-                  </a:lnTo>
-                  <a:lnTo>
-                    <a:pt x="3561769" y="2412923"/>
-                  </a:lnTo>
-                  <a:lnTo>
-                    <a:pt x="3580629" y="2353657"/>
-                  </a:lnTo>
-                  <a:lnTo>
-                    <a:pt x="3520219" y="2335558"/>
-                  </a:lnTo>
-                  <a:lnTo>
-                    <a:pt x="3459810" y="2317460"/>
-                  </a:lnTo>
-                  <a:lnTo>
-                    <a:pt x="3399401" y="2299361"/>
-                  </a:lnTo>
-                  <a:lnTo>
-                    <a:pt x="3338992" y="2281263"/>
-                  </a:lnTo>
-                  <a:lnTo>
-                    <a:pt x="3278583" y="2263164"/>
-                  </a:lnTo>
-                  <a:lnTo>
-                    <a:pt x="3218174" y="2245066"/>
-                  </a:lnTo>
-                  <a:lnTo>
-                    <a:pt x="3157764" y="2226967"/>
-                  </a:lnTo>
-                  <a:lnTo>
-                    <a:pt x="3097355" y="2208869"/>
-                  </a:lnTo>
-                  <a:lnTo>
-                    <a:pt x="3036946" y="2190770"/>
-                  </a:lnTo>
-                  <a:lnTo>
-                    <a:pt x="2976537" y="2172672"/>
-                  </a:lnTo>
-                  <a:lnTo>
-                    <a:pt x="2916128" y="2154573"/>
-                  </a:lnTo>
-                  <a:lnTo>
-                    <a:pt x="2855719" y="2136475"/>
-                  </a:lnTo>
-                  <a:lnTo>
-                    <a:pt x="2795309" y="2118376"/>
-                  </a:lnTo>
-                  <a:lnTo>
-                    <a:pt x="2734900" y="2100278"/>
-                  </a:lnTo>
-                  <a:lnTo>
-                    <a:pt x="2674491" y="2082179"/>
-                  </a:lnTo>
-                  <a:lnTo>
-                    <a:pt x="2614082" y="2064080"/>
-                  </a:lnTo>
-                  <a:lnTo>
-                    <a:pt x="2553673" y="2045982"/>
-                  </a:lnTo>
-                  <a:lnTo>
-                    <a:pt x="2493264" y="2027883"/>
-                  </a:lnTo>
-                  <a:lnTo>
-                    <a:pt x="2432854" y="2009785"/>
-                  </a:lnTo>
-                  <a:lnTo>
-                    <a:pt x="2372445" y="1991686"/>
-                  </a:lnTo>
-                  <a:lnTo>
-                    <a:pt x="2312036" y="1973588"/>
-                  </a:lnTo>
-                  <a:lnTo>
-                    <a:pt x="2251627" y="1955489"/>
-                  </a:lnTo>
-                  <a:lnTo>
-                    <a:pt x="2191218" y="1937391"/>
-                  </a:lnTo>
-                  <a:lnTo>
-                    <a:pt x="2130809" y="1919292"/>
-                  </a:lnTo>
-                  <a:lnTo>
-                    <a:pt x="2070399" y="1901194"/>
-                  </a:lnTo>
-                  <a:lnTo>
-                    <a:pt x="2009990" y="1883095"/>
-                  </a:lnTo>
-                  <a:lnTo>
-                    <a:pt x="1949581" y="1864997"/>
-                  </a:lnTo>
-                  <a:lnTo>
-                    <a:pt x="1889172" y="1846898"/>
+                    <a:pt x="1808281" y="1745961"/>
+                  </a:lnTo>
+                  <a:lnTo>
+                    <a:pt x="1808281" y="1683605"/>
+                  </a:lnTo>
+                  <a:lnTo>
+                    <a:pt x="1808281" y="1621250"/>
+                  </a:lnTo>
+                  <a:lnTo>
+                    <a:pt x="1808281" y="1558894"/>
+                  </a:lnTo>
+                  <a:lnTo>
+                    <a:pt x="1808281" y="1496538"/>
+                  </a:lnTo>
+                  <a:lnTo>
+                    <a:pt x="1808281" y="1434182"/>
+                  </a:lnTo>
+                  <a:lnTo>
+                    <a:pt x="1808281" y="1371827"/>
+                  </a:lnTo>
+                  <a:lnTo>
+                    <a:pt x="1808281" y="1309471"/>
+                  </a:lnTo>
+                  <a:lnTo>
+                    <a:pt x="1808281" y="1247115"/>
+                  </a:lnTo>
+                  <a:lnTo>
+                    <a:pt x="1808281" y="1184759"/>
+                  </a:lnTo>
+                  <a:lnTo>
+                    <a:pt x="1808281" y="1122403"/>
+                  </a:lnTo>
+                  <a:lnTo>
+                    <a:pt x="1808281" y="1060048"/>
+                  </a:lnTo>
+                  <a:lnTo>
+                    <a:pt x="1808281" y="997692"/>
+                  </a:lnTo>
+                  <a:lnTo>
+                    <a:pt x="1808281" y="935336"/>
+                  </a:lnTo>
+                  <a:lnTo>
+                    <a:pt x="1808281" y="872980"/>
+                  </a:lnTo>
+                  <a:lnTo>
+                    <a:pt x="1808281" y="810625"/>
+                  </a:lnTo>
+                  <a:lnTo>
+                    <a:pt x="1808281" y="748269"/>
+                  </a:lnTo>
+                  <a:lnTo>
+                    <a:pt x="1808281" y="685913"/>
+                  </a:lnTo>
+                  <a:lnTo>
+                    <a:pt x="1808281" y="623557"/>
+                  </a:lnTo>
+                  <a:lnTo>
+                    <a:pt x="1808281" y="561201"/>
+                  </a:lnTo>
+                  <a:lnTo>
+                    <a:pt x="1808281" y="498846"/>
+                  </a:lnTo>
+                  <a:lnTo>
+                    <a:pt x="1808281" y="436490"/>
+                  </a:lnTo>
+                  <a:lnTo>
+                    <a:pt x="1808281" y="374134"/>
+                  </a:lnTo>
+                  <a:lnTo>
+                    <a:pt x="1808281" y="311778"/>
+                  </a:lnTo>
+                  <a:lnTo>
+                    <a:pt x="1808281" y="249423"/>
+                  </a:lnTo>
+                  <a:lnTo>
+                    <a:pt x="1808281" y="187067"/>
+                  </a:lnTo>
+                  <a:lnTo>
+                    <a:pt x="1808281" y="124711"/>
+                  </a:lnTo>
+                  <a:lnTo>
+                    <a:pt x="1808281" y="62355"/>
+                  </a:lnTo>
+                  <a:lnTo>
+                    <a:pt x="1808281" y="0"/>
+                  </a:lnTo>
+                  <a:lnTo>
+                    <a:pt x="1746792" y="1045"/>
+                  </a:lnTo>
+                  <a:lnTo>
+                    <a:pt x="1685374" y="4181"/>
+                  </a:lnTo>
+                  <a:lnTo>
+                    <a:pt x="1624098" y="9404"/>
+                  </a:lnTo>
+                  <a:lnTo>
+                    <a:pt x="1563035" y="16707"/>
+                  </a:lnTo>
+                  <a:lnTo>
+                    <a:pt x="1502256" y="26082"/>
+                  </a:lnTo>
+                  <a:lnTo>
+                    <a:pt x="1441831" y="37519"/>
+                  </a:lnTo>
+                  <a:lnTo>
+                    <a:pt x="1381830" y="51003"/>
+                  </a:lnTo>
+                  <a:lnTo>
+                    <a:pt x="1322322" y="66520"/>
+                  </a:lnTo>
+                  <a:lnTo>
+                    <a:pt x="1263375" y="84052"/>
+                  </a:lnTo>
+                  <a:lnTo>
+                    <a:pt x="1205060" y="103578"/>
+                  </a:lnTo>
+                  <a:lnTo>
+                    <a:pt x="1147441" y="125075"/>
+                  </a:lnTo>
+                  <a:lnTo>
+                    <a:pt x="1090588" y="148519"/>
+                  </a:lnTo>
+                  <a:lnTo>
+                    <a:pt x="1034564" y="173883"/>
+                  </a:lnTo>
+                  <a:lnTo>
+                    <a:pt x="979435" y="201137"/>
+                  </a:lnTo>
+                  <a:lnTo>
+                    <a:pt x="925264" y="230250"/>
+                  </a:lnTo>
+                  <a:lnTo>
+                    <a:pt x="872115" y="261188"/>
+                  </a:lnTo>
+                  <a:lnTo>
+                    <a:pt x="820049" y="293916"/>
+                  </a:lnTo>
+                  <a:lnTo>
+                    <a:pt x="769126" y="328395"/>
+                  </a:lnTo>
+                  <a:lnTo>
+                    <a:pt x="719404" y="364586"/>
+                  </a:lnTo>
+                  <a:lnTo>
+                    <a:pt x="670942" y="402446"/>
+                  </a:lnTo>
+                  <a:lnTo>
+                    <a:pt x="623795" y="441932"/>
+                  </a:lnTo>
+                  <a:lnTo>
+                    <a:pt x="578018" y="482999"/>
+                  </a:lnTo>
+                  <a:lnTo>
+                    <a:pt x="533665" y="525599"/>
+                  </a:lnTo>
+                  <a:lnTo>
+                    <a:pt x="490785" y="569682"/>
+                  </a:lnTo>
+                  <a:lnTo>
+                    <a:pt x="449429" y="615198"/>
+                  </a:lnTo>
+                  <a:lnTo>
+                    <a:pt x="409644" y="662093"/>
+                  </a:lnTo>
+                  <a:lnTo>
+                    <a:pt x="371478" y="710314"/>
+                  </a:lnTo>
+                  <a:lnTo>
+                    <a:pt x="334973" y="759806"/>
+                  </a:lnTo>
+                  <a:lnTo>
+                    <a:pt x="300172" y="810510"/>
+                  </a:lnTo>
+                  <a:lnTo>
+                    <a:pt x="267115" y="862367"/>
+                  </a:lnTo>
+                  <a:lnTo>
+                    <a:pt x="235841" y="915319"/>
+                  </a:lnTo>
+                  <a:lnTo>
+                    <a:pt x="206385" y="969304"/>
+                  </a:lnTo>
+                  <a:lnTo>
+                    <a:pt x="178782" y="1024259"/>
+                  </a:lnTo>
+                  <a:lnTo>
+                    <a:pt x="153064" y="1080121"/>
+                  </a:lnTo>
+                  <a:lnTo>
+                    <a:pt x="129260" y="1136826"/>
+                  </a:lnTo>
+                  <a:lnTo>
+                    <a:pt x="107398" y="1194306"/>
+                  </a:lnTo>
+                  <a:lnTo>
+                    <a:pt x="87503" y="1252497"/>
+                  </a:lnTo>
+                  <a:lnTo>
+                    <a:pt x="69598" y="1311331"/>
+                  </a:lnTo>
+                  <a:lnTo>
+                    <a:pt x="53704" y="1370740"/>
+                  </a:lnTo>
+                  <a:lnTo>
+                    <a:pt x="39840" y="1430654"/>
+                  </a:lnTo>
+                  <a:lnTo>
+                    <a:pt x="28021" y="1491006"/>
+                  </a:lnTo>
+                  <a:lnTo>
+                    <a:pt x="18260" y="1551724"/>
+                  </a:lnTo>
+                  <a:lnTo>
+                    <a:pt x="10571" y="1612740"/>
+                  </a:lnTo>
+                  <a:lnTo>
+                    <a:pt x="4960" y="1673981"/>
+                  </a:lnTo>
+                  <a:lnTo>
+                    <a:pt x="1435" y="1735378"/>
+                  </a:lnTo>
+                  <a:lnTo>
+                    <a:pt x="0" y="1796859"/>
+                  </a:lnTo>
+                  <a:lnTo>
+                    <a:pt x="656" y="1858353"/>
+                  </a:lnTo>
+                  <a:lnTo>
+                    <a:pt x="3402" y="1919790"/>
+                  </a:lnTo>
+                  <a:lnTo>
+                    <a:pt x="8237" y="1981097"/>
+                  </a:lnTo>
+                  <a:lnTo>
+                    <a:pt x="15153" y="2042205"/>
+                  </a:lnTo>
+                  <a:lnTo>
+                    <a:pt x="24143" y="2103043"/>
+                  </a:lnTo>
+                  <a:lnTo>
+                    <a:pt x="35196" y="2163539"/>
+                  </a:lnTo>
+                  <a:lnTo>
+                    <a:pt x="48300" y="2223625"/>
+                  </a:lnTo>
+                  <a:lnTo>
+                    <a:pt x="63440" y="2283230"/>
+                  </a:lnTo>
+                  <a:lnTo>
+                    <a:pt x="80597" y="2342286"/>
+                  </a:lnTo>
+                  <a:lnTo>
+                    <a:pt x="99753" y="2400724"/>
+                  </a:lnTo>
+                  <a:lnTo>
+                    <a:pt x="120885" y="2458477"/>
+                  </a:lnTo>
+                  <a:lnTo>
+                    <a:pt x="143969" y="2515479"/>
+                  </a:lnTo>
+                  <a:lnTo>
+                    <a:pt x="168977" y="2571662"/>
+                  </a:lnTo>
+                  <a:lnTo>
+                    <a:pt x="195881" y="2626963"/>
+                  </a:lnTo>
+                  <a:lnTo>
+                    <a:pt x="224651" y="2681316"/>
+                  </a:lnTo>
+                  <a:lnTo>
+                    <a:pt x="255251" y="2734660"/>
+                  </a:lnTo>
+                  <a:lnTo>
+                    <a:pt x="287648" y="2786933"/>
+                  </a:lnTo>
+                  <a:lnTo>
+                    <a:pt x="321804" y="2838074"/>
+                  </a:lnTo>
+                  <a:lnTo>
+                    <a:pt x="357679" y="2888024"/>
+                  </a:lnTo>
+                  <a:lnTo>
+                    <a:pt x="395231" y="2936725"/>
+                  </a:lnTo>
+                  <a:lnTo>
+                    <a:pt x="434418" y="2984121"/>
+                  </a:lnTo>
+                  <a:lnTo>
+                    <a:pt x="475194" y="3030157"/>
+                  </a:lnTo>
+                  <a:lnTo>
+                    <a:pt x="517512" y="3074780"/>
+                  </a:lnTo>
+                  <a:lnTo>
+                    <a:pt x="561322" y="3117938"/>
+                  </a:lnTo>
+                  <a:lnTo>
+                    <a:pt x="606575" y="3159582"/>
+                  </a:lnTo>
+                  <a:lnTo>
+                    <a:pt x="653218" y="3199662"/>
+                  </a:lnTo>
+                  <a:lnTo>
+                    <a:pt x="701196" y="3238134"/>
+                  </a:lnTo>
+                  <a:lnTo>
+                    <a:pt x="750455" y="3274952"/>
+                  </a:lnTo>
+                  <a:lnTo>
+                    <a:pt x="800937" y="3310073"/>
+                  </a:lnTo>
+                  <a:lnTo>
+                    <a:pt x="852585" y="3343458"/>
+                  </a:lnTo>
+                  <a:lnTo>
+                    <a:pt x="905338" y="3375067"/>
+                  </a:lnTo>
+                  <a:lnTo>
+                    <a:pt x="959135" y="3404864"/>
+                  </a:lnTo>
+                  <a:lnTo>
+                    <a:pt x="1013914" y="3432815"/>
+                  </a:lnTo>
+                  <a:lnTo>
+                    <a:pt x="1069612" y="3458887"/>
+                  </a:lnTo>
+                  <a:lnTo>
+                    <a:pt x="1126164" y="3483049"/>
+                  </a:lnTo>
+                  <a:lnTo>
+                    <a:pt x="1183505" y="3505275"/>
+                  </a:lnTo>
+                  <a:lnTo>
+                    <a:pt x="1241569" y="3525538"/>
+                  </a:lnTo>
+                  <a:lnTo>
+                    <a:pt x="1300288" y="3543816"/>
+                  </a:lnTo>
+                  <a:lnTo>
+                    <a:pt x="1359595" y="3560085"/>
+                  </a:lnTo>
+                  <a:lnTo>
+                    <a:pt x="1419420" y="3574329"/>
+                  </a:lnTo>
+                  <a:lnTo>
+                    <a:pt x="1479696" y="3586531"/>
+                  </a:lnTo>
+                  <a:lnTo>
+                    <a:pt x="1540351" y="3596675"/>
+                  </a:lnTo>
+                  <a:lnTo>
+                    <a:pt x="1601316" y="3604752"/>
+                  </a:lnTo>
+                  <a:lnTo>
+                    <a:pt x="1662521" y="3610750"/>
+                  </a:lnTo>
+                  <a:lnTo>
+                    <a:pt x="1723894" y="3614664"/>
+                  </a:lnTo>
+                  <a:lnTo>
+                    <a:pt x="1785365" y="3616489"/>
+                  </a:lnTo>
+                  <a:lnTo>
+                    <a:pt x="1846862" y="3616223"/>
+                  </a:lnTo>
+                  <a:lnTo>
+                    <a:pt x="1908315" y="3613865"/>
+                  </a:lnTo>
+                  <a:lnTo>
+                    <a:pt x="1969652" y="3609420"/>
+                  </a:lnTo>
+                  <a:lnTo>
+                    <a:pt x="2030803" y="3602891"/>
+                  </a:lnTo>
+                  <a:lnTo>
+                    <a:pt x="2091696" y="3594287"/>
+                  </a:lnTo>
+                  <a:lnTo>
+                    <a:pt x="2152261" y="3583617"/>
+                  </a:lnTo>
+                  <a:lnTo>
+                    <a:pt x="2212428" y="3570894"/>
+                  </a:lnTo>
+                  <a:lnTo>
+                    <a:pt x="2272128" y="3556132"/>
+                  </a:lnTo>
+                  <a:lnTo>
+                    <a:pt x="2331292" y="3539349"/>
+                  </a:lnTo>
+                  <a:lnTo>
+                    <a:pt x="2389850" y="3520564"/>
+                  </a:lnTo>
+                  <a:lnTo>
+                    <a:pt x="2447736" y="3499798"/>
+                  </a:lnTo>
+                  <a:lnTo>
+                    <a:pt x="2504883" y="3477076"/>
+                  </a:lnTo>
+                  <a:lnTo>
+                    <a:pt x="2561223" y="3452424"/>
+                  </a:lnTo>
+                  <a:lnTo>
+                    <a:pt x="2616693" y="3425871"/>
+                  </a:lnTo>
+                  <a:lnTo>
+                    <a:pt x="2671228" y="3397447"/>
+                  </a:lnTo>
+                  <a:lnTo>
+                    <a:pt x="2724765" y="3367185"/>
+                  </a:lnTo>
+                  <a:lnTo>
+                    <a:pt x="2777242" y="3335120"/>
+                  </a:lnTo>
+                  <a:lnTo>
+                    <a:pt x="2828598" y="3301289"/>
+                  </a:lnTo>
+                  <a:lnTo>
+                    <a:pt x="2878774" y="3265731"/>
+                  </a:lnTo>
+                  <a:lnTo>
+                    <a:pt x="2927712" y="3228488"/>
+                  </a:lnTo>
+                  <a:lnTo>
+                    <a:pt x="2975356" y="3189602"/>
+                  </a:lnTo>
+                  <a:lnTo>
+                    <a:pt x="3021649" y="3149118"/>
+                  </a:lnTo>
+                  <a:lnTo>
+                    <a:pt x="3066539" y="3107084"/>
+                  </a:lnTo>
+                  <a:lnTo>
+                    <a:pt x="3109974" y="3063548"/>
+                  </a:lnTo>
+                  <a:lnTo>
+                    <a:pt x="3151904" y="3018560"/>
+                  </a:lnTo>
+                  <a:lnTo>
+                    <a:pt x="3192279" y="2972173"/>
+                  </a:lnTo>
+                  <a:lnTo>
+                    <a:pt x="3231054" y="2924439"/>
+                  </a:lnTo>
+                  <a:lnTo>
+                    <a:pt x="3268183" y="2875414"/>
+                  </a:lnTo>
+                  <a:lnTo>
+                    <a:pt x="3303624" y="2825155"/>
+                  </a:lnTo>
+                  <a:lnTo>
+                    <a:pt x="3337335" y="2773721"/>
+                  </a:lnTo>
+                  <a:lnTo>
+                    <a:pt x="3369278" y="2721169"/>
+                  </a:lnTo>
+                  <a:lnTo>
+                    <a:pt x="3399415" y="2667562"/>
+                  </a:lnTo>
+                  <a:lnTo>
+                    <a:pt x="3427713" y="2612961"/>
+                  </a:lnTo>
+                  <a:lnTo>
+                    <a:pt x="3454137" y="2557429"/>
+                  </a:lnTo>
+                  <a:lnTo>
+                    <a:pt x="3478657" y="2501032"/>
+                  </a:lnTo>
+                  <a:lnTo>
+                    <a:pt x="3501246" y="2443832"/>
+                  </a:lnTo>
+                  <a:lnTo>
+                    <a:pt x="3521877" y="2385898"/>
+                  </a:lnTo>
+                  <a:lnTo>
+                    <a:pt x="3540526" y="2327296"/>
+                  </a:lnTo>
+                  <a:lnTo>
+                    <a:pt x="3480793" y="2309400"/>
+                  </a:lnTo>
+                  <a:lnTo>
+                    <a:pt x="3421060" y="2291504"/>
+                  </a:lnTo>
+                  <a:lnTo>
+                    <a:pt x="3361328" y="2273609"/>
+                  </a:lnTo>
+                  <a:lnTo>
+                    <a:pt x="3301595" y="2255713"/>
+                  </a:lnTo>
+                  <a:lnTo>
+                    <a:pt x="3241863" y="2237817"/>
+                  </a:lnTo>
+                  <a:lnTo>
+                    <a:pt x="3182130" y="2219921"/>
+                  </a:lnTo>
+                  <a:lnTo>
+                    <a:pt x="3122398" y="2202025"/>
+                  </a:lnTo>
+                  <a:lnTo>
+                    <a:pt x="3062665" y="2184129"/>
+                  </a:lnTo>
+                  <a:lnTo>
+                    <a:pt x="3002932" y="2166234"/>
+                  </a:lnTo>
+                  <a:lnTo>
+                    <a:pt x="2943200" y="2148338"/>
+                  </a:lnTo>
+                  <a:lnTo>
+                    <a:pt x="2883467" y="2130442"/>
+                  </a:lnTo>
+                  <a:lnTo>
+                    <a:pt x="2823735" y="2112546"/>
+                  </a:lnTo>
+                  <a:lnTo>
+                    <a:pt x="2764002" y="2094650"/>
+                  </a:lnTo>
+                  <a:lnTo>
+                    <a:pt x="2704269" y="2076754"/>
+                  </a:lnTo>
+                  <a:lnTo>
+                    <a:pt x="2644537" y="2058859"/>
+                  </a:lnTo>
+                  <a:lnTo>
+                    <a:pt x="2584804" y="2040963"/>
+                  </a:lnTo>
+                  <a:lnTo>
+                    <a:pt x="2525072" y="2023067"/>
+                  </a:lnTo>
+                  <a:lnTo>
+                    <a:pt x="2465339" y="2005171"/>
+                  </a:lnTo>
+                  <a:lnTo>
+                    <a:pt x="2405606" y="1987275"/>
+                  </a:lnTo>
+                  <a:lnTo>
+                    <a:pt x="2345874" y="1969379"/>
+                  </a:lnTo>
+                  <a:lnTo>
+                    <a:pt x="2286141" y="1951484"/>
+                  </a:lnTo>
+                  <a:lnTo>
+                    <a:pt x="2226409" y="1933588"/>
+                  </a:lnTo>
+                  <a:lnTo>
+                    <a:pt x="2166676" y="1915692"/>
+                  </a:lnTo>
+                  <a:lnTo>
+                    <a:pt x="2106944" y="1897796"/>
+                  </a:lnTo>
+                  <a:lnTo>
+                    <a:pt x="2047211" y="1879900"/>
+                  </a:lnTo>
+                  <a:lnTo>
+                    <a:pt x="1987478" y="1862004"/>
+                  </a:lnTo>
+                  <a:lnTo>
+                    <a:pt x="1927746" y="1844109"/>
+                  </a:lnTo>
+                  <a:lnTo>
+                    <a:pt x="1868013" y="1826213"/>
                   </a:lnTo>
                   <a:close/>
                 </a:path>
@@ -3761,273 +3761,273 @@
           </p:nvSpPr>
           <p:spPr>
             <a:xfrm>
-              <a:off x="5349081" y="2616994"/>
-              <a:ext cx="1828634" cy="1689288"/>
+              <a:off x="5349081" y="2630035"/>
+              <a:ext cx="1808153" cy="1670368"/>
             </a:xfrm>
             <a:custGeom>
               <a:avLst/>
               <a:pathLst>
-                <a:path w="1828634" h="1689288">
+                <a:path w="1808153" h="1670368">
                   <a:moveTo>
-                    <a:pt x="0" y="1164430"/>
+                    <a:pt x="0" y="1151389"/>
                   </a:moveTo>
                   <a:lnTo>
-                    <a:pt x="60409" y="1182529"/>
-                  </a:lnTo>
-                  <a:lnTo>
-                    <a:pt x="120818" y="1200628"/>
-                  </a:lnTo>
-                  <a:lnTo>
-                    <a:pt x="181227" y="1218726"/>
-                  </a:lnTo>
-                  <a:lnTo>
-                    <a:pt x="241636" y="1236825"/>
-                  </a:lnTo>
-                  <a:lnTo>
-                    <a:pt x="302045" y="1254923"/>
-                  </a:lnTo>
-                  <a:lnTo>
-                    <a:pt x="362455" y="1273022"/>
-                  </a:lnTo>
-                  <a:lnTo>
-                    <a:pt x="422864" y="1291120"/>
-                  </a:lnTo>
-                  <a:lnTo>
-                    <a:pt x="483273" y="1309219"/>
-                  </a:lnTo>
-                  <a:lnTo>
-                    <a:pt x="543682" y="1327317"/>
-                  </a:lnTo>
-                  <a:lnTo>
-                    <a:pt x="604091" y="1345416"/>
-                  </a:lnTo>
-                  <a:lnTo>
-                    <a:pt x="664500" y="1363514"/>
-                  </a:lnTo>
-                  <a:lnTo>
-                    <a:pt x="724910" y="1381613"/>
-                  </a:lnTo>
-                  <a:lnTo>
-                    <a:pt x="785319" y="1399711"/>
-                  </a:lnTo>
-                  <a:lnTo>
-                    <a:pt x="845728" y="1417810"/>
-                  </a:lnTo>
-                  <a:lnTo>
-                    <a:pt x="906137" y="1435908"/>
-                  </a:lnTo>
-                  <a:lnTo>
-                    <a:pt x="966546" y="1454007"/>
-                  </a:lnTo>
-                  <a:lnTo>
-                    <a:pt x="1026955" y="1472106"/>
-                  </a:lnTo>
-                  <a:lnTo>
-                    <a:pt x="1087365" y="1490204"/>
-                  </a:lnTo>
-                  <a:lnTo>
-                    <a:pt x="1147774" y="1508303"/>
-                  </a:lnTo>
-                  <a:lnTo>
-                    <a:pt x="1208183" y="1526401"/>
-                  </a:lnTo>
-                  <a:lnTo>
-                    <a:pt x="1268592" y="1544500"/>
-                  </a:lnTo>
-                  <a:lnTo>
-                    <a:pt x="1329001" y="1562598"/>
-                  </a:lnTo>
-                  <a:lnTo>
-                    <a:pt x="1389410" y="1580697"/>
-                  </a:lnTo>
-                  <a:lnTo>
-                    <a:pt x="1449820" y="1598795"/>
-                  </a:lnTo>
-                  <a:lnTo>
-                    <a:pt x="1510229" y="1616894"/>
-                  </a:lnTo>
-                  <a:lnTo>
-                    <a:pt x="1570638" y="1634992"/>
-                  </a:lnTo>
-                  <a:lnTo>
-                    <a:pt x="1631047" y="1653091"/>
-                  </a:lnTo>
-                  <a:lnTo>
-                    <a:pt x="1691456" y="1671189"/>
-                  </a:lnTo>
-                  <a:lnTo>
-                    <a:pt x="1751865" y="1689288"/>
-                  </a:lnTo>
-                  <a:lnTo>
-                    <a:pt x="1768620" y="1629718"/>
-                  </a:lnTo>
-                  <a:lnTo>
-                    <a:pt x="1783349" y="1569615"/>
-                  </a:lnTo>
-                  <a:lnTo>
-                    <a:pt x="1796036" y="1509048"/>
-                  </a:lnTo>
-                  <a:lnTo>
-                    <a:pt x="1806667" y="1448087"/>
-                  </a:lnTo>
-                  <a:lnTo>
-                    <a:pt x="1815230" y="1386801"/>
-                  </a:lnTo>
-                  <a:lnTo>
-                    <a:pt x="1821714" y="1325260"/>
-                  </a:lnTo>
-                  <a:lnTo>
-                    <a:pt x="1826112" y="1263535"/>
-                  </a:lnTo>
-                  <a:lnTo>
-                    <a:pt x="1828420" y="1201697"/>
-                  </a:lnTo>
-                  <a:lnTo>
-                    <a:pt x="1828634" y="1139816"/>
-                  </a:lnTo>
-                  <a:lnTo>
-                    <a:pt x="1826754" y="1077963"/>
-                  </a:lnTo>
-                  <a:lnTo>
-                    <a:pt x="1822783" y="1016209"/>
-                  </a:lnTo>
-                  <a:lnTo>
-                    <a:pt x="1816725" y="954625"/>
-                  </a:lnTo>
-                  <a:lnTo>
-                    <a:pt x="1808587" y="893281"/>
-                  </a:lnTo>
-                  <a:lnTo>
-                    <a:pt x="1798378" y="832248"/>
-                  </a:lnTo>
-                  <a:lnTo>
-                    <a:pt x="1786110" y="771594"/>
-                  </a:lnTo>
-                  <a:lnTo>
-                    <a:pt x="1771797" y="711391"/>
-                  </a:lnTo>
-                  <a:lnTo>
-                    <a:pt x="1755455" y="651706"/>
-                  </a:lnTo>
-                  <a:lnTo>
-                    <a:pt x="1737103" y="592609"/>
-                  </a:lnTo>
-                  <a:lnTo>
-                    <a:pt x="1716763" y="534166"/>
-                  </a:lnTo>
-                  <a:lnTo>
-                    <a:pt x="1694457" y="476445"/>
-                  </a:lnTo>
-                  <a:lnTo>
-                    <a:pt x="1670211" y="419511"/>
-                  </a:lnTo>
-                  <a:lnTo>
-                    <a:pt x="1644052" y="363431"/>
-                  </a:lnTo>
-                  <a:lnTo>
-                    <a:pt x="1616011" y="308267"/>
-                  </a:lnTo>
-                  <a:lnTo>
-                    <a:pt x="1586120" y="254084"/>
-                  </a:lnTo>
-                  <a:lnTo>
-                    <a:pt x="1554413" y="200943"/>
-                  </a:lnTo>
-                  <a:lnTo>
-                    <a:pt x="1520926" y="148905"/>
-                  </a:lnTo>
-                  <a:lnTo>
-                    <a:pt x="1485698" y="98030"/>
-                  </a:lnTo>
-                  <a:lnTo>
-                    <a:pt x="1448768" y="48376"/>
-                  </a:lnTo>
-                  <a:lnTo>
-                    <a:pt x="1410180" y="0"/>
-                  </a:lnTo>
-                  <a:lnTo>
-                    <a:pt x="1361553" y="40152"/>
-                  </a:lnTo>
-                  <a:lnTo>
-                    <a:pt x="1312926" y="80305"/>
-                  </a:lnTo>
-                  <a:lnTo>
-                    <a:pt x="1264300" y="120458"/>
-                  </a:lnTo>
-                  <a:lnTo>
-                    <a:pt x="1215673" y="160611"/>
-                  </a:lnTo>
-                  <a:lnTo>
-                    <a:pt x="1167046" y="200763"/>
-                  </a:lnTo>
-                  <a:lnTo>
-                    <a:pt x="1118419" y="240916"/>
-                  </a:lnTo>
-                  <a:lnTo>
-                    <a:pt x="1069792" y="281069"/>
-                  </a:lnTo>
-                  <a:lnTo>
-                    <a:pt x="1021165" y="321222"/>
-                  </a:lnTo>
-                  <a:lnTo>
-                    <a:pt x="972538" y="361375"/>
-                  </a:lnTo>
-                  <a:lnTo>
-                    <a:pt x="923911" y="401527"/>
-                  </a:lnTo>
-                  <a:lnTo>
-                    <a:pt x="875284" y="441680"/>
-                  </a:lnTo>
-                  <a:lnTo>
-                    <a:pt x="826657" y="481833"/>
-                  </a:lnTo>
-                  <a:lnTo>
-                    <a:pt x="778030" y="521986"/>
-                  </a:lnTo>
-                  <a:lnTo>
-                    <a:pt x="729403" y="562139"/>
-                  </a:lnTo>
-                  <a:lnTo>
-                    <a:pt x="680776" y="602291"/>
-                  </a:lnTo>
-                  <a:lnTo>
-                    <a:pt x="632150" y="642444"/>
-                  </a:lnTo>
-                  <a:lnTo>
-                    <a:pt x="583523" y="682597"/>
-                  </a:lnTo>
-                  <a:lnTo>
-                    <a:pt x="534896" y="722750"/>
-                  </a:lnTo>
-                  <a:lnTo>
-                    <a:pt x="486269" y="762903"/>
-                  </a:lnTo>
-                  <a:lnTo>
-                    <a:pt x="437642" y="803055"/>
-                  </a:lnTo>
-                  <a:lnTo>
-                    <a:pt x="389015" y="843208"/>
-                  </a:lnTo>
-                  <a:lnTo>
-                    <a:pt x="340388" y="883361"/>
-                  </a:lnTo>
-                  <a:lnTo>
-                    <a:pt x="291761" y="923514"/>
-                  </a:lnTo>
-                  <a:lnTo>
-                    <a:pt x="243134" y="963666"/>
-                  </a:lnTo>
-                  <a:lnTo>
-                    <a:pt x="194507" y="1003819"/>
-                  </a:lnTo>
-                  <a:lnTo>
-                    <a:pt x="145880" y="1043972"/>
-                  </a:lnTo>
-                  <a:lnTo>
-                    <a:pt x="97253" y="1084125"/>
-                  </a:lnTo>
-                  <a:lnTo>
-                    <a:pt x="48626" y="1124278"/>
+                    <a:pt x="59732" y="1169285"/>
+                  </a:lnTo>
+                  <a:lnTo>
+                    <a:pt x="119465" y="1187180"/>
+                  </a:lnTo>
+                  <a:lnTo>
+                    <a:pt x="179197" y="1205076"/>
+                  </a:lnTo>
+                  <a:lnTo>
+                    <a:pt x="238930" y="1222972"/>
+                  </a:lnTo>
+                  <a:lnTo>
+                    <a:pt x="298662" y="1240868"/>
+                  </a:lnTo>
+                  <a:lnTo>
+                    <a:pt x="358395" y="1258764"/>
+                  </a:lnTo>
+                  <a:lnTo>
+                    <a:pt x="418128" y="1276660"/>
+                  </a:lnTo>
+                  <a:lnTo>
+                    <a:pt x="477860" y="1294555"/>
+                  </a:lnTo>
+                  <a:lnTo>
+                    <a:pt x="537593" y="1312451"/>
+                  </a:lnTo>
+                  <a:lnTo>
+                    <a:pt x="597325" y="1330347"/>
+                  </a:lnTo>
+                  <a:lnTo>
+                    <a:pt x="657058" y="1348243"/>
+                  </a:lnTo>
+                  <a:lnTo>
+                    <a:pt x="716791" y="1366139"/>
+                  </a:lnTo>
+                  <a:lnTo>
+                    <a:pt x="776523" y="1384035"/>
+                  </a:lnTo>
+                  <a:lnTo>
+                    <a:pt x="836256" y="1401930"/>
+                  </a:lnTo>
+                  <a:lnTo>
+                    <a:pt x="895988" y="1419826"/>
+                  </a:lnTo>
+                  <a:lnTo>
+                    <a:pt x="955721" y="1437722"/>
+                  </a:lnTo>
+                  <a:lnTo>
+                    <a:pt x="1015453" y="1455618"/>
+                  </a:lnTo>
+                  <a:lnTo>
+                    <a:pt x="1075186" y="1473514"/>
+                  </a:lnTo>
+                  <a:lnTo>
+                    <a:pt x="1134919" y="1491410"/>
+                  </a:lnTo>
+                  <a:lnTo>
+                    <a:pt x="1194651" y="1509305"/>
+                  </a:lnTo>
+                  <a:lnTo>
+                    <a:pt x="1254384" y="1527201"/>
+                  </a:lnTo>
+                  <a:lnTo>
+                    <a:pt x="1314116" y="1545097"/>
+                  </a:lnTo>
+                  <a:lnTo>
+                    <a:pt x="1373849" y="1562993"/>
+                  </a:lnTo>
+                  <a:lnTo>
+                    <a:pt x="1433582" y="1580889"/>
+                  </a:lnTo>
+                  <a:lnTo>
+                    <a:pt x="1493314" y="1598785"/>
+                  </a:lnTo>
+                  <a:lnTo>
+                    <a:pt x="1553047" y="1616680"/>
+                  </a:lnTo>
+                  <a:lnTo>
+                    <a:pt x="1612779" y="1634576"/>
+                  </a:lnTo>
+                  <a:lnTo>
+                    <a:pt x="1672512" y="1652472"/>
+                  </a:lnTo>
+                  <a:lnTo>
+                    <a:pt x="1732244" y="1670368"/>
+                  </a:lnTo>
+                  <a:lnTo>
+                    <a:pt x="1748811" y="1611465"/>
+                  </a:lnTo>
+                  <a:lnTo>
+                    <a:pt x="1763375" y="1552035"/>
+                  </a:lnTo>
+                  <a:lnTo>
+                    <a:pt x="1775921" y="1492147"/>
+                  </a:lnTo>
+                  <a:lnTo>
+                    <a:pt x="1786433" y="1431868"/>
+                  </a:lnTo>
+                  <a:lnTo>
+                    <a:pt x="1794899" y="1371268"/>
+                  </a:lnTo>
+                  <a:lnTo>
+                    <a:pt x="1801311" y="1310417"/>
+                  </a:lnTo>
+                  <a:lnTo>
+                    <a:pt x="1805660" y="1249383"/>
+                  </a:lnTo>
+                  <a:lnTo>
+                    <a:pt x="1807941" y="1188238"/>
+                  </a:lnTo>
+                  <a:lnTo>
+                    <a:pt x="1808153" y="1127050"/>
+                  </a:lnTo>
+                  <a:lnTo>
+                    <a:pt x="1806295" y="1065890"/>
+                  </a:lnTo>
+                  <a:lnTo>
+                    <a:pt x="1802368" y="1004827"/>
+                  </a:lnTo>
+                  <a:lnTo>
+                    <a:pt x="1796378" y="943933"/>
+                  </a:lnTo>
+                  <a:lnTo>
+                    <a:pt x="1788330" y="883276"/>
+                  </a:lnTo>
+                  <a:lnTo>
+                    <a:pt x="1778236" y="822926"/>
+                  </a:lnTo>
+                  <a:lnTo>
+                    <a:pt x="1766105" y="762953"/>
+                  </a:lnTo>
+                  <a:lnTo>
+                    <a:pt x="1751952" y="703424"/>
+                  </a:lnTo>
+                  <a:lnTo>
+                    <a:pt x="1735794" y="644407"/>
+                  </a:lnTo>
+                  <a:lnTo>
+                    <a:pt x="1717648" y="585972"/>
+                  </a:lnTo>
+                  <a:lnTo>
+                    <a:pt x="1697535" y="528183"/>
+                  </a:lnTo>
+                  <a:lnTo>
+                    <a:pt x="1675479" y="471109"/>
+                  </a:lnTo>
+                  <a:lnTo>
+                    <a:pt x="1651504" y="414813"/>
+                  </a:lnTo>
+                  <a:lnTo>
+                    <a:pt x="1625639" y="359360"/>
+                  </a:lnTo>
+                  <a:lnTo>
+                    <a:pt x="1597912" y="304814"/>
+                  </a:lnTo>
+                  <a:lnTo>
+                    <a:pt x="1568355" y="251238"/>
+                  </a:lnTo>
+                  <a:lnTo>
+                    <a:pt x="1537003" y="198692"/>
+                  </a:lnTo>
+                  <a:lnTo>
+                    <a:pt x="1503892" y="147237"/>
+                  </a:lnTo>
+                  <a:lnTo>
+                    <a:pt x="1469058" y="96932"/>
+                  </a:lnTo>
+                  <a:lnTo>
+                    <a:pt x="1432542" y="47834"/>
+                  </a:lnTo>
+                  <a:lnTo>
+                    <a:pt x="1394386" y="0"/>
+                  </a:lnTo>
+                  <a:lnTo>
+                    <a:pt x="1346304" y="39703"/>
+                  </a:lnTo>
+                  <a:lnTo>
+                    <a:pt x="1298222" y="79406"/>
+                  </a:lnTo>
+                  <a:lnTo>
+                    <a:pt x="1250139" y="119109"/>
+                  </a:lnTo>
+                  <a:lnTo>
+                    <a:pt x="1202057" y="158812"/>
+                  </a:lnTo>
+                  <a:lnTo>
+                    <a:pt x="1153975" y="198515"/>
+                  </a:lnTo>
+                  <a:lnTo>
+                    <a:pt x="1105892" y="238218"/>
+                  </a:lnTo>
+                  <a:lnTo>
+                    <a:pt x="1057810" y="277921"/>
+                  </a:lnTo>
+                  <a:lnTo>
+                    <a:pt x="1009728" y="317624"/>
+                  </a:lnTo>
+                  <a:lnTo>
+                    <a:pt x="961646" y="357327"/>
+                  </a:lnTo>
+                  <a:lnTo>
+                    <a:pt x="913563" y="397030"/>
+                  </a:lnTo>
+                  <a:lnTo>
+                    <a:pt x="865481" y="436733"/>
+                  </a:lnTo>
+                  <a:lnTo>
+                    <a:pt x="817399" y="476436"/>
+                  </a:lnTo>
+                  <a:lnTo>
+                    <a:pt x="769316" y="516140"/>
+                  </a:lnTo>
+                  <a:lnTo>
+                    <a:pt x="721234" y="555843"/>
+                  </a:lnTo>
+                  <a:lnTo>
+                    <a:pt x="673152" y="595546"/>
+                  </a:lnTo>
+                  <a:lnTo>
+                    <a:pt x="625069" y="635249"/>
+                  </a:lnTo>
+                  <a:lnTo>
+                    <a:pt x="576987" y="674952"/>
+                  </a:lnTo>
+                  <a:lnTo>
+                    <a:pt x="528905" y="714655"/>
+                  </a:lnTo>
+                  <a:lnTo>
+                    <a:pt x="480823" y="754358"/>
+                  </a:lnTo>
+                  <a:lnTo>
+                    <a:pt x="432740" y="794061"/>
+                  </a:lnTo>
+                  <a:lnTo>
+                    <a:pt x="384658" y="833764"/>
+                  </a:lnTo>
+                  <a:lnTo>
+                    <a:pt x="336576" y="873467"/>
+                  </a:lnTo>
+                  <a:lnTo>
+                    <a:pt x="288493" y="913170"/>
+                  </a:lnTo>
+                  <a:lnTo>
+                    <a:pt x="240411" y="952873"/>
+                  </a:lnTo>
+                  <a:lnTo>
+                    <a:pt x="192329" y="992576"/>
+                  </a:lnTo>
+                  <a:lnTo>
+                    <a:pt x="144246" y="1032280"/>
+                  </a:lnTo>
+                  <a:lnTo>
+                    <a:pt x="96164" y="1071983"/>
+                  </a:lnTo>
+                  <a:lnTo>
+                    <a:pt x="48082" y="1111686"/>
                   </a:lnTo>
                   <a:close/>
                 </a:path>
@@ -4062,264 +4062,264 @@
           </p:nvSpPr>
           <p:spPr>
             <a:xfrm>
-              <a:off x="5349081" y="1952625"/>
-              <a:ext cx="1410180" cy="1828799"/>
+              <a:off x="5349081" y="1973107"/>
+              <a:ext cx="1394386" cy="1808317"/>
             </a:xfrm>
             <a:custGeom>
               <a:avLst/>
               <a:pathLst>
-                <a:path w="1410180" h="1828799">
+                <a:path w="1394386" h="1808317">
                   <a:moveTo>
-                    <a:pt x="0" y="1828799"/>
+                    <a:pt x="0" y="1808317"/>
                   </a:moveTo>
                   <a:lnTo>
-                    <a:pt x="48626" y="1788647"/>
-                  </a:lnTo>
-                  <a:lnTo>
-                    <a:pt x="97253" y="1748494"/>
-                  </a:lnTo>
-                  <a:lnTo>
-                    <a:pt x="145880" y="1708341"/>
-                  </a:lnTo>
-                  <a:lnTo>
-                    <a:pt x="194507" y="1668188"/>
-                  </a:lnTo>
-                  <a:lnTo>
-                    <a:pt x="243134" y="1628036"/>
-                  </a:lnTo>
-                  <a:lnTo>
-                    <a:pt x="291761" y="1587883"/>
-                  </a:lnTo>
-                  <a:lnTo>
-                    <a:pt x="340388" y="1547730"/>
-                  </a:lnTo>
-                  <a:lnTo>
-                    <a:pt x="389015" y="1507577"/>
-                  </a:lnTo>
-                  <a:lnTo>
-                    <a:pt x="437642" y="1467424"/>
-                  </a:lnTo>
-                  <a:lnTo>
-                    <a:pt x="486269" y="1427272"/>
-                  </a:lnTo>
-                  <a:lnTo>
-                    <a:pt x="534896" y="1387119"/>
-                  </a:lnTo>
-                  <a:lnTo>
-                    <a:pt x="583523" y="1346966"/>
-                  </a:lnTo>
-                  <a:lnTo>
-                    <a:pt x="632150" y="1306813"/>
-                  </a:lnTo>
-                  <a:lnTo>
-                    <a:pt x="680776" y="1266660"/>
-                  </a:lnTo>
-                  <a:lnTo>
-                    <a:pt x="729403" y="1226508"/>
-                  </a:lnTo>
-                  <a:lnTo>
-                    <a:pt x="778030" y="1186355"/>
-                  </a:lnTo>
-                  <a:lnTo>
-                    <a:pt x="826657" y="1146202"/>
-                  </a:lnTo>
-                  <a:lnTo>
-                    <a:pt x="875284" y="1106049"/>
-                  </a:lnTo>
-                  <a:lnTo>
-                    <a:pt x="923911" y="1065896"/>
-                  </a:lnTo>
-                  <a:lnTo>
-                    <a:pt x="972538" y="1025744"/>
-                  </a:lnTo>
-                  <a:lnTo>
-                    <a:pt x="1021165" y="985591"/>
-                  </a:lnTo>
-                  <a:lnTo>
-                    <a:pt x="1069792" y="945438"/>
-                  </a:lnTo>
-                  <a:lnTo>
-                    <a:pt x="1118419" y="905285"/>
-                  </a:lnTo>
-                  <a:lnTo>
-                    <a:pt x="1167046" y="865133"/>
-                  </a:lnTo>
-                  <a:lnTo>
-                    <a:pt x="1215673" y="824980"/>
-                  </a:lnTo>
-                  <a:lnTo>
-                    <a:pt x="1264300" y="784827"/>
-                  </a:lnTo>
-                  <a:lnTo>
-                    <a:pt x="1312926" y="744674"/>
-                  </a:lnTo>
-                  <a:lnTo>
-                    <a:pt x="1361553" y="704521"/>
-                  </a:lnTo>
-                  <a:lnTo>
-                    <a:pt x="1410180" y="664369"/>
-                  </a:lnTo>
-                  <a:lnTo>
-                    <a:pt x="1369943" y="617286"/>
-                  </a:lnTo>
-                  <a:lnTo>
-                    <a:pt x="1328134" y="571593"/>
-                  </a:lnTo>
-                  <a:lnTo>
-                    <a:pt x="1284801" y="527341"/>
-                  </a:lnTo>
-                  <a:lnTo>
-                    <a:pt x="1239996" y="484583"/>
-                  </a:lnTo>
-                  <a:lnTo>
-                    <a:pt x="1193768" y="443366"/>
-                  </a:lnTo>
-                  <a:lnTo>
-                    <a:pt x="1146170" y="403738"/>
-                  </a:lnTo>
-                  <a:lnTo>
-                    <a:pt x="1097259" y="365744"/>
-                  </a:lnTo>
-                  <a:lnTo>
-                    <a:pt x="1047089" y="329428"/>
-                  </a:lnTo>
-                  <a:lnTo>
-                    <a:pt x="995718" y="294832"/>
-                  </a:lnTo>
-                  <a:lnTo>
-                    <a:pt x="943205" y="261996"/>
-                  </a:lnTo>
-                  <a:lnTo>
-                    <a:pt x="889610" y="230956"/>
-                  </a:lnTo>
-                  <a:lnTo>
-                    <a:pt x="834995" y="201749"/>
-                  </a:lnTo>
-                  <a:lnTo>
-                    <a:pt x="779422" y="174408"/>
-                  </a:lnTo>
-                  <a:lnTo>
-                    <a:pt x="722955" y="148965"/>
-                  </a:lnTo>
-                  <a:lnTo>
-                    <a:pt x="665659" y="125448"/>
-                  </a:lnTo>
-                  <a:lnTo>
-                    <a:pt x="607600" y="103885"/>
-                  </a:lnTo>
-                  <a:lnTo>
-                    <a:pt x="548844" y="84300"/>
-                  </a:lnTo>
-                  <a:lnTo>
-                    <a:pt x="489458" y="66716"/>
-                  </a:lnTo>
-                  <a:lnTo>
-                    <a:pt x="429511" y="51152"/>
-                  </a:lnTo>
-                  <a:lnTo>
-                    <a:pt x="369071" y="37628"/>
-                  </a:lnTo>
-                  <a:lnTo>
-                    <a:pt x="308208" y="26158"/>
-                  </a:lnTo>
-                  <a:lnTo>
-                    <a:pt x="246992" y="16755"/>
-                  </a:lnTo>
-                  <a:lnTo>
-                    <a:pt x="185492" y="9431"/>
-                  </a:lnTo>
-                  <a:lnTo>
-                    <a:pt x="123779" y="4193"/>
-                  </a:lnTo>
-                  <a:lnTo>
-                    <a:pt x="61925" y="1048"/>
+                    <a:pt x="48082" y="1768614"/>
+                  </a:lnTo>
+                  <a:lnTo>
+                    <a:pt x="96164" y="1728911"/>
+                  </a:lnTo>
+                  <a:lnTo>
+                    <a:pt x="144246" y="1689208"/>
+                  </a:lnTo>
+                  <a:lnTo>
+                    <a:pt x="192329" y="1649505"/>
+                  </a:lnTo>
+                  <a:lnTo>
+                    <a:pt x="240411" y="1609802"/>
+                  </a:lnTo>
+                  <a:lnTo>
+                    <a:pt x="288493" y="1570098"/>
+                  </a:lnTo>
+                  <a:lnTo>
+                    <a:pt x="336576" y="1530395"/>
+                  </a:lnTo>
+                  <a:lnTo>
+                    <a:pt x="384658" y="1490692"/>
+                  </a:lnTo>
+                  <a:lnTo>
+                    <a:pt x="432740" y="1450989"/>
+                  </a:lnTo>
+                  <a:lnTo>
+                    <a:pt x="480823" y="1411286"/>
+                  </a:lnTo>
+                  <a:lnTo>
+                    <a:pt x="528905" y="1371583"/>
+                  </a:lnTo>
+                  <a:lnTo>
+                    <a:pt x="576987" y="1331880"/>
+                  </a:lnTo>
+                  <a:lnTo>
+                    <a:pt x="625069" y="1292177"/>
+                  </a:lnTo>
+                  <a:lnTo>
+                    <a:pt x="673152" y="1252474"/>
+                  </a:lnTo>
+                  <a:lnTo>
+                    <a:pt x="721234" y="1212771"/>
+                  </a:lnTo>
+                  <a:lnTo>
+                    <a:pt x="769316" y="1173068"/>
+                  </a:lnTo>
+                  <a:lnTo>
+                    <a:pt x="817399" y="1133365"/>
+                  </a:lnTo>
+                  <a:lnTo>
+                    <a:pt x="865481" y="1093662"/>
+                  </a:lnTo>
+                  <a:lnTo>
+                    <a:pt x="913563" y="1053958"/>
+                  </a:lnTo>
+                  <a:lnTo>
+                    <a:pt x="961646" y="1014255"/>
+                  </a:lnTo>
+                  <a:lnTo>
+                    <a:pt x="1009728" y="974552"/>
+                  </a:lnTo>
+                  <a:lnTo>
+                    <a:pt x="1057810" y="934849"/>
+                  </a:lnTo>
+                  <a:lnTo>
+                    <a:pt x="1105892" y="895146"/>
+                  </a:lnTo>
+                  <a:lnTo>
+                    <a:pt x="1153975" y="855443"/>
+                  </a:lnTo>
+                  <a:lnTo>
+                    <a:pt x="1202057" y="815740"/>
+                  </a:lnTo>
+                  <a:lnTo>
+                    <a:pt x="1250139" y="776037"/>
+                  </a:lnTo>
+                  <a:lnTo>
+                    <a:pt x="1298222" y="736334"/>
+                  </a:lnTo>
+                  <a:lnTo>
+                    <a:pt x="1346304" y="696631"/>
+                  </a:lnTo>
+                  <a:lnTo>
+                    <a:pt x="1394386" y="656928"/>
+                  </a:lnTo>
+                  <a:lnTo>
+                    <a:pt x="1354599" y="610372"/>
+                  </a:lnTo>
+                  <a:lnTo>
+                    <a:pt x="1313258" y="565191"/>
+                  </a:lnTo>
+                  <a:lnTo>
+                    <a:pt x="1270412" y="521435"/>
+                  </a:lnTo>
+                  <a:lnTo>
+                    <a:pt x="1226108" y="479155"/>
+                  </a:lnTo>
+                  <a:lnTo>
+                    <a:pt x="1180397" y="438400"/>
+                  </a:lnTo>
+                  <a:lnTo>
+                    <a:pt x="1133333" y="399216"/>
+                  </a:lnTo>
+                  <a:lnTo>
+                    <a:pt x="1084969" y="361648"/>
+                  </a:lnTo>
+                  <a:lnTo>
+                    <a:pt x="1035361" y="325739"/>
+                  </a:lnTo>
+                  <a:lnTo>
+                    <a:pt x="984566" y="291530"/>
+                  </a:lnTo>
+                  <a:lnTo>
+                    <a:pt x="932641" y="259061"/>
+                  </a:lnTo>
+                  <a:lnTo>
+                    <a:pt x="879646" y="228370"/>
+                  </a:lnTo>
+                  <a:lnTo>
+                    <a:pt x="825643" y="199490"/>
+                  </a:lnTo>
+                  <a:lnTo>
+                    <a:pt x="770692" y="172455"/>
+                  </a:lnTo>
+                  <a:lnTo>
+                    <a:pt x="714858" y="147296"/>
+                  </a:lnTo>
+                  <a:lnTo>
+                    <a:pt x="658204" y="124043"/>
+                  </a:lnTo>
+                  <a:lnTo>
+                    <a:pt x="600795" y="102721"/>
+                  </a:lnTo>
+                  <a:lnTo>
+                    <a:pt x="542696" y="83356"/>
+                  </a:lnTo>
+                  <a:lnTo>
+                    <a:pt x="483976" y="65968"/>
+                  </a:lnTo>
+                  <a:lnTo>
+                    <a:pt x="424700" y="50579"/>
+                  </a:lnTo>
+                  <a:lnTo>
+                    <a:pt x="364937" y="37206"/>
+                  </a:lnTo>
+                  <a:lnTo>
+                    <a:pt x="304756" y="25865"/>
+                  </a:lnTo>
+                  <a:lnTo>
+                    <a:pt x="244225" y="16568"/>
+                  </a:lnTo>
+                  <a:lnTo>
+                    <a:pt x="183414" y="9325"/>
+                  </a:lnTo>
+                  <a:lnTo>
+                    <a:pt x="122393" y="4146"/>
+                  </a:lnTo>
+                  <a:lnTo>
+                    <a:pt x="61231" y="1036"/>
                   </a:lnTo>
                   <a:lnTo>
                     <a:pt x="0" y="0"/>
                   </a:lnTo>
                   <a:lnTo>
-                    <a:pt x="0" y="63062"/>
-                  </a:lnTo>
-                  <a:lnTo>
-                    <a:pt x="0" y="126124"/>
-                  </a:lnTo>
-                  <a:lnTo>
-                    <a:pt x="0" y="189186"/>
-                  </a:lnTo>
-                  <a:lnTo>
-                    <a:pt x="0" y="252248"/>
-                  </a:lnTo>
-                  <a:lnTo>
-                    <a:pt x="0" y="315310"/>
-                  </a:lnTo>
-                  <a:lnTo>
-                    <a:pt x="0" y="378372"/>
-                  </a:lnTo>
-                  <a:lnTo>
-                    <a:pt x="0" y="441434"/>
-                  </a:lnTo>
-                  <a:lnTo>
-                    <a:pt x="0" y="504496"/>
-                  </a:lnTo>
-                  <a:lnTo>
-                    <a:pt x="0" y="567558"/>
-                  </a:lnTo>
-                  <a:lnTo>
-                    <a:pt x="0" y="630620"/>
-                  </a:lnTo>
-                  <a:lnTo>
-                    <a:pt x="0" y="693682"/>
-                  </a:lnTo>
-                  <a:lnTo>
-                    <a:pt x="0" y="756744"/>
-                  </a:lnTo>
-                  <a:lnTo>
-                    <a:pt x="0" y="819806"/>
-                  </a:lnTo>
-                  <a:lnTo>
-                    <a:pt x="0" y="882868"/>
-                  </a:lnTo>
-                  <a:lnTo>
-                    <a:pt x="0" y="945931"/>
-                  </a:lnTo>
-                  <a:lnTo>
-                    <a:pt x="0" y="1008993"/>
-                  </a:lnTo>
-                  <a:lnTo>
-                    <a:pt x="0" y="1072055"/>
-                  </a:lnTo>
-                  <a:lnTo>
-                    <a:pt x="0" y="1135117"/>
-                  </a:lnTo>
-                  <a:lnTo>
-                    <a:pt x="0" y="1198179"/>
-                  </a:lnTo>
-                  <a:lnTo>
-                    <a:pt x="0" y="1261241"/>
-                  </a:lnTo>
-                  <a:lnTo>
-                    <a:pt x="0" y="1324303"/>
-                  </a:lnTo>
-                  <a:lnTo>
-                    <a:pt x="0" y="1387365"/>
-                  </a:lnTo>
-                  <a:lnTo>
-                    <a:pt x="0" y="1450427"/>
-                  </a:lnTo>
-                  <a:lnTo>
-                    <a:pt x="0" y="1513489"/>
-                  </a:lnTo>
-                  <a:lnTo>
-                    <a:pt x="0" y="1576551"/>
-                  </a:lnTo>
-                  <a:lnTo>
-                    <a:pt x="0" y="1639613"/>
-                  </a:lnTo>
-                  <a:lnTo>
-                    <a:pt x="0" y="1702675"/>
-                  </a:lnTo>
-                  <a:lnTo>
-                    <a:pt x="0" y="1765737"/>
+                    <a:pt x="0" y="62355"/>
+                  </a:lnTo>
+                  <a:lnTo>
+                    <a:pt x="0" y="124711"/>
+                  </a:lnTo>
+                  <a:lnTo>
+                    <a:pt x="0" y="187067"/>
+                  </a:lnTo>
+                  <a:lnTo>
+                    <a:pt x="0" y="249423"/>
+                  </a:lnTo>
+                  <a:lnTo>
+                    <a:pt x="0" y="311778"/>
+                  </a:lnTo>
+                  <a:lnTo>
+                    <a:pt x="0" y="374134"/>
+                  </a:lnTo>
+                  <a:lnTo>
+                    <a:pt x="0" y="436490"/>
+                  </a:lnTo>
+                  <a:lnTo>
+                    <a:pt x="0" y="498846"/>
+                  </a:lnTo>
+                  <a:lnTo>
+                    <a:pt x="0" y="561201"/>
+                  </a:lnTo>
+                  <a:lnTo>
+                    <a:pt x="0" y="623557"/>
+                  </a:lnTo>
+                  <a:lnTo>
+                    <a:pt x="0" y="685913"/>
+                  </a:lnTo>
+                  <a:lnTo>
+                    <a:pt x="0" y="748269"/>
+                  </a:lnTo>
+                  <a:lnTo>
+                    <a:pt x="0" y="810625"/>
+                  </a:lnTo>
+                  <a:lnTo>
+                    <a:pt x="0" y="872980"/>
+                  </a:lnTo>
+                  <a:lnTo>
+                    <a:pt x="0" y="935336"/>
+                  </a:lnTo>
+                  <a:lnTo>
+                    <a:pt x="0" y="997692"/>
+                  </a:lnTo>
+                  <a:lnTo>
+                    <a:pt x="0" y="1060048"/>
+                  </a:lnTo>
+                  <a:lnTo>
+                    <a:pt x="0" y="1122403"/>
+                  </a:lnTo>
+                  <a:lnTo>
+                    <a:pt x="0" y="1184759"/>
+                  </a:lnTo>
+                  <a:lnTo>
+                    <a:pt x="0" y="1247115"/>
+                  </a:lnTo>
+                  <a:lnTo>
+                    <a:pt x="0" y="1309471"/>
+                  </a:lnTo>
+                  <a:lnTo>
+                    <a:pt x="0" y="1371827"/>
+                  </a:lnTo>
+                  <a:lnTo>
+                    <a:pt x="0" y="1434182"/>
+                  </a:lnTo>
+                  <a:lnTo>
+                    <a:pt x="0" y="1496538"/>
+                  </a:lnTo>
+                  <a:lnTo>
+                    <a:pt x="0" y="1558894"/>
+                  </a:lnTo>
+                  <a:lnTo>
+                    <a:pt x="0" y="1621250"/>
+                  </a:lnTo>
+                  <a:lnTo>
+                    <a:pt x="0" y="1683605"/>
+                  </a:lnTo>
+                  <a:lnTo>
+                    <a:pt x="0" y="1745961"/>
                   </a:lnTo>
                   <a:close/>
                 </a:path>
@@ -4354,7 +4354,7 @@
           </p:nvSpPr>
           <p:spPr>
             <a:xfrm>
-              <a:off x="4311813" y="4273789"/>
+              <a:off x="4320028" y="4267675"/>
               <a:ext cx="607504" cy="103783"/>
             </a:xfrm>
             <a:prstGeom prst="rect">
@@ -4400,7 +4400,7 @@
           </p:nvSpPr>
           <p:spPr>
             <a:xfrm>
-              <a:off x="6019383" y="3546541"/>
+              <a:off x="6009345" y="3548571"/>
               <a:ext cx="451897" cy="103783"/>
             </a:xfrm>
             <a:prstGeom prst="rect">
@@ -4446,7 +4446,7 @@
           </p:nvSpPr>
           <p:spPr>
             <a:xfrm>
-              <a:off x="5462252" y="2904049"/>
+              <a:off x="5457888" y="2913313"/>
               <a:ext cx="553079" cy="100360"/>
             </a:xfrm>
             <a:prstGeom prst="rect">

--- a/_book/plot/global-document-type-1.pptx
+++ b/_book/plot/global-document-type-1.pptx
@@ -4348,140 +4348,8600 @@
         </p:sp>
         <p:sp>
           <p:nvSpPr>
-            <p:cNvPr id="7" name="tx7"/>
+            <p:cNvPr id="7" name="pg7"/>
             <p:cNvSpPr/>
             <p:nvPr/>
           </p:nvSpPr>
           <p:spPr>
             <a:xfrm>
-              <a:off x="4320028" y="4267675"/>
-              <a:ext cx="607504" cy="103783"/>
+              <a:off x="4323519" y="4273049"/>
+              <a:ext cx="94062" cy="96458"/>
             </a:xfrm>
-            <a:prstGeom prst="rect">
+            <a:custGeom>
               <a:avLst/>
-            </a:prstGeom>
-            <a:noFill/>
+              <a:pathLst>
+                <a:path w="94062" h="96458">
+                  <a:moveTo>
+                    <a:pt x="74072" y="96458"/>
+                  </a:moveTo>
+                  <a:lnTo>
+                    <a:pt x="65515" y="71813"/>
+                  </a:lnTo>
+                  <a:lnTo>
+                    <a:pt x="28752" y="71813"/>
+                  </a:lnTo>
+                  <a:lnTo>
+                    <a:pt x="20195" y="96458"/>
+                  </a:lnTo>
+                  <a:lnTo>
+                    <a:pt x="0" y="96458"/>
+                  </a:lnTo>
+                  <a:lnTo>
+                    <a:pt x="35187" y="0"/>
+                  </a:lnTo>
+                  <a:lnTo>
+                    <a:pt x="59011" y="0"/>
+                  </a:lnTo>
+                  <a:lnTo>
+                    <a:pt x="94062" y="96458"/>
+                  </a:lnTo>
+                  <a:close/>
+                </a:path>
+              </a:pathLst>
+            </a:custGeom>
+            <a:solidFill>
+              <a:srgbClr val="FFFFFF">
+                <a:alpha val="100000"/>
+              </a:srgbClr>
+            </a:solidFill>
           </p:spPr>
           <p:txBody>
-            <a:bodyPr lIns="0" rIns="0" tIns="0" bIns="0" anchorCtr="1" anchor="ctr" wrap="none"/>
+            <a:bodyPr/>
             <a:lstStyle/>
-            <a:p>
-              <a:pPr algn="l" marL="0" marR="0" indent="0">
-                <a:lnSpc>
-                  <a:spcPts val="1103"/>
-                </a:lnSpc>
-                <a:spcBef>
-                  <a:spcPts val="0"/>
-                </a:spcBef>
-                <a:spcAft>
-                  <a:spcPts val="0"/>
-                </a:spcAft>
-              </a:pPr>
-              <a:r>
-                <a:rPr sz="1103" b="1">
-                  <a:solidFill>
-                    <a:srgbClr val="FFFFFF">
-                      <a:alpha val="100000"/>
-                    </a:srgbClr>
-                  </a:solidFill>
-                  <a:latin typeface="Arial"/>
-                  <a:cs typeface="Arial"/>
-                </a:rPr>
-                <a:t>ARTICLE</a:t>
-              </a:r>
-            </a:p>
+            <a:p/>
           </p:txBody>
         </p:sp>
         <p:sp>
           <p:nvSpPr>
-            <p:cNvPr id="8" name="tx8"/>
+            <p:cNvPr id="8" name="pg8"/>
             <p:cNvSpPr/>
             <p:nvPr/>
           </p:nvSpPr>
           <p:spPr>
             <a:xfrm>
-              <a:off x="6009345" y="3548571"/>
-              <a:ext cx="451897" cy="103783"/>
+              <a:off x="4356790" y="4288244"/>
+              <a:ext cx="27725" cy="41420"/>
             </a:xfrm>
-            <a:prstGeom prst="rect">
+            <a:custGeom>
               <a:avLst/>
-            </a:prstGeom>
-            <a:noFill/>
+              <a:pathLst>
+                <a:path w="27725" h="41420">
+                  <a:moveTo>
+                    <a:pt x="18210" y="13694"/>
+                  </a:moveTo>
+                  <a:lnTo>
+                    <a:pt x="18045" y="13215"/>
+                  </a:lnTo>
+                  <a:lnTo>
+                    <a:pt x="17881" y="12736"/>
+                  </a:lnTo>
+                  <a:lnTo>
+                    <a:pt x="17717" y="12256"/>
+                  </a:lnTo>
+                  <a:lnTo>
+                    <a:pt x="17552" y="11777"/>
+                  </a:lnTo>
+                  <a:lnTo>
+                    <a:pt x="17388" y="11298"/>
+                  </a:lnTo>
+                  <a:lnTo>
+                    <a:pt x="17224" y="10819"/>
+                  </a:lnTo>
+                  <a:lnTo>
+                    <a:pt x="17059" y="10340"/>
+                  </a:lnTo>
+                  <a:lnTo>
+                    <a:pt x="16895" y="9860"/>
+                  </a:lnTo>
+                  <a:lnTo>
+                    <a:pt x="16731" y="9381"/>
+                  </a:lnTo>
+                  <a:lnTo>
+                    <a:pt x="16567" y="8902"/>
+                  </a:lnTo>
+                  <a:lnTo>
+                    <a:pt x="16417" y="8414"/>
+                  </a:lnTo>
+                  <a:lnTo>
+                    <a:pt x="16271" y="7935"/>
+                  </a:lnTo>
+                  <a:lnTo>
+                    <a:pt x="16127" y="7466"/>
+                  </a:lnTo>
+                  <a:lnTo>
+                    <a:pt x="15986" y="7007"/>
+                  </a:lnTo>
+                  <a:lnTo>
+                    <a:pt x="15848" y="6557"/>
+                  </a:lnTo>
+                  <a:lnTo>
+                    <a:pt x="15712" y="6117"/>
+                  </a:lnTo>
+                  <a:lnTo>
+                    <a:pt x="15579" y="5686"/>
+                  </a:lnTo>
+                  <a:lnTo>
+                    <a:pt x="15449" y="5265"/>
+                  </a:lnTo>
+                  <a:lnTo>
+                    <a:pt x="15322" y="4854"/>
+                  </a:lnTo>
+                  <a:lnTo>
+                    <a:pt x="15197" y="4452"/>
+                  </a:lnTo>
+                  <a:lnTo>
+                    <a:pt x="15089" y="4049"/>
+                  </a:lnTo>
+                  <a:lnTo>
+                    <a:pt x="14984" y="3661"/>
+                  </a:lnTo>
+                  <a:lnTo>
+                    <a:pt x="14881" y="3288"/>
+                  </a:lnTo>
+                  <a:lnTo>
+                    <a:pt x="14781" y="2930"/>
+                  </a:lnTo>
+                  <a:lnTo>
+                    <a:pt x="14684" y="2587"/>
+                  </a:lnTo>
+                  <a:lnTo>
+                    <a:pt x="14589" y="2259"/>
+                  </a:lnTo>
+                  <a:lnTo>
+                    <a:pt x="14498" y="1946"/>
+                  </a:lnTo>
+                  <a:lnTo>
+                    <a:pt x="14409" y="1648"/>
+                  </a:lnTo>
+                  <a:lnTo>
+                    <a:pt x="14322" y="1365"/>
+                  </a:lnTo>
+                  <a:lnTo>
+                    <a:pt x="14239" y="1098"/>
+                  </a:lnTo>
+                  <a:lnTo>
+                    <a:pt x="14173" y="849"/>
+                  </a:lnTo>
+                  <a:lnTo>
+                    <a:pt x="14113" y="624"/>
+                  </a:lnTo>
+                  <a:lnTo>
+                    <a:pt x="14058" y="422"/>
+                  </a:lnTo>
+                  <a:lnTo>
+                    <a:pt x="14009" y="243"/>
+                  </a:lnTo>
+                  <a:lnTo>
+                    <a:pt x="13965" y="88"/>
+                  </a:lnTo>
+                  <a:lnTo>
+                    <a:pt x="13730" y="0"/>
+                  </a:lnTo>
+                  <a:lnTo>
+                    <a:pt x="13691" y="139"/>
+                  </a:lnTo>
+                  <a:lnTo>
+                    <a:pt x="13647" y="301"/>
+                  </a:lnTo>
+                  <a:lnTo>
+                    <a:pt x="13598" y="484"/>
+                  </a:lnTo>
+                  <a:lnTo>
+                    <a:pt x="13543" y="690"/>
+                  </a:lnTo>
+                  <a:lnTo>
+                    <a:pt x="13483" y="917"/>
+                  </a:lnTo>
+                  <a:lnTo>
+                    <a:pt x="13417" y="1166"/>
+                  </a:lnTo>
+                  <a:lnTo>
+                    <a:pt x="13346" y="1433"/>
+                  </a:lnTo>
+                  <a:lnTo>
+                    <a:pt x="13270" y="1714"/>
+                  </a:lnTo>
+                  <a:lnTo>
+                    <a:pt x="13187" y="2008"/>
+                  </a:lnTo>
+                  <a:lnTo>
+                    <a:pt x="13100" y="2316"/>
+                  </a:lnTo>
+                  <a:lnTo>
+                    <a:pt x="13007" y="2638"/>
+                  </a:lnTo>
+                  <a:lnTo>
+                    <a:pt x="12908" y="2973"/>
+                  </a:lnTo>
+                  <a:lnTo>
+                    <a:pt x="12804" y="3322"/>
+                  </a:lnTo>
+                  <a:lnTo>
+                    <a:pt x="12695" y="3685"/>
+                  </a:lnTo>
+                  <a:lnTo>
+                    <a:pt x="12580" y="4062"/>
+                  </a:lnTo>
+                  <a:lnTo>
+                    <a:pt x="12459" y="4452"/>
+                  </a:lnTo>
+                  <a:lnTo>
+                    <a:pt x="12347" y="4854"/>
+                  </a:lnTo>
+                  <a:lnTo>
+                    <a:pt x="12229" y="5265"/>
+                  </a:lnTo>
+                  <a:lnTo>
+                    <a:pt x="12106" y="5686"/>
+                  </a:lnTo>
+                  <a:lnTo>
+                    <a:pt x="11977" y="6117"/>
+                  </a:lnTo>
+                  <a:lnTo>
+                    <a:pt x="11843" y="6557"/>
+                  </a:lnTo>
+                  <a:lnTo>
+                    <a:pt x="11703" y="7007"/>
+                  </a:lnTo>
+                  <a:lnTo>
+                    <a:pt x="11558" y="7466"/>
+                  </a:lnTo>
+                  <a:lnTo>
+                    <a:pt x="11407" y="7935"/>
+                  </a:lnTo>
+                  <a:lnTo>
+                    <a:pt x="11251" y="8414"/>
+                  </a:lnTo>
+                  <a:lnTo>
+                    <a:pt x="11090" y="8902"/>
+                  </a:lnTo>
+                  <a:lnTo>
+                    <a:pt x="10939" y="9381"/>
+                  </a:lnTo>
+                  <a:lnTo>
+                    <a:pt x="10786" y="9860"/>
+                  </a:lnTo>
+                  <a:lnTo>
+                    <a:pt x="10632" y="10340"/>
+                  </a:lnTo>
+                  <a:lnTo>
+                    <a:pt x="10476" y="10819"/>
+                  </a:lnTo>
+                  <a:lnTo>
+                    <a:pt x="10320" y="11298"/>
+                  </a:lnTo>
+                  <a:lnTo>
+                    <a:pt x="10162" y="11777"/>
+                  </a:lnTo>
+                  <a:lnTo>
+                    <a:pt x="10002" y="12256"/>
+                  </a:lnTo>
+                  <a:lnTo>
+                    <a:pt x="9841" y="12736"/>
+                  </a:lnTo>
+                  <a:lnTo>
+                    <a:pt x="9679" y="13215"/>
+                  </a:lnTo>
+                  <a:lnTo>
+                    <a:pt x="9515" y="13694"/>
+                  </a:lnTo>
+                  <a:lnTo>
+                    <a:pt x="0" y="41420"/>
+                  </a:lnTo>
+                  <a:lnTo>
+                    <a:pt x="27725" y="41420"/>
+                  </a:lnTo>
+                  <a:close/>
+                </a:path>
+              </a:pathLst>
+            </a:custGeom>
+            <a:solidFill>
+              <a:srgbClr val="FFFFFF">
+                <a:alpha val="100000"/>
+              </a:srgbClr>
+            </a:solidFill>
           </p:spPr>
           <p:txBody>
-            <a:bodyPr lIns="0" rIns="0" tIns="0" bIns="0" anchorCtr="1" anchor="ctr" wrap="none"/>
+            <a:bodyPr/>
             <a:lstStyle/>
-            <a:p>
-              <a:pPr algn="l" marL="0" marR="0" indent="0">
-                <a:lnSpc>
-                  <a:spcPts val="1103"/>
-                </a:lnSpc>
-                <a:spcBef>
-                  <a:spcPts val="0"/>
-                </a:spcBef>
-                <a:spcAft>
-                  <a:spcPts val="0"/>
-                </a:spcAft>
-              </a:pPr>
-              <a:r>
-                <a:rPr sz="1103" b="1">
-                  <a:solidFill>
-                    <a:srgbClr val="FFFFFF">
-                      <a:alpha val="100000"/>
-                    </a:srgbClr>
-                  </a:solidFill>
-                  <a:latin typeface="Arial"/>
-                  <a:cs typeface="Arial"/>
-                </a:rPr>
-                <a:t>Others</a:t>
-              </a:r>
-            </a:p>
+            <a:p/>
           </p:txBody>
         </p:sp>
         <p:sp>
           <p:nvSpPr>
-            <p:cNvPr id="9" name="tx9"/>
+            <p:cNvPr id="9" name="pg9"/>
             <p:cNvSpPr/>
             <p:nvPr/>
           </p:nvSpPr>
           <p:spPr>
             <a:xfrm>
-              <a:off x="5457888" y="2913313"/>
-              <a:ext cx="553079" cy="100360"/>
+              <a:off x="4430658" y="4273049"/>
+              <a:ext cx="88996" cy="96458"/>
             </a:xfrm>
-            <a:prstGeom prst="rect">
+            <a:custGeom>
               <a:avLst/>
-            </a:prstGeom>
-            <a:noFill/>
+              <a:pathLst>
+                <a:path w="88996" h="96458">
+                  <a:moveTo>
+                    <a:pt x="66268" y="96458"/>
+                  </a:moveTo>
+                  <a:lnTo>
+                    <a:pt x="43882" y="59833"/>
+                  </a:lnTo>
+                  <a:lnTo>
+                    <a:pt x="20195" y="59833"/>
+                  </a:lnTo>
+                  <a:lnTo>
+                    <a:pt x="20195" y="96458"/>
+                  </a:lnTo>
+                  <a:lnTo>
+                    <a:pt x="0" y="96458"/>
+                  </a:lnTo>
+                  <a:lnTo>
+                    <a:pt x="0" y="0"/>
+                  </a:lnTo>
+                  <a:lnTo>
+                    <a:pt x="48195" y="0"/>
+                  </a:lnTo>
+                  <a:lnTo>
+                    <a:pt x="49979" y="20"/>
+                  </a:lnTo>
+                  <a:lnTo>
+                    <a:pt x="51716" y="82"/>
+                  </a:lnTo>
+                  <a:lnTo>
+                    <a:pt x="53407" y="184"/>
+                  </a:lnTo>
+                  <a:lnTo>
+                    <a:pt x="55051" y="328"/>
+                  </a:lnTo>
+                  <a:lnTo>
+                    <a:pt x="56649" y="513"/>
+                  </a:lnTo>
+                  <a:lnTo>
+                    <a:pt x="58201" y="739"/>
+                  </a:lnTo>
+                  <a:lnTo>
+                    <a:pt x="59705" y="1006"/>
+                  </a:lnTo>
+                  <a:lnTo>
+                    <a:pt x="61163" y="1314"/>
+                  </a:lnTo>
+                  <a:lnTo>
+                    <a:pt x="62575" y="1663"/>
+                  </a:lnTo>
+                  <a:lnTo>
+                    <a:pt x="63940" y="2053"/>
+                  </a:lnTo>
+                  <a:lnTo>
+                    <a:pt x="65273" y="2468"/>
+                  </a:lnTo>
+                  <a:lnTo>
+                    <a:pt x="66561" y="2919"/>
+                  </a:lnTo>
+                  <a:lnTo>
+                    <a:pt x="67803" y="3405"/>
+                  </a:lnTo>
+                  <a:lnTo>
+                    <a:pt x="69001" y="3926"/>
+                  </a:lnTo>
+                  <a:lnTo>
+                    <a:pt x="70153" y="4484"/>
+                  </a:lnTo>
+                  <a:lnTo>
+                    <a:pt x="71260" y="5076"/>
+                  </a:lnTo>
+                  <a:lnTo>
+                    <a:pt x="72322" y="5705"/>
+                  </a:lnTo>
+                  <a:lnTo>
+                    <a:pt x="73338" y="6369"/>
+                  </a:lnTo>
+                  <a:lnTo>
+                    <a:pt x="74310" y="7069"/>
+                  </a:lnTo>
+                  <a:lnTo>
+                    <a:pt x="75236" y="7804"/>
+                  </a:lnTo>
+                  <a:lnTo>
+                    <a:pt x="76116" y="8560"/>
+                  </a:lnTo>
+                  <a:lnTo>
+                    <a:pt x="76950" y="9348"/>
+                  </a:lnTo>
+                  <a:lnTo>
+                    <a:pt x="77737" y="10170"/>
+                  </a:lnTo>
+                  <a:lnTo>
+                    <a:pt x="78478" y="11024"/>
+                  </a:lnTo>
+                  <a:lnTo>
+                    <a:pt x="79172" y="11911"/>
+                  </a:lnTo>
+                  <a:lnTo>
+                    <a:pt x="79820" y="12831"/>
+                  </a:lnTo>
+                  <a:lnTo>
+                    <a:pt x="80421" y="13784"/>
+                  </a:lnTo>
+                  <a:lnTo>
+                    <a:pt x="80975" y="14770"/>
+                  </a:lnTo>
+                  <a:lnTo>
+                    <a:pt x="81483" y="15789"/>
+                  </a:lnTo>
+                  <a:lnTo>
+                    <a:pt x="81945" y="16840"/>
+                  </a:lnTo>
+                  <a:lnTo>
+                    <a:pt x="82374" y="17908"/>
+                  </a:lnTo>
+                  <a:lnTo>
+                    <a:pt x="82758" y="19004"/>
+                  </a:lnTo>
+                  <a:lnTo>
+                    <a:pt x="83097" y="20126"/>
+                  </a:lnTo>
+                  <a:lnTo>
+                    <a:pt x="83391" y="21277"/>
+                  </a:lnTo>
+                  <a:lnTo>
+                    <a:pt x="83639" y="22454"/>
+                  </a:lnTo>
+                  <a:lnTo>
+                    <a:pt x="83842" y="23659"/>
+                  </a:lnTo>
+                  <a:lnTo>
+                    <a:pt x="84001" y="24891"/>
+                  </a:lnTo>
+                  <a:lnTo>
+                    <a:pt x="84114" y="26151"/>
+                  </a:lnTo>
+                  <a:lnTo>
+                    <a:pt x="84181" y="27438"/>
+                  </a:lnTo>
+                  <a:lnTo>
+                    <a:pt x="84204" y="28752"/>
+                  </a:lnTo>
+                  <a:lnTo>
+                    <a:pt x="84188" y="29825"/>
+                  </a:lnTo>
+                  <a:lnTo>
+                    <a:pt x="84138" y="30880"/>
+                  </a:lnTo>
+                  <a:lnTo>
+                    <a:pt x="84056" y="31917"/>
+                  </a:lnTo>
+                  <a:lnTo>
+                    <a:pt x="83941" y="32936"/>
+                  </a:lnTo>
+                  <a:lnTo>
+                    <a:pt x="83793" y="33938"/>
+                  </a:lnTo>
+                  <a:lnTo>
+                    <a:pt x="83612" y="34922"/>
+                  </a:lnTo>
+                  <a:lnTo>
+                    <a:pt x="83399" y="35888"/>
+                  </a:lnTo>
+                  <a:lnTo>
+                    <a:pt x="83152" y="36836"/>
+                  </a:lnTo>
+                  <a:lnTo>
+                    <a:pt x="82873" y="37766"/>
+                  </a:lnTo>
+                  <a:lnTo>
+                    <a:pt x="82561" y="38679"/>
+                  </a:lnTo>
+                  <a:lnTo>
+                    <a:pt x="82233" y="39559"/>
+                  </a:lnTo>
+                  <a:lnTo>
+                    <a:pt x="81879" y="40420"/>
+                  </a:lnTo>
+                  <a:lnTo>
+                    <a:pt x="81499" y="41262"/>
+                  </a:lnTo>
+                  <a:lnTo>
+                    <a:pt x="81093" y="42085"/>
+                  </a:lnTo>
+                  <a:lnTo>
+                    <a:pt x="80661" y="42889"/>
+                  </a:lnTo>
+                  <a:lnTo>
+                    <a:pt x="80203" y="43674"/>
+                  </a:lnTo>
+                  <a:lnTo>
+                    <a:pt x="79719" y="44439"/>
+                  </a:lnTo>
+                  <a:lnTo>
+                    <a:pt x="79209" y="45185"/>
+                  </a:lnTo>
+                  <a:lnTo>
+                    <a:pt x="78673" y="45912"/>
+                  </a:lnTo>
+                  <a:lnTo>
+                    <a:pt x="78111" y="46620"/>
+                  </a:lnTo>
+                  <a:lnTo>
+                    <a:pt x="77539" y="47307"/>
+                  </a:lnTo>
+                  <a:lnTo>
+                    <a:pt x="76945" y="47973"/>
+                  </a:lnTo>
+                  <a:lnTo>
+                    <a:pt x="76328" y="48616"/>
+                  </a:lnTo>
+                  <a:lnTo>
+                    <a:pt x="75690" y="49238"/>
+                  </a:lnTo>
+                  <a:lnTo>
+                    <a:pt x="75030" y="49838"/>
+                  </a:lnTo>
+                  <a:lnTo>
+                    <a:pt x="74349" y="50415"/>
+                  </a:lnTo>
+                  <a:lnTo>
+                    <a:pt x="73645" y="50971"/>
+                  </a:lnTo>
+                  <a:lnTo>
+                    <a:pt x="72919" y="51505"/>
+                  </a:lnTo>
+                  <a:lnTo>
+                    <a:pt x="72172" y="52017"/>
+                  </a:lnTo>
+                  <a:lnTo>
+                    <a:pt x="71402" y="52507"/>
+                  </a:lnTo>
+                  <a:lnTo>
+                    <a:pt x="70615" y="52961"/>
+                  </a:lnTo>
+                  <a:lnTo>
+                    <a:pt x="69814" y="53389"/>
+                  </a:lnTo>
+                  <a:lnTo>
+                    <a:pt x="68999" y="53793"/>
+                  </a:lnTo>
+                  <a:lnTo>
+                    <a:pt x="68171" y="54172"/>
+                  </a:lnTo>
+                  <a:lnTo>
+                    <a:pt x="67329" y="54527"/>
+                  </a:lnTo>
+                  <a:lnTo>
+                    <a:pt x="66473" y="54857"/>
+                  </a:lnTo>
+                  <a:lnTo>
+                    <a:pt x="65604" y="55162"/>
+                  </a:lnTo>
+                  <a:lnTo>
+                    <a:pt x="64721" y="55443"/>
+                  </a:lnTo>
+                  <a:lnTo>
+                    <a:pt x="63824" y="55699"/>
+                  </a:lnTo>
+                  <a:lnTo>
+                    <a:pt x="62913" y="55930"/>
+                  </a:lnTo>
+                  <a:lnTo>
+                    <a:pt x="88996" y="96458"/>
+                  </a:lnTo>
+                  <a:close/>
+                </a:path>
+              </a:pathLst>
+            </a:custGeom>
+            <a:solidFill>
+              <a:srgbClr val="FFFFFF">
+                <a:alpha val="100000"/>
+              </a:srgbClr>
+            </a:solidFill>
           </p:spPr>
           <p:txBody>
-            <a:bodyPr lIns="0" rIns="0" tIns="0" bIns="0" anchorCtr="1" anchor="ctr" wrap="none"/>
+            <a:bodyPr/>
             <a:lstStyle/>
-            <a:p>
-              <a:pPr algn="l" marL="0" marR="0" indent="0">
-                <a:lnSpc>
-                  <a:spcPts val="1103"/>
-                </a:lnSpc>
-                <a:spcBef>
-                  <a:spcPts val="0"/>
-                </a:spcBef>
-                <a:spcAft>
-                  <a:spcPts val="0"/>
-                </a:spcAft>
-              </a:pPr>
-              <a:r>
-                <a:rPr sz="1103" b="1">
-                  <a:solidFill>
-                    <a:srgbClr val="FFFFFF">
-                      <a:alpha val="100000"/>
-                    </a:srgbClr>
-                  </a:solidFill>
-                  <a:latin typeface="Arial"/>
-                  <a:cs typeface="Arial"/>
-                </a:rPr>
-                <a:t>REVIEW</a:t>
-              </a:r>
-            </a:p>
+            <a:p/>
+          </p:txBody>
+        </p:sp>
+        <p:sp>
+          <p:nvSpPr>
+            <p:cNvPr id="10" name="pg10"/>
+            <p:cNvSpPr/>
+            <p:nvPr/>
+          </p:nvSpPr>
+          <p:spPr>
+            <a:xfrm>
+              <a:off x="4450853" y="4288726"/>
+              <a:ext cx="43676" cy="28478"/>
+            </a:xfrm>
+            <a:custGeom>
+              <a:avLst/>
+              <a:pathLst>
+                <a:path w="43676" h="28478">
+                  <a:moveTo>
+                    <a:pt x="43676" y="13897"/>
+                  </a:moveTo>
+                  <a:lnTo>
+                    <a:pt x="43630" y="12523"/>
+                  </a:lnTo>
+                  <a:lnTo>
+                    <a:pt x="43490" y="11221"/>
+                  </a:lnTo>
+                  <a:lnTo>
+                    <a:pt x="43257" y="9992"/>
+                  </a:lnTo>
+                  <a:lnTo>
+                    <a:pt x="42931" y="8836"/>
+                  </a:lnTo>
+                  <a:lnTo>
+                    <a:pt x="42512" y="7752"/>
+                  </a:lnTo>
+                  <a:lnTo>
+                    <a:pt x="42000" y="6741"/>
+                  </a:lnTo>
+                  <a:lnTo>
+                    <a:pt x="41395" y="5803"/>
+                  </a:lnTo>
+                  <a:lnTo>
+                    <a:pt x="40697" y="4937"/>
+                  </a:lnTo>
+                  <a:lnTo>
+                    <a:pt x="39906" y="4143"/>
+                  </a:lnTo>
+                  <a:lnTo>
+                    <a:pt x="39021" y="3422"/>
+                  </a:lnTo>
+                  <a:lnTo>
+                    <a:pt x="38064" y="2772"/>
+                  </a:lnTo>
+                  <a:lnTo>
+                    <a:pt x="37028" y="2190"/>
+                  </a:lnTo>
+                  <a:lnTo>
+                    <a:pt x="35912" y="1677"/>
+                  </a:lnTo>
+                  <a:lnTo>
+                    <a:pt x="34716" y="1232"/>
+                  </a:lnTo>
+                  <a:lnTo>
+                    <a:pt x="33442" y="855"/>
+                  </a:lnTo>
+                  <a:lnTo>
+                    <a:pt x="32088" y="547"/>
+                  </a:lnTo>
+                  <a:lnTo>
+                    <a:pt x="30654" y="308"/>
+                  </a:lnTo>
+                  <a:lnTo>
+                    <a:pt x="29141" y="136"/>
+                  </a:lnTo>
+                  <a:lnTo>
+                    <a:pt x="27549" y="34"/>
+                  </a:lnTo>
+                  <a:lnTo>
+                    <a:pt x="25877" y="0"/>
+                  </a:lnTo>
+                  <a:lnTo>
+                    <a:pt x="0" y="0"/>
+                  </a:lnTo>
+                  <a:lnTo>
+                    <a:pt x="0" y="28478"/>
+                  </a:lnTo>
+                  <a:lnTo>
+                    <a:pt x="26425" y="28478"/>
+                  </a:lnTo>
+                  <a:lnTo>
+                    <a:pt x="27315" y="28468"/>
+                  </a:lnTo>
+                  <a:lnTo>
+                    <a:pt x="28180" y="28437"/>
+                  </a:lnTo>
+                  <a:lnTo>
+                    <a:pt x="29019" y="28386"/>
+                  </a:lnTo>
+                  <a:lnTo>
+                    <a:pt x="29831" y="28314"/>
+                  </a:lnTo>
+                  <a:lnTo>
+                    <a:pt x="30618" y="28222"/>
+                  </a:lnTo>
+                  <a:lnTo>
+                    <a:pt x="31378" y="28109"/>
+                  </a:lnTo>
+                  <a:lnTo>
+                    <a:pt x="32113" y="27975"/>
+                  </a:lnTo>
+                  <a:lnTo>
+                    <a:pt x="32821" y="27821"/>
+                  </a:lnTo>
+                  <a:lnTo>
+                    <a:pt x="33504" y="27647"/>
+                  </a:lnTo>
+                  <a:lnTo>
+                    <a:pt x="34160" y="27452"/>
+                  </a:lnTo>
+                  <a:lnTo>
+                    <a:pt x="34805" y="27224"/>
+                  </a:lnTo>
+                  <a:lnTo>
+                    <a:pt x="35426" y="26981"/>
+                  </a:lnTo>
+                  <a:lnTo>
+                    <a:pt x="36021" y="26720"/>
+                  </a:lnTo>
+                  <a:lnTo>
+                    <a:pt x="36592" y="26444"/>
+                  </a:lnTo>
+                  <a:lnTo>
+                    <a:pt x="37138" y="26151"/>
+                  </a:lnTo>
+                  <a:lnTo>
+                    <a:pt x="37660" y="25841"/>
+                  </a:lnTo>
+                  <a:lnTo>
+                    <a:pt x="38157" y="25515"/>
+                  </a:lnTo>
+                  <a:lnTo>
+                    <a:pt x="38629" y="25173"/>
+                  </a:lnTo>
+                  <a:lnTo>
+                    <a:pt x="39077" y="24814"/>
+                  </a:lnTo>
+                  <a:lnTo>
+                    <a:pt x="39500" y="24439"/>
+                  </a:lnTo>
+                  <a:lnTo>
+                    <a:pt x="39914" y="24035"/>
+                  </a:lnTo>
+                  <a:lnTo>
+                    <a:pt x="40305" y="23618"/>
+                  </a:lnTo>
+                  <a:lnTo>
+                    <a:pt x="40675" y="23187"/>
+                  </a:lnTo>
+                  <a:lnTo>
+                    <a:pt x="41023" y="22742"/>
+                  </a:lnTo>
+                  <a:lnTo>
+                    <a:pt x="41349" y="22283"/>
+                  </a:lnTo>
+                  <a:lnTo>
+                    <a:pt x="41653" y="21811"/>
+                  </a:lnTo>
+                  <a:lnTo>
+                    <a:pt x="41935" y="21324"/>
+                  </a:lnTo>
+                  <a:lnTo>
+                    <a:pt x="42195" y="20825"/>
+                  </a:lnTo>
+                  <a:lnTo>
+                    <a:pt x="42433" y="20311"/>
+                  </a:lnTo>
+                  <a:lnTo>
+                    <a:pt x="42649" y="19784"/>
+                  </a:lnTo>
+                  <a:lnTo>
+                    <a:pt x="42844" y="19245"/>
+                  </a:lnTo>
+                  <a:lnTo>
+                    <a:pt x="43019" y="18694"/>
+                  </a:lnTo>
+                  <a:lnTo>
+                    <a:pt x="43173" y="18133"/>
+                  </a:lnTo>
+                  <a:lnTo>
+                    <a:pt x="43307" y="17561"/>
+                  </a:lnTo>
+                  <a:lnTo>
+                    <a:pt x="43420" y="16977"/>
+                  </a:lnTo>
+                  <a:lnTo>
+                    <a:pt x="43512" y="16383"/>
+                  </a:lnTo>
+                  <a:lnTo>
+                    <a:pt x="43584" y="15778"/>
+                  </a:lnTo>
+                  <a:lnTo>
+                    <a:pt x="43635" y="15162"/>
+                  </a:lnTo>
+                  <a:lnTo>
+                    <a:pt x="43666" y="14535"/>
+                  </a:lnTo>
+                  <a:close/>
+                </a:path>
+              </a:pathLst>
+            </a:custGeom>
+            <a:solidFill>
+              <a:srgbClr val="FFFFFF">
+                <a:alpha val="100000"/>
+              </a:srgbClr>
+            </a:solidFill>
+          </p:spPr>
+          <p:txBody>
+            <a:bodyPr/>
+            <a:lstStyle/>
+            <a:p/>
+          </p:txBody>
+        </p:sp>
+        <p:sp>
+          <p:nvSpPr>
+            <p:cNvPr id="11" name="pg11"/>
+            <p:cNvSpPr/>
+            <p:nvPr/>
+          </p:nvSpPr>
+          <p:spPr>
+            <a:xfrm>
+              <a:off x="4524104" y="4273049"/>
+              <a:ext cx="82561" cy="96458"/>
+            </a:xfrm>
+            <a:custGeom>
+              <a:avLst/>
+              <a:pathLst>
+                <a:path w="82561" h="96458">
+                  <a:moveTo>
+                    <a:pt x="51344" y="15608"/>
+                  </a:moveTo>
+                  <a:lnTo>
+                    <a:pt x="51344" y="96458"/>
+                  </a:lnTo>
+                  <a:lnTo>
+                    <a:pt x="31148" y="96458"/>
+                  </a:lnTo>
+                  <a:lnTo>
+                    <a:pt x="31148" y="15608"/>
+                  </a:lnTo>
+                  <a:lnTo>
+                    <a:pt x="0" y="15608"/>
+                  </a:lnTo>
+                  <a:lnTo>
+                    <a:pt x="0" y="0"/>
+                  </a:lnTo>
+                  <a:lnTo>
+                    <a:pt x="82561" y="0"/>
+                  </a:lnTo>
+                  <a:lnTo>
+                    <a:pt x="82561" y="15608"/>
+                  </a:lnTo>
+                  <a:close/>
+                </a:path>
+              </a:pathLst>
+            </a:custGeom>
+            <a:solidFill>
+              <a:srgbClr val="FFFFFF">
+                <a:alpha val="100000"/>
+              </a:srgbClr>
+            </a:solidFill>
+          </p:spPr>
+          <p:txBody>
+            <a:bodyPr/>
+            <a:lstStyle/>
+            <a:p/>
+          </p:txBody>
+        </p:sp>
+        <p:sp>
+          <p:nvSpPr>
+            <p:cNvPr id="12" name="pg12"/>
+            <p:cNvSpPr/>
+            <p:nvPr/>
+          </p:nvSpPr>
+          <p:spPr>
+            <a:xfrm>
+              <a:off x="4617550" y="4273049"/>
+              <a:ext cx="20195" cy="96458"/>
+            </a:xfrm>
+            <a:custGeom>
+              <a:avLst/>
+              <a:pathLst>
+                <a:path w="20195" h="96458">
+                  <a:moveTo>
+                    <a:pt x="0" y="96458"/>
+                  </a:moveTo>
+                  <a:lnTo>
+                    <a:pt x="0" y="0"/>
+                  </a:lnTo>
+                  <a:lnTo>
+                    <a:pt x="20195" y="0"/>
+                  </a:lnTo>
+                  <a:lnTo>
+                    <a:pt x="20195" y="96458"/>
+                  </a:lnTo>
+                  <a:close/>
+                </a:path>
+              </a:pathLst>
+            </a:custGeom>
+            <a:solidFill>
+              <a:srgbClr val="FFFFFF">
+                <a:alpha val="100000"/>
+              </a:srgbClr>
+            </a:solidFill>
+          </p:spPr>
+          <p:txBody>
+            <a:bodyPr/>
+            <a:lstStyle/>
+            <a:p/>
+          </p:txBody>
+        </p:sp>
+        <p:sp>
+          <p:nvSpPr>
+            <p:cNvPr id="13" name="pg13"/>
+            <p:cNvSpPr/>
+            <p:nvPr/>
+          </p:nvSpPr>
+          <p:spPr>
+            <a:xfrm>
+              <a:off x="4652875" y="4271611"/>
+              <a:ext cx="91666" cy="99265"/>
+            </a:xfrm>
+            <a:custGeom>
+              <a:avLst/>
+              <a:pathLst>
+                <a:path w="91666" h="99265">
+                  <a:moveTo>
+                    <a:pt x="48674" y="83382"/>
+                  </a:moveTo>
+                  <a:lnTo>
+                    <a:pt x="49794" y="83367"/>
+                  </a:lnTo>
+                  <a:lnTo>
+                    <a:pt x="50884" y="83319"/>
+                  </a:lnTo>
+                  <a:lnTo>
+                    <a:pt x="51941" y="83241"/>
+                  </a:lnTo>
+                  <a:lnTo>
+                    <a:pt x="52968" y="83130"/>
+                  </a:lnTo>
+                  <a:lnTo>
+                    <a:pt x="53962" y="82989"/>
+                  </a:lnTo>
+                  <a:lnTo>
+                    <a:pt x="54925" y="82816"/>
+                  </a:lnTo>
+                  <a:lnTo>
+                    <a:pt x="55857" y="82611"/>
+                  </a:lnTo>
+                  <a:lnTo>
+                    <a:pt x="56757" y="82375"/>
+                  </a:lnTo>
+                  <a:lnTo>
+                    <a:pt x="57626" y="82107"/>
+                  </a:lnTo>
+                  <a:lnTo>
+                    <a:pt x="58463" y="81808"/>
+                  </a:lnTo>
+                  <a:lnTo>
+                    <a:pt x="59287" y="81470"/>
+                  </a:lnTo>
+                  <a:lnTo>
+                    <a:pt x="60087" y="81112"/>
+                  </a:lnTo>
+                  <a:lnTo>
+                    <a:pt x="60864" y="80736"/>
+                  </a:lnTo>
+                  <a:lnTo>
+                    <a:pt x="61618" y="80340"/>
+                  </a:lnTo>
+                  <a:lnTo>
+                    <a:pt x="62348" y="79925"/>
+                  </a:lnTo>
+                  <a:lnTo>
+                    <a:pt x="63056" y="79491"/>
+                  </a:lnTo>
+                  <a:lnTo>
+                    <a:pt x="63740" y="79038"/>
+                  </a:lnTo>
+                  <a:lnTo>
+                    <a:pt x="64400" y="78566"/>
+                  </a:lnTo>
+                  <a:lnTo>
+                    <a:pt x="65037" y="78074"/>
+                  </a:lnTo>
+                  <a:lnTo>
+                    <a:pt x="65652" y="77563"/>
+                  </a:lnTo>
+                  <a:lnTo>
+                    <a:pt x="66257" y="77036"/>
+                  </a:lnTo>
+                  <a:lnTo>
+                    <a:pt x="66840" y="76495"/>
+                  </a:lnTo>
+                  <a:lnTo>
+                    <a:pt x="67401" y="75941"/>
+                  </a:lnTo>
+                  <a:lnTo>
+                    <a:pt x="67941" y="75373"/>
+                  </a:lnTo>
+                  <a:lnTo>
+                    <a:pt x="68458" y="74791"/>
+                  </a:lnTo>
+                  <a:lnTo>
+                    <a:pt x="68954" y="74195"/>
+                  </a:lnTo>
+                  <a:lnTo>
+                    <a:pt x="69428" y="73586"/>
+                  </a:lnTo>
+                  <a:lnTo>
+                    <a:pt x="69880" y="72963"/>
+                  </a:lnTo>
+                  <a:lnTo>
+                    <a:pt x="70310" y="72326"/>
+                  </a:lnTo>
+                  <a:lnTo>
+                    <a:pt x="70718" y="71676"/>
+                  </a:lnTo>
+                  <a:lnTo>
+                    <a:pt x="71121" y="71018"/>
+                  </a:lnTo>
+                  <a:lnTo>
+                    <a:pt x="71509" y="70359"/>
+                  </a:lnTo>
+                  <a:lnTo>
+                    <a:pt x="71882" y="69698"/>
+                  </a:lnTo>
+                  <a:lnTo>
+                    <a:pt x="72240" y="69036"/>
+                  </a:lnTo>
+                  <a:lnTo>
+                    <a:pt x="72583" y="68373"/>
+                  </a:lnTo>
+                  <a:lnTo>
+                    <a:pt x="72911" y="67708"/>
+                  </a:lnTo>
+                  <a:lnTo>
+                    <a:pt x="73224" y="67042"/>
+                  </a:lnTo>
+                  <a:lnTo>
+                    <a:pt x="73522" y="66374"/>
+                  </a:lnTo>
+                  <a:lnTo>
+                    <a:pt x="73804" y="65706"/>
+                  </a:lnTo>
+                  <a:lnTo>
+                    <a:pt x="74072" y="65035"/>
+                  </a:lnTo>
+                  <a:lnTo>
+                    <a:pt x="91666" y="71676"/>
+                  </a:lnTo>
+                  <a:lnTo>
+                    <a:pt x="91228" y="72714"/>
+                  </a:lnTo>
+                  <a:lnTo>
+                    <a:pt x="90765" y="73749"/>
+                  </a:lnTo>
+                  <a:lnTo>
+                    <a:pt x="90276" y="74779"/>
+                  </a:lnTo>
+                  <a:lnTo>
+                    <a:pt x="89760" y="75805"/>
+                  </a:lnTo>
+                  <a:lnTo>
+                    <a:pt x="89219" y="76827"/>
+                  </a:lnTo>
+                  <a:lnTo>
+                    <a:pt x="88651" y="77845"/>
+                  </a:lnTo>
+                  <a:lnTo>
+                    <a:pt x="88057" y="78859"/>
+                  </a:lnTo>
+                  <a:lnTo>
+                    <a:pt x="87438" y="79869"/>
+                  </a:lnTo>
+                  <a:lnTo>
+                    <a:pt x="86792" y="80875"/>
+                  </a:lnTo>
+                  <a:lnTo>
+                    <a:pt x="86121" y="81876"/>
+                  </a:lnTo>
+                  <a:lnTo>
+                    <a:pt x="85419" y="82864"/>
+                  </a:lnTo>
+                  <a:lnTo>
+                    <a:pt x="84683" y="83829"/>
+                  </a:lnTo>
+                  <a:lnTo>
+                    <a:pt x="83913" y="84770"/>
+                  </a:lnTo>
+                  <a:lnTo>
+                    <a:pt x="83109" y="85688"/>
+                  </a:lnTo>
+                  <a:lnTo>
+                    <a:pt x="82270" y="86583"/>
+                  </a:lnTo>
+                  <a:lnTo>
+                    <a:pt x="81397" y="87454"/>
+                  </a:lnTo>
+                  <a:lnTo>
+                    <a:pt x="80490" y="88303"/>
+                  </a:lnTo>
+                  <a:lnTo>
+                    <a:pt x="79549" y="89127"/>
+                  </a:lnTo>
+                  <a:lnTo>
+                    <a:pt x="78573" y="89929"/>
+                  </a:lnTo>
+                  <a:lnTo>
+                    <a:pt x="77563" y="90708"/>
+                  </a:lnTo>
+                  <a:lnTo>
+                    <a:pt x="76517" y="91460"/>
+                  </a:lnTo>
+                  <a:lnTo>
+                    <a:pt x="75430" y="92183"/>
+                  </a:lnTo>
+                  <a:lnTo>
+                    <a:pt x="74304" y="92878"/>
+                  </a:lnTo>
+                  <a:lnTo>
+                    <a:pt x="73138" y="93544"/>
+                  </a:lnTo>
+                  <a:lnTo>
+                    <a:pt x="71933" y="94182"/>
+                  </a:lnTo>
+                  <a:lnTo>
+                    <a:pt x="70687" y="94790"/>
+                  </a:lnTo>
+                  <a:lnTo>
+                    <a:pt x="69402" y="95370"/>
+                  </a:lnTo>
+                  <a:lnTo>
+                    <a:pt x="68078" y="95921"/>
+                  </a:lnTo>
+                  <a:lnTo>
+                    <a:pt x="66713" y="96444"/>
+                  </a:lnTo>
+                  <a:lnTo>
+                    <a:pt x="65309" y="96937"/>
+                  </a:lnTo>
+                  <a:lnTo>
+                    <a:pt x="63874" y="97380"/>
+                  </a:lnTo>
+                  <a:lnTo>
+                    <a:pt x="62387" y="97775"/>
+                  </a:lnTo>
+                  <a:lnTo>
+                    <a:pt x="60851" y="98124"/>
+                  </a:lnTo>
+                  <a:lnTo>
+                    <a:pt x="59263" y="98427"/>
+                  </a:lnTo>
+                  <a:lnTo>
+                    <a:pt x="57625" y="98683"/>
+                  </a:lnTo>
+                  <a:lnTo>
+                    <a:pt x="55936" y="98892"/>
+                  </a:lnTo>
+                  <a:lnTo>
+                    <a:pt x="54196" y="99055"/>
+                  </a:lnTo>
+                  <a:lnTo>
+                    <a:pt x="52406" y="99172"/>
+                  </a:lnTo>
+                  <a:lnTo>
+                    <a:pt x="50565" y="99242"/>
+                  </a:lnTo>
+                  <a:lnTo>
+                    <a:pt x="48674" y="99265"/>
+                  </a:lnTo>
+                  <a:lnTo>
+                    <a:pt x="46202" y="99228"/>
+                  </a:lnTo>
+                  <a:lnTo>
+                    <a:pt x="43797" y="99117"/>
+                  </a:lnTo>
+                  <a:lnTo>
+                    <a:pt x="41459" y="98932"/>
+                  </a:lnTo>
+                  <a:lnTo>
+                    <a:pt x="39188" y="98673"/>
+                  </a:lnTo>
+                  <a:lnTo>
+                    <a:pt x="36984" y="98341"/>
+                  </a:lnTo>
+                  <a:lnTo>
+                    <a:pt x="34848" y="97934"/>
+                  </a:lnTo>
+                  <a:lnTo>
+                    <a:pt x="32778" y="97453"/>
+                  </a:lnTo>
+                  <a:lnTo>
+                    <a:pt x="30776" y="96899"/>
+                  </a:lnTo>
+                  <a:lnTo>
+                    <a:pt x="28841" y="96270"/>
+                  </a:lnTo>
+                  <a:lnTo>
+                    <a:pt x="26972" y="95568"/>
+                  </a:lnTo>
+                  <a:lnTo>
+                    <a:pt x="25169" y="94786"/>
+                  </a:lnTo>
+                  <a:lnTo>
+                    <a:pt x="23429" y="93947"/>
+                  </a:lnTo>
+                  <a:lnTo>
+                    <a:pt x="21752" y="93050"/>
+                  </a:lnTo>
+                  <a:lnTo>
+                    <a:pt x="20137" y="92096"/>
+                  </a:lnTo>
+                  <a:lnTo>
+                    <a:pt x="18586" y="91084"/>
+                  </a:lnTo>
+                  <a:lnTo>
+                    <a:pt x="17098" y="90015"/>
+                  </a:lnTo>
+                  <a:lnTo>
+                    <a:pt x="15672" y="88888"/>
+                  </a:lnTo>
+                  <a:lnTo>
+                    <a:pt x="14310" y="87704"/>
+                  </a:lnTo>
+                  <a:lnTo>
+                    <a:pt x="13011" y="86462"/>
+                  </a:lnTo>
+                  <a:lnTo>
+                    <a:pt x="11774" y="85162"/>
+                  </a:lnTo>
+                  <a:lnTo>
+                    <a:pt x="10613" y="83796"/>
+                  </a:lnTo>
+                  <a:lnTo>
+                    <a:pt x="9513" y="82380"/>
+                  </a:lnTo>
+                  <a:lnTo>
+                    <a:pt x="8472" y="80915"/>
+                  </a:lnTo>
+                  <a:lnTo>
+                    <a:pt x="7492" y="79401"/>
+                  </a:lnTo>
+                  <a:lnTo>
+                    <a:pt x="6572" y="77837"/>
+                  </a:lnTo>
+                  <a:lnTo>
+                    <a:pt x="5712" y="76224"/>
+                  </a:lnTo>
+                  <a:lnTo>
+                    <a:pt x="4912" y="74562"/>
+                  </a:lnTo>
+                  <a:lnTo>
+                    <a:pt x="4173" y="72851"/>
+                  </a:lnTo>
+                  <a:lnTo>
+                    <a:pt x="3494" y="71090"/>
+                  </a:lnTo>
+                  <a:lnTo>
+                    <a:pt x="2875" y="69280"/>
+                  </a:lnTo>
+                  <a:lnTo>
+                    <a:pt x="2328" y="67428"/>
+                  </a:lnTo>
+                  <a:lnTo>
+                    <a:pt x="1840" y="65542"/>
+                  </a:lnTo>
+                  <a:lnTo>
+                    <a:pt x="1408" y="63622"/>
+                  </a:lnTo>
+                  <a:lnTo>
+                    <a:pt x="1035" y="61667"/>
+                  </a:lnTo>
+                  <a:lnTo>
+                    <a:pt x="718" y="59679"/>
+                  </a:lnTo>
+                  <a:lnTo>
+                    <a:pt x="460" y="57656"/>
+                  </a:lnTo>
+                  <a:lnTo>
+                    <a:pt x="258" y="55598"/>
+                  </a:lnTo>
+                  <a:lnTo>
+                    <a:pt x="115" y="53507"/>
+                  </a:lnTo>
+                  <a:lnTo>
+                    <a:pt x="28" y="51381"/>
+                  </a:lnTo>
+                  <a:lnTo>
+                    <a:pt x="0" y="49221"/>
+                  </a:lnTo>
+                  <a:lnTo>
+                    <a:pt x="28" y="46984"/>
+                  </a:lnTo>
+                  <a:lnTo>
+                    <a:pt x="115" y="44791"/>
+                  </a:lnTo>
+                  <a:lnTo>
+                    <a:pt x="258" y="42641"/>
+                  </a:lnTo>
+                  <a:lnTo>
+                    <a:pt x="460" y="40535"/>
+                  </a:lnTo>
+                  <a:lnTo>
+                    <a:pt x="718" y="38473"/>
+                  </a:lnTo>
+                  <a:lnTo>
+                    <a:pt x="1035" y="36455"/>
+                  </a:lnTo>
+                  <a:lnTo>
+                    <a:pt x="1408" y="34481"/>
+                  </a:lnTo>
+                  <a:lnTo>
+                    <a:pt x="1840" y="32550"/>
+                  </a:lnTo>
+                  <a:lnTo>
+                    <a:pt x="2328" y="30664"/>
+                  </a:lnTo>
+                  <a:lnTo>
+                    <a:pt x="2875" y="28821"/>
+                  </a:lnTo>
+                  <a:lnTo>
+                    <a:pt x="3493" y="27027"/>
+                  </a:lnTo>
+                  <a:lnTo>
+                    <a:pt x="4170" y="25288"/>
+                  </a:lnTo>
+                  <a:lnTo>
+                    <a:pt x="4906" y="23604"/>
+                  </a:lnTo>
+                  <a:lnTo>
+                    <a:pt x="5701" y="21975"/>
+                  </a:lnTo>
+                  <a:lnTo>
+                    <a:pt x="6554" y="20400"/>
+                  </a:lnTo>
+                  <a:lnTo>
+                    <a:pt x="7467" y="18880"/>
+                  </a:lnTo>
+                  <a:lnTo>
+                    <a:pt x="8438" y="17415"/>
+                  </a:lnTo>
+                  <a:lnTo>
+                    <a:pt x="9469" y="16005"/>
+                  </a:lnTo>
+                  <a:lnTo>
+                    <a:pt x="10558" y="14650"/>
+                  </a:lnTo>
+                  <a:lnTo>
+                    <a:pt x="11706" y="13349"/>
+                  </a:lnTo>
+                  <a:lnTo>
+                    <a:pt x="12914" y="12092"/>
+                  </a:lnTo>
+                  <a:lnTo>
+                    <a:pt x="14184" y="10895"/>
+                  </a:lnTo>
+                  <a:lnTo>
+                    <a:pt x="15516" y="9759"/>
+                  </a:lnTo>
+                  <a:lnTo>
+                    <a:pt x="16909" y="8683"/>
+                  </a:lnTo>
+                  <a:lnTo>
+                    <a:pt x="18364" y="7667"/>
+                  </a:lnTo>
+                  <a:lnTo>
+                    <a:pt x="19880" y="6711"/>
+                  </a:lnTo>
+                  <a:lnTo>
+                    <a:pt x="21458" y="5816"/>
+                  </a:lnTo>
+                  <a:lnTo>
+                    <a:pt x="23098" y="4981"/>
+                  </a:lnTo>
+                  <a:lnTo>
+                    <a:pt x="24799" y="4206"/>
+                  </a:lnTo>
+                  <a:lnTo>
+                    <a:pt x="26562" y="3491"/>
+                  </a:lnTo>
+                  <a:lnTo>
+                    <a:pt x="28400" y="2828"/>
+                  </a:lnTo>
+                  <a:lnTo>
+                    <a:pt x="30302" y="2234"/>
+                  </a:lnTo>
+                  <a:lnTo>
+                    <a:pt x="32267" y="1710"/>
+                  </a:lnTo>
+                  <a:lnTo>
+                    <a:pt x="34295" y="1256"/>
+                  </a:lnTo>
+                  <a:lnTo>
+                    <a:pt x="36385" y="872"/>
+                  </a:lnTo>
+                  <a:lnTo>
+                    <a:pt x="38539" y="558"/>
+                  </a:lnTo>
+                  <a:lnTo>
+                    <a:pt x="40756" y="314"/>
+                  </a:lnTo>
+                  <a:lnTo>
+                    <a:pt x="43035" y="139"/>
+                  </a:lnTo>
+                  <a:lnTo>
+                    <a:pt x="45378" y="34"/>
+                  </a:lnTo>
+                  <a:lnTo>
+                    <a:pt x="47784" y="0"/>
+                  </a:lnTo>
+                  <a:lnTo>
+                    <a:pt x="49649" y="19"/>
+                  </a:lnTo>
+                  <a:lnTo>
+                    <a:pt x="51467" y="79"/>
+                  </a:lnTo>
+                  <a:lnTo>
+                    <a:pt x="53237" y="178"/>
+                  </a:lnTo>
+                  <a:lnTo>
+                    <a:pt x="54958" y="317"/>
+                  </a:lnTo>
+                  <a:lnTo>
+                    <a:pt x="56632" y="496"/>
+                  </a:lnTo>
+                  <a:lnTo>
+                    <a:pt x="58258" y="714"/>
+                  </a:lnTo>
+                  <a:lnTo>
+                    <a:pt x="59836" y="972"/>
+                  </a:lnTo>
+                  <a:lnTo>
+                    <a:pt x="61366" y="1270"/>
+                  </a:lnTo>
+                  <a:lnTo>
+                    <a:pt x="62848" y="1608"/>
+                  </a:lnTo>
+                  <a:lnTo>
+                    <a:pt x="64282" y="1985"/>
+                  </a:lnTo>
+                  <a:lnTo>
+                    <a:pt x="65686" y="2398"/>
+                  </a:lnTo>
+                  <a:lnTo>
+                    <a:pt x="67051" y="2845"/>
+                  </a:lnTo>
+                  <a:lnTo>
+                    <a:pt x="68376" y="3324"/>
+                  </a:lnTo>
+                  <a:lnTo>
+                    <a:pt x="69661" y="3836"/>
+                  </a:lnTo>
+                  <a:lnTo>
+                    <a:pt x="70906" y="4381"/>
+                  </a:lnTo>
+                  <a:lnTo>
+                    <a:pt x="72111" y="4959"/>
+                  </a:lnTo>
+                  <a:lnTo>
+                    <a:pt x="73277" y="5569"/>
+                  </a:lnTo>
+                  <a:lnTo>
+                    <a:pt x="74403" y="6213"/>
+                  </a:lnTo>
+                  <a:lnTo>
+                    <a:pt x="75490" y="6889"/>
+                  </a:lnTo>
+                  <a:lnTo>
+                    <a:pt x="76537" y="7598"/>
+                  </a:lnTo>
+                  <a:lnTo>
+                    <a:pt x="77559" y="8324"/>
+                  </a:lnTo>
+                  <a:lnTo>
+                    <a:pt x="78544" y="9077"/>
+                  </a:lnTo>
+                  <a:lnTo>
+                    <a:pt x="79492" y="9858"/>
+                  </a:lnTo>
+                  <a:lnTo>
+                    <a:pt x="80403" y="10665"/>
+                  </a:lnTo>
+                  <a:lnTo>
+                    <a:pt x="81277" y="11501"/>
+                  </a:lnTo>
+                  <a:lnTo>
+                    <a:pt x="82115" y="12363"/>
+                  </a:lnTo>
+                  <a:lnTo>
+                    <a:pt x="82915" y="13253"/>
+                  </a:lnTo>
+                  <a:lnTo>
+                    <a:pt x="83678" y="14170"/>
+                  </a:lnTo>
+                  <a:lnTo>
+                    <a:pt x="84405" y="15115"/>
+                  </a:lnTo>
+                  <a:lnTo>
+                    <a:pt x="85094" y="16087"/>
+                  </a:lnTo>
+                  <a:lnTo>
+                    <a:pt x="85763" y="17070"/>
+                  </a:lnTo>
+                  <a:lnTo>
+                    <a:pt x="86403" y="18073"/>
+                  </a:lnTo>
+                  <a:lnTo>
+                    <a:pt x="87012" y="19096"/>
+                  </a:lnTo>
+                  <a:lnTo>
+                    <a:pt x="87591" y="20140"/>
+                  </a:lnTo>
+                  <a:lnTo>
+                    <a:pt x="88140" y="21205"/>
+                  </a:lnTo>
+                  <a:lnTo>
+                    <a:pt x="88659" y="22290"/>
+                  </a:lnTo>
+                  <a:lnTo>
+                    <a:pt x="89148" y="23395"/>
+                  </a:lnTo>
+                  <a:lnTo>
+                    <a:pt x="89607" y="24521"/>
+                  </a:lnTo>
+                  <a:lnTo>
+                    <a:pt x="90035" y="25668"/>
+                  </a:lnTo>
+                  <a:lnTo>
+                    <a:pt x="90434" y="26835"/>
+                  </a:lnTo>
+                  <a:lnTo>
+                    <a:pt x="72634" y="31696"/>
+                  </a:lnTo>
+                  <a:lnTo>
+                    <a:pt x="72432" y="31083"/>
+                  </a:lnTo>
+                  <a:lnTo>
+                    <a:pt x="72210" y="30475"/>
+                  </a:lnTo>
+                  <a:lnTo>
+                    <a:pt x="71967" y="29872"/>
+                  </a:lnTo>
+                  <a:lnTo>
+                    <a:pt x="71703" y="29275"/>
+                  </a:lnTo>
+                  <a:lnTo>
+                    <a:pt x="71419" y="28684"/>
+                  </a:lnTo>
+                  <a:lnTo>
+                    <a:pt x="71115" y="28098"/>
+                  </a:lnTo>
+                  <a:lnTo>
+                    <a:pt x="70789" y="27517"/>
+                  </a:lnTo>
+                  <a:lnTo>
+                    <a:pt x="70444" y="26942"/>
+                  </a:lnTo>
+                  <a:lnTo>
+                    <a:pt x="70077" y="26373"/>
+                  </a:lnTo>
+                  <a:lnTo>
+                    <a:pt x="69691" y="25809"/>
+                  </a:lnTo>
+                  <a:lnTo>
+                    <a:pt x="69283" y="25240"/>
+                  </a:lnTo>
+                  <a:lnTo>
+                    <a:pt x="68853" y="24686"/>
+                  </a:lnTo>
+                  <a:lnTo>
+                    <a:pt x="68401" y="24145"/>
+                  </a:lnTo>
+                  <a:lnTo>
+                    <a:pt x="67927" y="23618"/>
+                  </a:lnTo>
+                  <a:lnTo>
+                    <a:pt x="67432" y="23104"/>
+                  </a:lnTo>
+                  <a:lnTo>
+                    <a:pt x="66914" y="22605"/>
+                  </a:lnTo>
+                  <a:lnTo>
+                    <a:pt x="66374" y="22119"/>
+                  </a:lnTo>
+                  <a:lnTo>
+                    <a:pt x="65813" y="21646"/>
+                  </a:lnTo>
+                  <a:lnTo>
+                    <a:pt x="65230" y="21188"/>
+                  </a:lnTo>
+                  <a:lnTo>
+                    <a:pt x="64625" y="20743"/>
+                  </a:lnTo>
+                  <a:lnTo>
+                    <a:pt x="64011" y="20313"/>
+                  </a:lnTo>
+                  <a:lnTo>
+                    <a:pt x="63376" y="19902"/>
+                  </a:lnTo>
+                  <a:lnTo>
+                    <a:pt x="62719" y="19508"/>
+                  </a:lnTo>
+                  <a:lnTo>
+                    <a:pt x="62040" y="19132"/>
+                  </a:lnTo>
+                  <a:lnTo>
+                    <a:pt x="61339" y="18774"/>
+                  </a:lnTo>
+                  <a:lnTo>
+                    <a:pt x="60616" y="18434"/>
+                  </a:lnTo>
+                  <a:lnTo>
+                    <a:pt x="59871" y="18112"/>
+                  </a:lnTo>
+                  <a:lnTo>
+                    <a:pt x="59104" y="17807"/>
+                  </a:lnTo>
+                  <a:lnTo>
+                    <a:pt x="58316" y="17520"/>
+                  </a:lnTo>
+                  <a:lnTo>
+                    <a:pt x="57505" y="17251"/>
+                  </a:lnTo>
+                  <a:lnTo>
+                    <a:pt x="56673" y="16991"/>
+                  </a:lnTo>
+                  <a:lnTo>
+                    <a:pt x="55818" y="16758"/>
+                  </a:lnTo>
+                  <a:lnTo>
+                    <a:pt x="54942" y="16553"/>
+                  </a:lnTo>
+                  <a:lnTo>
+                    <a:pt x="54044" y="16375"/>
+                  </a:lnTo>
+                  <a:lnTo>
+                    <a:pt x="53124" y="16224"/>
+                  </a:lnTo>
+                  <a:lnTo>
+                    <a:pt x="52182" y="16101"/>
+                  </a:lnTo>
+                  <a:lnTo>
+                    <a:pt x="51218" y="16005"/>
+                  </a:lnTo>
+                  <a:lnTo>
+                    <a:pt x="50232" y="15937"/>
+                  </a:lnTo>
+                  <a:lnTo>
+                    <a:pt x="49224" y="15896"/>
+                  </a:lnTo>
+                  <a:lnTo>
+                    <a:pt x="48195" y="15882"/>
+                  </a:lnTo>
+                  <a:lnTo>
+                    <a:pt x="46750" y="15906"/>
+                  </a:lnTo>
+                  <a:lnTo>
+                    <a:pt x="45347" y="15978"/>
+                  </a:lnTo>
+                  <a:lnTo>
+                    <a:pt x="43984" y="16098"/>
+                  </a:lnTo>
+                  <a:lnTo>
+                    <a:pt x="42663" y="16265"/>
+                  </a:lnTo>
+                  <a:lnTo>
+                    <a:pt x="41383" y="16481"/>
+                  </a:lnTo>
+                  <a:lnTo>
+                    <a:pt x="40144" y="16745"/>
+                  </a:lnTo>
+                  <a:lnTo>
+                    <a:pt x="38946" y="17056"/>
+                  </a:lnTo>
+                  <a:lnTo>
+                    <a:pt x="37789" y="17415"/>
+                  </a:lnTo>
+                  <a:lnTo>
+                    <a:pt x="36673" y="17823"/>
+                  </a:lnTo>
+                  <a:lnTo>
+                    <a:pt x="35598" y="18278"/>
+                  </a:lnTo>
+                  <a:lnTo>
+                    <a:pt x="34562" y="18764"/>
+                  </a:lnTo>
+                  <a:lnTo>
+                    <a:pt x="33564" y="19291"/>
+                  </a:lnTo>
+                  <a:lnTo>
+                    <a:pt x="32602" y="19859"/>
+                  </a:lnTo>
+                  <a:lnTo>
+                    <a:pt x="31677" y="20469"/>
+                  </a:lnTo>
+                  <a:lnTo>
+                    <a:pt x="30789" y="21119"/>
+                  </a:lnTo>
+                  <a:lnTo>
+                    <a:pt x="29938" y="21811"/>
+                  </a:lnTo>
+                  <a:lnTo>
+                    <a:pt x="29124" y="22543"/>
+                  </a:lnTo>
+                  <a:lnTo>
+                    <a:pt x="28347" y="23317"/>
+                  </a:lnTo>
+                  <a:lnTo>
+                    <a:pt x="27607" y="24131"/>
+                  </a:lnTo>
+                  <a:lnTo>
+                    <a:pt x="26904" y="24987"/>
+                  </a:lnTo>
+                  <a:lnTo>
+                    <a:pt x="26250" y="25881"/>
+                  </a:lnTo>
+                  <a:lnTo>
+                    <a:pt x="25631" y="26811"/>
+                  </a:lnTo>
+                  <a:lnTo>
+                    <a:pt x="25045" y="27776"/>
+                  </a:lnTo>
+                  <a:lnTo>
+                    <a:pt x="24494" y="28777"/>
+                  </a:lnTo>
+                  <a:lnTo>
+                    <a:pt x="23977" y="29813"/>
+                  </a:lnTo>
+                  <a:lnTo>
+                    <a:pt x="23495" y="30885"/>
+                  </a:lnTo>
+                  <a:lnTo>
+                    <a:pt x="23046" y="31993"/>
+                  </a:lnTo>
+                  <a:lnTo>
+                    <a:pt x="22632" y="33136"/>
+                  </a:lnTo>
+                  <a:lnTo>
+                    <a:pt x="22252" y="34315"/>
+                  </a:lnTo>
+                  <a:lnTo>
+                    <a:pt x="21906" y="35530"/>
+                  </a:lnTo>
+                  <a:lnTo>
+                    <a:pt x="21607" y="36763"/>
+                  </a:lnTo>
+                  <a:lnTo>
+                    <a:pt x="21340" y="38027"/>
+                  </a:lnTo>
+                  <a:lnTo>
+                    <a:pt x="21103" y="39321"/>
+                  </a:lnTo>
+                  <a:lnTo>
+                    <a:pt x="20899" y="40645"/>
+                  </a:lnTo>
+                  <a:lnTo>
+                    <a:pt x="20725" y="41999"/>
+                  </a:lnTo>
+                  <a:lnTo>
+                    <a:pt x="20584" y="43383"/>
+                  </a:lnTo>
+                  <a:lnTo>
+                    <a:pt x="20473" y="44798"/>
+                  </a:lnTo>
+                  <a:lnTo>
+                    <a:pt x="20395" y="46242"/>
+                  </a:lnTo>
+                  <a:lnTo>
+                    <a:pt x="20348" y="47717"/>
+                  </a:lnTo>
+                  <a:lnTo>
+                    <a:pt x="20332" y="49221"/>
+                  </a:lnTo>
+                  <a:lnTo>
+                    <a:pt x="20348" y="50715"/>
+                  </a:lnTo>
+                  <a:lnTo>
+                    <a:pt x="20395" y="52184"/>
+                  </a:lnTo>
+                  <a:lnTo>
+                    <a:pt x="20473" y="53629"/>
+                  </a:lnTo>
+                  <a:lnTo>
+                    <a:pt x="20584" y="55049"/>
+                  </a:lnTo>
+                  <a:lnTo>
+                    <a:pt x="20725" y="56444"/>
+                  </a:lnTo>
+                  <a:lnTo>
+                    <a:pt x="20899" y="57814"/>
+                  </a:lnTo>
+                  <a:lnTo>
+                    <a:pt x="21103" y="59160"/>
+                  </a:lnTo>
+                  <a:lnTo>
+                    <a:pt x="21340" y="60482"/>
+                  </a:lnTo>
+                  <a:lnTo>
+                    <a:pt x="21607" y="61778"/>
+                  </a:lnTo>
+                  <a:lnTo>
+                    <a:pt x="21906" y="63050"/>
+                  </a:lnTo>
+                  <a:lnTo>
+                    <a:pt x="22253" y="64279"/>
+                  </a:lnTo>
+                  <a:lnTo>
+                    <a:pt x="22635" y="65474"/>
+                  </a:lnTo>
+                  <a:lnTo>
+                    <a:pt x="23052" y="66634"/>
+                  </a:lnTo>
+                  <a:lnTo>
+                    <a:pt x="23506" y="67760"/>
+                  </a:lnTo>
+                  <a:lnTo>
+                    <a:pt x="23994" y="68852"/>
+                  </a:lnTo>
+                  <a:lnTo>
+                    <a:pt x="24519" y="69910"/>
+                  </a:lnTo>
+                  <a:lnTo>
+                    <a:pt x="25079" y="70933"/>
+                  </a:lnTo>
+                  <a:lnTo>
+                    <a:pt x="25674" y="71922"/>
+                  </a:lnTo>
+                  <a:lnTo>
+                    <a:pt x="26306" y="72877"/>
+                  </a:lnTo>
+                  <a:lnTo>
+                    <a:pt x="26972" y="73798"/>
+                  </a:lnTo>
+                  <a:lnTo>
+                    <a:pt x="27676" y="74682"/>
+                  </a:lnTo>
+                  <a:lnTo>
+                    <a:pt x="28418" y="75526"/>
+                  </a:lnTo>
+                  <a:lnTo>
+                    <a:pt x="29199" y="76330"/>
+                  </a:lnTo>
+                  <a:lnTo>
+                    <a:pt x="30017" y="77095"/>
+                  </a:lnTo>
+                  <a:lnTo>
+                    <a:pt x="30874" y="77820"/>
+                  </a:lnTo>
+                  <a:lnTo>
+                    <a:pt x="31770" y="78505"/>
+                  </a:lnTo>
+                  <a:lnTo>
+                    <a:pt x="32704" y="79151"/>
+                  </a:lnTo>
+                  <a:lnTo>
+                    <a:pt x="33676" y="79757"/>
+                  </a:lnTo>
+                  <a:lnTo>
+                    <a:pt x="34686" y="80323"/>
+                  </a:lnTo>
+                  <a:lnTo>
+                    <a:pt x="35735" y="80849"/>
+                  </a:lnTo>
+                  <a:lnTo>
+                    <a:pt x="36838" y="81331"/>
+                  </a:lnTo>
+                  <a:lnTo>
+                    <a:pt x="37983" y="81761"/>
+                  </a:lnTo>
+                  <a:lnTo>
+                    <a:pt x="39171" y="82141"/>
+                  </a:lnTo>
+                  <a:lnTo>
+                    <a:pt x="40401" y="82471"/>
+                  </a:lnTo>
+                  <a:lnTo>
+                    <a:pt x="41674" y="82749"/>
+                  </a:lnTo>
+                  <a:lnTo>
+                    <a:pt x="42989" y="82977"/>
+                  </a:lnTo>
+                  <a:lnTo>
+                    <a:pt x="44346" y="83154"/>
+                  </a:lnTo>
+                  <a:lnTo>
+                    <a:pt x="45746" y="83281"/>
+                  </a:lnTo>
+                  <a:lnTo>
+                    <a:pt x="47189" y="83357"/>
+                  </a:lnTo>
+                  <a:close/>
+                </a:path>
+              </a:pathLst>
+            </a:custGeom>
+            <a:solidFill>
+              <a:srgbClr val="FFFFFF">
+                <a:alpha val="100000"/>
+              </a:srgbClr>
+            </a:solidFill>
+          </p:spPr>
+          <p:txBody>
+            <a:bodyPr/>
+            <a:lstStyle/>
+            <a:p/>
+          </p:txBody>
+        </p:sp>
+        <p:sp>
+          <p:nvSpPr>
+            <p:cNvPr id="14" name="pg14"/>
+            <p:cNvSpPr/>
+            <p:nvPr/>
+          </p:nvSpPr>
+          <p:spPr>
+            <a:xfrm>
+              <a:off x="4757754" y="4273049"/>
+              <a:ext cx="71950" cy="96458"/>
+            </a:xfrm>
+            <a:custGeom>
+              <a:avLst/>
+              <a:pathLst>
+                <a:path w="71950" h="96458">
+                  <a:moveTo>
+                    <a:pt x="0" y="96458"/>
+                  </a:moveTo>
+                  <a:lnTo>
+                    <a:pt x="0" y="0"/>
+                  </a:lnTo>
+                  <a:lnTo>
+                    <a:pt x="20195" y="0"/>
+                  </a:lnTo>
+                  <a:lnTo>
+                    <a:pt x="20195" y="80849"/>
+                  </a:lnTo>
+                  <a:lnTo>
+                    <a:pt x="71950" y="80849"/>
+                  </a:lnTo>
+                  <a:lnTo>
+                    <a:pt x="71950" y="96458"/>
+                  </a:lnTo>
+                  <a:close/>
+                </a:path>
+              </a:pathLst>
+            </a:custGeom>
+            <a:solidFill>
+              <a:srgbClr val="FFFFFF">
+                <a:alpha val="100000"/>
+              </a:srgbClr>
+            </a:solidFill>
+          </p:spPr>
+          <p:txBody>
+            <a:bodyPr/>
+            <a:lstStyle/>
+            <a:p/>
+          </p:txBody>
+        </p:sp>
+        <p:sp>
+          <p:nvSpPr>
+            <p:cNvPr id="15" name="pg15"/>
+            <p:cNvSpPr/>
+            <p:nvPr/>
+          </p:nvSpPr>
+          <p:spPr>
+            <a:xfrm>
+              <a:off x="4843396" y="4273049"/>
+              <a:ext cx="78659" cy="96458"/>
+            </a:xfrm>
+            <a:custGeom>
+              <a:avLst/>
+              <a:pathLst>
+                <a:path w="78659" h="96458">
+                  <a:moveTo>
+                    <a:pt x="0" y="96458"/>
+                  </a:moveTo>
+                  <a:lnTo>
+                    <a:pt x="0" y="0"/>
+                  </a:lnTo>
+                  <a:lnTo>
+                    <a:pt x="75852" y="0"/>
+                  </a:lnTo>
+                  <a:lnTo>
+                    <a:pt x="75852" y="15608"/>
+                  </a:lnTo>
+                  <a:lnTo>
+                    <a:pt x="20195" y="15608"/>
+                  </a:lnTo>
+                  <a:lnTo>
+                    <a:pt x="20195" y="39843"/>
+                  </a:lnTo>
+                  <a:lnTo>
+                    <a:pt x="71676" y="39843"/>
+                  </a:lnTo>
+                  <a:lnTo>
+                    <a:pt x="71676" y="55451"/>
+                  </a:lnTo>
+                  <a:lnTo>
+                    <a:pt x="20195" y="55451"/>
+                  </a:lnTo>
+                  <a:lnTo>
+                    <a:pt x="20195" y="80849"/>
+                  </a:lnTo>
+                  <a:lnTo>
+                    <a:pt x="78659" y="80849"/>
+                  </a:lnTo>
+                  <a:lnTo>
+                    <a:pt x="78659" y="96458"/>
+                  </a:lnTo>
+                  <a:close/>
+                </a:path>
+              </a:pathLst>
+            </a:custGeom>
+            <a:solidFill>
+              <a:srgbClr val="FFFFFF">
+                <a:alpha val="100000"/>
+              </a:srgbClr>
+            </a:solidFill>
+          </p:spPr>
+          <p:txBody>
+            <a:bodyPr/>
+            <a:lstStyle/>
+            <a:p/>
+          </p:txBody>
+        </p:sp>
+        <p:sp>
+          <p:nvSpPr>
+            <p:cNvPr id="16" name="pg16"/>
+            <p:cNvSpPr/>
+            <p:nvPr/>
+          </p:nvSpPr>
+          <p:spPr>
+            <a:xfrm>
+              <a:off x="6015095" y="3552507"/>
+              <a:ext cx="97416" cy="99265"/>
+            </a:xfrm>
+            <a:custGeom>
+              <a:avLst/>
+              <a:pathLst>
+                <a:path w="97416" h="99265">
+                  <a:moveTo>
+                    <a:pt x="97416" y="49221"/>
+                  </a:moveTo>
+                  <a:lnTo>
+                    <a:pt x="97383" y="51460"/>
+                  </a:lnTo>
+                  <a:lnTo>
+                    <a:pt x="97282" y="53658"/>
+                  </a:lnTo>
+                  <a:lnTo>
+                    <a:pt x="97115" y="55814"/>
+                  </a:lnTo>
+                  <a:lnTo>
+                    <a:pt x="96880" y="57929"/>
+                  </a:lnTo>
+                  <a:lnTo>
+                    <a:pt x="96578" y="60004"/>
+                  </a:lnTo>
+                  <a:lnTo>
+                    <a:pt x="96209" y="62037"/>
+                  </a:lnTo>
+                  <a:lnTo>
+                    <a:pt x="95773" y="64029"/>
+                  </a:lnTo>
+                  <a:lnTo>
+                    <a:pt x="95270" y="65980"/>
+                  </a:lnTo>
+                  <a:lnTo>
+                    <a:pt x="94699" y="67890"/>
+                  </a:lnTo>
+                  <a:lnTo>
+                    <a:pt x="94062" y="69759"/>
+                  </a:lnTo>
+                  <a:lnTo>
+                    <a:pt x="93362" y="71581"/>
+                  </a:lnTo>
+                  <a:lnTo>
+                    <a:pt x="92602" y="73349"/>
+                  </a:lnTo>
+                  <a:lnTo>
+                    <a:pt x="91784" y="75064"/>
+                  </a:lnTo>
+                  <a:lnTo>
+                    <a:pt x="90907" y="76725"/>
+                  </a:lnTo>
+                  <a:lnTo>
+                    <a:pt x="89972" y="78334"/>
+                  </a:lnTo>
+                  <a:lnTo>
+                    <a:pt x="88977" y="79888"/>
+                  </a:lnTo>
+                  <a:lnTo>
+                    <a:pt x="87923" y="81390"/>
+                  </a:lnTo>
+                  <a:lnTo>
+                    <a:pt x="86811" y="82837"/>
+                  </a:lnTo>
+                  <a:lnTo>
+                    <a:pt x="85640" y="84232"/>
+                  </a:lnTo>
+                  <a:lnTo>
+                    <a:pt x="84409" y="85573"/>
+                  </a:lnTo>
+                  <a:lnTo>
+                    <a:pt x="83122" y="86857"/>
+                  </a:lnTo>
+                  <a:lnTo>
+                    <a:pt x="81778" y="88081"/>
+                  </a:lnTo>
+                  <a:lnTo>
+                    <a:pt x="80378" y="89245"/>
+                  </a:lnTo>
+                  <a:lnTo>
+                    <a:pt x="78922" y="90349"/>
+                  </a:lnTo>
+                  <a:lnTo>
+                    <a:pt x="77409" y="91392"/>
+                  </a:lnTo>
+                  <a:lnTo>
+                    <a:pt x="75841" y="92375"/>
+                  </a:lnTo>
+                  <a:lnTo>
+                    <a:pt x="74216" y="93298"/>
+                  </a:lnTo>
+                  <a:lnTo>
+                    <a:pt x="72536" y="94161"/>
+                  </a:lnTo>
+                  <a:lnTo>
+                    <a:pt x="70799" y="94963"/>
+                  </a:lnTo>
+                  <a:lnTo>
+                    <a:pt x="69006" y="95705"/>
+                  </a:lnTo>
+                  <a:lnTo>
+                    <a:pt x="67175" y="96381"/>
+                  </a:lnTo>
+                  <a:lnTo>
+                    <a:pt x="65296" y="96987"/>
+                  </a:lnTo>
+                  <a:lnTo>
+                    <a:pt x="63368" y="97521"/>
+                  </a:lnTo>
+                  <a:lnTo>
+                    <a:pt x="61393" y="97983"/>
+                  </a:lnTo>
+                  <a:lnTo>
+                    <a:pt x="59370" y="98375"/>
+                  </a:lnTo>
+                  <a:lnTo>
+                    <a:pt x="57300" y="98695"/>
+                  </a:lnTo>
+                  <a:lnTo>
+                    <a:pt x="55181" y="98944"/>
+                  </a:lnTo>
+                  <a:lnTo>
+                    <a:pt x="53014" y="99122"/>
+                  </a:lnTo>
+                  <a:lnTo>
+                    <a:pt x="50799" y="99229"/>
+                  </a:lnTo>
+                  <a:lnTo>
+                    <a:pt x="48537" y="99265"/>
+                  </a:lnTo>
+                  <a:lnTo>
+                    <a:pt x="46144" y="99228"/>
+                  </a:lnTo>
+                  <a:lnTo>
+                    <a:pt x="43810" y="99117"/>
+                  </a:lnTo>
+                  <a:lnTo>
+                    <a:pt x="41538" y="98932"/>
+                  </a:lnTo>
+                  <a:lnTo>
+                    <a:pt x="39325" y="98673"/>
+                  </a:lnTo>
+                  <a:lnTo>
+                    <a:pt x="37173" y="98341"/>
+                  </a:lnTo>
+                  <a:lnTo>
+                    <a:pt x="35081" y="97934"/>
+                  </a:lnTo>
+                  <a:lnTo>
+                    <a:pt x="33049" y="97453"/>
+                  </a:lnTo>
+                  <a:lnTo>
+                    <a:pt x="31077" y="96899"/>
+                  </a:lnTo>
+                  <a:lnTo>
+                    <a:pt x="29166" y="96270"/>
+                  </a:lnTo>
+                  <a:lnTo>
+                    <a:pt x="27315" y="95568"/>
+                  </a:lnTo>
+                  <a:lnTo>
+                    <a:pt x="25537" y="94786"/>
+                  </a:lnTo>
+                  <a:lnTo>
+                    <a:pt x="23818" y="93947"/>
+                  </a:lnTo>
+                  <a:lnTo>
+                    <a:pt x="22158" y="93050"/>
+                  </a:lnTo>
+                  <a:lnTo>
+                    <a:pt x="20556" y="92096"/>
+                  </a:lnTo>
+                  <a:lnTo>
+                    <a:pt x="19014" y="91084"/>
+                  </a:lnTo>
+                  <a:lnTo>
+                    <a:pt x="17530" y="90015"/>
+                  </a:lnTo>
+                  <a:lnTo>
+                    <a:pt x="16106" y="88888"/>
+                  </a:lnTo>
+                  <a:lnTo>
+                    <a:pt x="14740" y="87704"/>
+                  </a:lnTo>
+                  <a:lnTo>
+                    <a:pt x="13433" y="86462"/>
+                  </a:lnTo>
+                  <a:lnTo>
+                    <a:pt x="12185" y="85162"/>
+                  </a:lnTo>
+                  <a:lnTo>
+                    <a:pt x="10997" y="83796"/>
+                  </a:lnTo>
+                  <a:lnTo>
+                    <a:pt x="9869" y="82380"/>
+                  </a:lnTo>
+                  <a:lnTo>
+                    <a:pt x="8801" y="80915"/>
+                  </a:lnTo>
+                  <a:lnTo>
+                    <a:pt x="7793" y="79401"/>
+                  </a:lnTo>
+                  <a:lnTo>
+                    <a:pt x="6845" y="77837"/>
+                  </a:lnTo>
+                  <a:lnTo>
+                    <a:pt x="5958" y="76224"/>
+                  </a:lnTo>
+                  <a:lnTo>
+                    <a:pt x="5131" y="74562"/>
+                  </a:lnTo>
+                  <a:lnTo>
+                    <a:pt x="4364" y="72851"/>
+                  </a:lnTo>
+                  <a:lnTo>
+                    <a:pt x="3658" y="71090"/>
+                  </a:lnTo>
+                  <a:lnTo>
+                    <a:pt x="3012" y="69280"/>
+                  </a:lnTo>
+                  <a:lnTo>
+                    <a:pt x="2439" y="67428"/>
+                  </a:lnTo>
+                  <a:lnTo>
+                    <a:pt x="1927" y="65542"/>
+                  </a:lnTo>
+                  <a:lnTo>
+                    <a:pt x="1475" y="63622"/>
+                  </a:lnTo>
+                  <a:lnTo>
+                    <a:pt x="1084" y="61667"/>
+                  </a:lnTo>
+                  <a:lnTo>
+                    <a:pt x="753" y="59679"/>
+                  </a:lnTo>
+                  <a:lnTo>
+                    <a:pt x="481" y="57656"/>
+                  </a:lnTo>
+                  <a:lnTo>
+                    <a:pt x="271" y="55598"/>
+                  </a:lnTo>
+                  <a:lnTo>
+                    <a:pt x="120" y="53507"/>
+                  </a:lnTo>
+                  <a:lnTo>
+                    <a:pt x="30" y="51381"/>
+                  </a:lnTo>
+                  <a:lnTo>
+                    <a:pt x="0" y="49221"/>
+                  </a:lnTo>
+                  <a:lnTo>
+                    <a:pt x="31" y="46984"/>
+                  </a:lnTo>
+                  <a:lnTo>
+                    <a:pt x="125" y="44791"/>
+                  </a:lnTo>
+                  <a:lnTo>
+                    <a:pt x="283" y="42641"/>
+                  </a:lnTo>
+                  <a:lnTo>
+                    <a:pt x="503" y="40535"/>
+                  </a:lnTo>
+                  <a:lnTo>
+                    <a:pt x="787" y="38473"/>
+                  </a:lnTo>
+                  <a:lnTo>
+                    <a:pt x="1133" y="36455"/>
+                  </a:lnTo>
+                  <a:lnTo>
+                    <a:pt x="1543" y="34481"/>
+                  </a:lnTo>
+                  <a:lnTo>
+                    <a:pt x="2015" y="32550"/>
+                  </a:lnTo>
+                  <a:lnTo>
+                    <a:pt x="2550" y="30664"/>
+                  </a:lnTo>
+                  <a:lnTo>
+                    <a:pt x="3149" y="28821"/>
+                  </a:lnTo>
+                  <a:lnTo>
+                    <a:pt x="3822" y="27027"/>
+                  </a:lnTo>
+                  <a:lnTo>
+                    <a:pt x="4553" y="25288"/>
+                  </a:lnTo>
+                  <a:lnTo>
+                    <a:pt x="5344" y="23604"/>
+                  </a:lnTo>
+                  <a:lnTo>
+                    <a:pt x="6194" y="21975"/>
+                  </a:lnTo>
+                  <a:lnTo>
+                    <a:pt x="7102" y="20400"/>
+                  </a:lnTo>
+                  <a:lnTo>
+                    <a:pt x="8069" y="18880"/>
+                  </a:lnTo>
+                  <a:lnTo>
+                    <a:pt x="9096" y="17415"/>
+                  </a:lnTo>
+                  <a:lnTo>
+                    <a:pt x="10181" y="16005"/>
+                  </a:lnTo>
+                  <a:lnTo>
+                    <a:pt x="11325" y="14650"/>
+                  </a:lnTo>
+                  <a:lnTo>
+                    <a:pt x="12527" y="13349"/>
+                  </a:lnTo>
+                  <a:lnTo>
+                    <a:pt x="13801" y="12092"/>
+                  </a:lnTo>
+                  <a:lnTo>
+                    <a:pt x="15132" y="10895"/>
+                  </a:lnTo>
+                  <a:lnTo>
+                    <a:pt x="16518" y="9759"/>
+                  </a:lnTo>
+                  <a:lnTo>
+                    <a:pt x="17960" y="8683"/>
+                  </a:lnTo>
+                  <a:lnTo>
+                    <a:pt x="19459" y="7667"/>
+                  </a:lnTo>
+                  <a:lnTo>
+                    <a:pt x="21014" y="6711"/>
+                  </a:lnTo>
+                  <a:lnTo>
+                    <a:pt x="22624" y="5816"/>
+                  </a:lnTo>
+                  <a:lnTo>
+                    <a:pt x="24291" y="4981"/>
+                  </a:lnTo>
+                  <a:lnTo>
+                    <a:pt x="26015" y="4206"/>
+                  </a:lnTo>
+                  <a:lnTo>
+                    <a:pt x="27794" y="3491"/>
+                  </a:lnTo>
+                  <a:lnTo>
+                    <a:pt x="29642" y="2828"/>
+                  </a:lnTo>
+                  <a:lnTo>
+                    <a:pt x="31543" y="2234"/>
+                  </a:lnTo>
+                  <a:lnTo>
+                    <a:pt x="33497" y="1710"/>
+                  </a:lnTo>
+                  <a:lnTo>
+                    <a:pt x="35505" y="1256"/>
+                  </a:lnTo>
+                  <a:lnTo>
+                    <a:pt x="37566" y="872"/>
+                  </a:lnTo>
+                  <a:lnTo>
+                    <a:pt x="39681" y="558"/>
+                  </a:lnTo>
+                  <a:lnTo>
+                    <a:pt x="41849" y="314"/>
+                  </a:lnTo>
+                  <a:lnTo>
+                    <a:pt x="44071" y="139"/>
+                  </a:lnTo>
+                  <a:lnTo>
+                    <a:pt x="46345" y="34"/>
+                  </a:lnTo>
+                  <a:lnTo>
+                    <a:pt x="48674" y="0"/>
+                  </a:lnTo>
+                  <a:lnTo>
+                    <a:pt x="51001" y="34"/>
+                  </a:lnTo>
+                  <a:lnTo>
+                    <a:pt x="53274" y="139"/>
+                  </a:lnTo>
+                  <a:lnTo>
+                    <a:pt x="55492" y="314"/>
+                  </a:lnTo>
+                  <a:lnTo>
+                    <a:pt x="57656" y="558"/>
+                  </a:lnTo>
+                  <a:lnTo>
+                    <a:pt x="59764" y="872"/>
+                  </a:lnTo>
+                  <a:lnTo>
+                    <a:pt x="61818" y="1256"/>
+                  </a:lnTo>
+                  <a:lnTo>
+                    <a:pt x="63817" y="1710"/>
+                  </a:lnTo>
+                  <a:lnTo>
+                    <a:pt x="65761" y="2234"/>
+                  </a:lnTo>
+                  <a:lnTo>
+                    <a:pt x="67651" y="2828"/>
+                  </a:lnTo>
+                  <a:lnTo>
+                    <a:pt x="69485" y="3491"/>
+                  </a:lnTo>
+                  <a:lnTo>
+                    <a:pt x="71277" y="4219"/>
+                  </a:lnTo>
+                  <a:lnTo>
+                    <a:pt x="73010" y="5005"/>
+                  </a:lnTo>
+                  <a:lnTo>
+                    <a:pt x="74683" y="5851"/>
+                  </a:lnTo>
+                  <a:lnTo>
+                    <a:pt x="76298" y="6755"/>
+                  </a:lnTo>
+                  <a:lnTo>
+                    <a:pt x="77854" y="7718"/>
+                  </a:lnTo>
+                  <a:lnTo>
+                    <a:pt x="79352" y="8740"/>
+                  </a:lnTo>
+                  <a:lnTo>
+                    <a:pt x="80790" y="9821"/>
+                  </a:lnTo>
+                  <a:lnTo>
+                    <a:pt x="82169" y="10961"/>
+                  </a:lnTo>
+                  <a:lnTo>
+                    <a:pt x="83490" y="12160"/>
+                  </a:lnTo>
+                  <a:lnTo>
+                    <a:pt x="84752" y="13417"/>
+                  </a:lnTo>
+                  <a:lnTo>
+                    <a:pt x="85967" y="14731"/>
+                  </a:lnTo>
+                  <a:lnTo>
+                    <a:pt x="87123" y="16098"/>
+                  </a:lnTo>
+                  <a:lnTo>
+                    <a:pt x="88218" y="17519"/>
+                  </a:lnTo>
+                  <a:lnTo>
+                    <a:pt x="89253" y="18993"/>
+                  </a:lnTo>
+                  <a:lnTo>
+                    <a:pt x="90228" y="20520"/>
+                  </a:lnTo>
+                  <a:lnTo>
+                    <a:pt x="91143" y="22101"/>
+                  </a:lnTo>
+                  <a:lnTo>
+                    <a:pt x="91997" y="23735"/>
+                  </a:lnTo>
+                  <a:lnTo>
+                    <a:pt x="92791" y="25422"/>
+                  </a:lnTo>
+                  <a:lnTo>
+                    <a:pt x="93525" y="27163"/>
+                  </a:lnTo>
+                  <a:lnTo>
+                    <a:pt x="94199" y="28958"/>
+                  </a:lnTo>
+                  <a:lnTo>
+                    <a:pt x="94810" y="30787"/>
+                  </a:lnTo>
+                  <a:lnTo>
+                    <a:pt x="95357" y="32660"/>
+                  </a:lnTo>
+                  <a:lnTo>
+                    <a:pt x="95840" y="34577"/>
+                  </a:lnTo>
+                  <a:lnTo>
+                    <a:pt x="96258" y="36537"/>
+                  </a:lnTo>
+                  <a:lnTo>
+                    <a:pt x="96612" y="38542"/>
+                  </a:lnTo>
+                  <a:lnTo>
+                    <a:pt x="96902" y="40590"/>
+                  </a:lnTo>
+                  <a:lnTo>
+                    <a:pt x="97127" y="42682"/>
+                  </a:lnTo>
+                  <a:lnTo>
+                    <a:pt x="97288" y="44818"/>
+                  </a:lnTo>
+                  <a:lnTo>
+                    <a:pt x="97384" y="46998"/>
+                  </a:lnTo>
+                  <a:close/>
+                </a:path>
+              </a:pathLst>
+            </a:custGeom>
+            <a:solidFill>
+              <a:srgbClr val="FFFFFF">
+                <a:alpha val="100000"/>
+              </a:srgbClr>
+            </a:solidFill>
+          </p:spPr>
+          <p:txBody>
+            <a:bodyPr/>
+            <a:lstStyle/>
+            <a:p/>
+          </p:txBody>
+        </p:sp>
+        <p:sp>
+          <p:nvSpPr>
+            <p:cNvPr id="17" name="pg17"/>
+            <p:cNvSpPr/>
+            <p:nvPr/>
+          </p:nvSpPr>
+          <p:spPr>
+            <a:xfrm>
+              <a:off x="6035428" y="3568390"/>
+              <a:ext cx="56478" cy="67500"/>
+            </a:xfrm>
+            <a:custGeom>
+              <a:avLst/>
+              <a:pathLst>
+                <a:path w="56478" h="67500">
+                  <a:moveTo>
+                    <a:pt x="56478" y="33339"/>
+                  </a:moveTo>
+                  <a:lnTo>
+                    <a:pt x="56460" y="31834"/>
+                  </a:lnTo>
+                  <a:lnTo>
+                    <a:pt x="56404" y="30360"/>
+                  </a:lnTo>
+                  <a:lnTo>
+                    <a:pt x="56312" y="28915"/>
+                  </a:lnTo>
+                  <a:lnTo>
+                    <a:pt x="56182" y="27501"/>
+                  </a:lnTo>
+                  <a:lnTo>
+                    <a:pt x="56016" y="26117"/>
+                  </a:lnTo>
+                  <a:lnTo>
+                    <a:pt x="55813" y="24762"/>
+                  </a:lnTo>
+                  <a:lnTo>
+                    <a:pt x="55572" y="23438"/>
+                  </a:lnTo>
+                  <a:lnTo>
+                    <a:pt x="55295" y="22145"/>
+                  </a:lnTo>
+                  <a:lnTo>
+                    <a:pt x="54981" y="20881"/>
+                  </a:lnTo>
+                  <a:lnTo>
+                    <a:pt x="54630" y="19647"/>
+                  </a:lnTo>
+                  <a:lnTo>
+                    <a:pt x="54256" y="18433"/>
+                  </a:lnTo>
+                  <a:lnTo>
+                    <a:pt x="53847" y="17254"/>
+                  </a:lnTo>
+                  <a:lnTo>
+                    <a:pt x="53402" y="16111"/>
+                  </a:lnTo>
+                  <a:lnTo>
+                    <a:pt x="52921" y="15003"/>
+                  </a:lnTo>
+                  <a:lnTo>
+                    <a:pt x="52405" y="13931"/>
+                  </a:lnTo>
+                  <a:lnTo>
+                    <a:pt x="51853" y="12894"/>
+                  </a:lnTo>
+                  <a:lnTo>
+                    <a:pt x="51266" y="11894"/>
+                  </a:lnTo>
+                  <a:lnTo>
+                    <a:pt x="50643" y="10928"/>
+                  </a:lnTo>
+                  <a:lnTo>
+                    <a:pt x="49984" y="9999"/>
+                  </a:lnTo>
+                  <a:lnTo>
+                    <a:pt x="49290" y="9105"/>
+                  </a:lnTo>
+                  <a:lnTo>
+                    <a:pt x="48561" y="8249"/>
+                  </a:lnTo>
+                  <a:lnTo>
+                    <a:pt x="47797" y="7434"/>
+                  </a:lnTo>
+                  <a:lnTo>
+                    <a:pt x="47000" y="6661"/>
+                  </a:lnTo>
+                  <a:lnTo>
+                    <a:pt x="46168" y="5928"/>
+                  </a:lnTo>
+                  <a:lnTo>
+                    <a:pt x="45302" y="5237"/>
+                  </a:lnTo>
+                  <a:lnTo>
+                    <a:pt x="44402" y="4586"/>
+                  </a:lnTo>
+                  <a:lnTo>
+                    <a:pt x="43467" y="3977"/>
+                  </a:lnTo>
+                  <a:lnTo>
+                    <a:pt x="42499" y="3409"/>
+                  </a:lnTo>
+                  <a:lnTo>
+                    <a:pt x="41496" y="2882"/>
+                  </a:lnTo>
+                  <a:lnTo>
+                    <a:pt x="40459" y="2396"/>
+                  </a:lnTo>
+                  <a:lnTo>
+                    <a:pt x="39401" y="1940"/>
+                  </a:lnTo>
+                  <a:lnTo>
+                    <a:pt x="38309" y="1533"/>
+                  </a:lnTo>
+                  <a:lnTo>
+                    <a:pt x="37183" y="1174"/>
+                  </a:lnTo>
+                  <a:lnTo>
+                    <a:pt x="36023" y="862"/>
+                  </a:lnTo>
+                  <a:lnTo>
+                    <a:pt x="34828" y="599"/>
+                  </a:lnTo>
+                  <a:lnTo>
+                    <a:pt x="33599" y="383"/>
+                  </a:lnTo>
+                  <a:lnTo>
+                    <a:pt x="32336" y="215"/>
+                  </a:lnTo>
+                  <a:lnTo>
+                    <a:pt x="31039" y="95"/>
+                  </a:lnTo>
+                  <a:lnTo>
+                    <a:pt x="29707" y="23"/>
+                  </a:lnTo>
+                  <a:lnTo>
+                    <a:pt x="28341" y="0"/>
+                  </a:lnTo>
+                  <a:lnTo>
+                    <a:pt x="26948" y="23"/>
+                  </a:lnTo>
+                  <a:lnTo>
+                    <a:pt x="25589" y="95"/>
+                  </a:lnTo>
+                  <a:lnTo>
+                    <a:pt x="24265" y="215"/>
+                  </a:lnTo>
+                  <a:lnTo>
+                    <a:pt x="22974" y="383"/>
+                  </a:lnTo>
+                  <a:lnTo>
+                    <a:pt x="21718" y="599"/>
+                  </a:lnTo>
+                  <a:lnTo>
+                    <a:pt x="20496" y="862"/>
+                  </a:lnTo>
+                  <a:lnTo>
+                    <a:pt x="19308" y="1174"/>
+                  </a:lnTo>
+                  <a:lnTo>
+                    <a:pt x="18155" y="1533"/>
+                  </a:lnTo>
+                  <a:lnTo>
+                    <a:pt x="17035" y="1940"/>
+                  </a:lnTo>
+                  <a:lnTo>
+                    <a:pt x="15950" y="2396"/>
+                  </a:lnTo>
+                  <a:lnTo>
+                    <a:pt x="14913" y="2882"/>
+                  </a:lnTo>
+                  <a:lnTo>
+                    <a:pt x="13910" y="3409"/>
+                  </a:lnTo>
+                  <a:lnTo>
+                    <a:pt x="12942" y="3977"/>
+                  </a:lnTo>
+                  <a:lnTo>
+                    <a:pt x="12007" y="4586"/>
+                  </a:lnTo>
+                  <a:lnTo>
+                    <a:pt x="11107" y="5237"/>
+                  </a:lnTo>
+                  <a:lnTo>
+                    <a:pt x="10241" y="5928"/>
+                  </a:lnTo>
+                  <a:lnTo>
+                    <a:pt x="9409" y="6661"/>
+                  </a:lnTo>
+                  <a:lnTo>
+                    <a:pt x="8612" y="7434"/>
+                  </a:lnTo>
+                  <a:lnTo>
+                    <a:pt x="7848" y="8249"/>
+                  </a:lnTo>
+                  <a:lnTo>
+                    <a:pt x="7119" y="9105"/>
+                  </a:lnTo>
+                  <a:lnTo>
+                    <a:pt x="6425" y="9999"/>
+                  </a:lnTo>
+                  <a:lnTo>
+                    <a:pt x="5766" y="10928"/>
+                  </a:lnTo>
+                  <a:lnTo>
+                    <a:pt x="5144" y="11894"/>
+                  </a:lnTo>
+                  <a:lnTo>
+                    <a:pt x="4556" y="12894"/>
+                  </a:lnTo>
+                  <a:lnTo>
+                    <a:pt x="4004" y="13931"/>
+                  </a:lnTo>
+                  <a:lnTo>
+                    <a:pt x="3488" y="15003"/>
+                  </a:lnTo>
+                  <a:lnTo>
+                    <a:pt x="3008" y="16111"/>
+                  </a:lnTo>
+                  <a:lnTo>
+                    <a:pt x="2563" y="17254"/>
+                  </a:lnTo>
+                  <a:lnTo>
+                    <a:pt x="2153" y="18433"/>
+                  </a:lnTo>
+                  <a:lnTo>
+                    <a:pt x="1779" y="19647"/>
+                  </a:lnTo>
+                  <a:lnTo>
+                    <a:pt x="1441" y="20881"/>
+                  </a:lnTo>
+                  <a:lnTo>
+                    <a:pt x="1139" y="22145"/>
+                  </a:lnTo>
+                  <a:lnTo>
+                    <a:pt x="872" y="23438"/>
+                  </a:lnTo>
+                  <a:lnTo>
+                    <a:pt x="640" y="24762"/>
+                  </a:lnTo>
+                  <a:lnTo>
+                    <a:pt x="444" y="26117"/>
+                  </a:lnTo>
+                  <a:lnTo>
+                    <a:pt x="284" y="27501"/>
+                  </a:lnTo>
+                  <a:lnTo>
+                    <a:pt x="160" y="28915"/>
+                  </a:lnTo>
+                  <a:lnTo>
+                    <a:pt x="71" y="30360"/>
+                  </a:lnTo>
+                  <a:lnTo>
+                    <a:pt x="17" y="31834"/>
+                  </a:lnTo>
+                  <a:lnTo>
+                    <a:pt x="0" y="33339"/>
+                  </a:lnTo>
+                  <a:lnTo>
+                    <a:pt x="17" y="34833"/>
+                  </a:lnTo>
+                  <a:lnTo>
+                    <a:pt x="71" y="36302"/>
+                  </a:lnTo>
+                  <a:lnTo>
+                    <a:pt x="160" y="37746"/>
+                  </a:lnTo>
+                  <a:lnTo>
+                    <a:pt x="284" y="39166"/>
+                  </a:lnTo>
+                  <a:lnTo>
+                    <a:pt x="444" y="40561"/>
+                  </a:lnTo>
+                  <a:lnTo>
+                    <a:pt x="640" y="41932"/>
+                  </a:lnTo>
+                  <a:lnTo>
+                    <a:pt x="872" y="43278"/>
+                  </a:lnTo>
+                  <a:lnTo>
+                    <a:pt x="1139" y="44599"/>
+                  </a:lnTo>
+                  <a:lnTo>
+                    <a:pt x="1441" y="45896"/>
+                  </a:lnTo>
+                  <a:lnTo>
+                    <a:pt x="1779" y="47168"/>
+                  </a:lnTo>
+                  <a:lnTo>
+                    <a:pt x="2166" y="48397"/>
+                  </a:lnTo>
+                  <a:lnTo>
+                    <a:pt x="2587" y="49591"/>
+                  </a:lnTo>
+                  <a:lnTo>
+                    <a:pt x="3042" y="50751"/>
+                  </a:lnTo>
+                  <a:lnTo>
+                    <a:pt x="3532" y="51878"/>
+                  </a:lnTo>
+                  <a:lnTo>
+                    <a:pt x="4056" y="52970"/>
+                  </a:lnTo>
+                  <a:lnTo>
+                    <a:pt x="4614" y="54027"/>
+                  </a:lnTo>
+                  <a:lnTo>
+                    <a:pt x="5206" y="55051"/>
+                  </a:lnTo>
+                  <a:lnTo>
+                    <a:pt x="5832" y="56040"/>
+                  </a:lnTo>
+                  <a:lnTo>
+                    <a:pt x="6493" y="56995"/>
+                  </a:lnTo>
+                  <a:lnTo>
+                    <a:pt x="7188" y="57916"/>
+                  </a:lnTo>
+                  <a:lnTo>
+                    <a:pt x="7917" y="58800"/>
+                  </a:lnTo>
+                  <a:lnTo>
+                    <a:pt x="8680" y="59644"/>
+                  </a:lnTo>
+                  <a:lnTo>
+                    <a:pt x="9478" y="60448"/>
+                  </a:lnTo>
+                  <a:lnTo>
+                    <a:pt x="10309" y="61213"/>
+                  </a:lnTo>
+                  <a:lnTo>
+                    <a:pt x="11175" y="61938"/>
+                  </a:lnTo>
+                  <a:lnTo>
+                    <a:pt x="12076" y="62623"/>
+                  </a:lnTo>
+                  <a:lnTo>
+                    <a:pt x="13010" y="63269"/>
+                  </a:lnTo>
+                  <a:lnTo>
+                    <a:pt x="13979" y="63874"/>
+                  </a:lnTo>
+                  <a:lnTo>
+                    <a:pt x="14982" y="64441"/>
+                  </a:lnTo>
+                  <a:lnTo>
+                    <a:pt x="16019" y="64967"/>
+                  </a:lnTo>
+                  <a:lnTo>
+                    <a:pt x="17090" y="65448"/>
+                  </a:lnTo>
+                  <a:lnTo>
+                    <a:pt x="18193" y="65879"/>
+                  </a:lnTo>
+                  <a:lnTo>
+                    <a:pt x="19330" y="66259"/>
+                  </a:lnTo>
+                  <a:lnTo>
+                    <a:pt x="20499" y="66588"/>
+                  </a:lnTo>
+                  <a:lnTo>
+                    <a:pt x="21701" y="66867"/>
+                  </a:lnTo>
+                  <a:lnTo>
+                    <a:pt x="22936" y="67095"/>
+                  </a:lnTo>
+                  <a:lnTo>
+                    <a:pt x="24204" y="67272"/>
+                  </a:lnTo>
+                  <a:lnTo>
+                    <a:pt x="25505" y="67399"/>
+                  </a:lnTo>
+                  <a:lnTo>
+                    <a:pt x="26838" y="67475"/>
+                  </a:lnTo>
+                  <a:lnTo>
+                    <a:pt x="28205" y="67500"/>
+                  </a:lnTo>
+                  <a:lnTo>
+                    <a:pt x="29663" y="67475"/>
+                  </a:lnTo>
+                  <a:lnTo>
+                    <a:pt x="31080" y="67399"/>
+                  </a:lnTo>
+                  <a:lnTo>
+                    <a:pt x="32456" y="67272"/>
+                  </a:lnTo>
+                  <a:lnTo>
+                    <a:pt x="33791" y="67095"/>
+                  </a:lnTo>
+                  <a:lnTo>
+                    <a:pt x="35085" y="66867"/>
+                  </a:lnTo>
+                  <a:lnTo>
+                    <a:pt x="36337" y="66588"/>
+                  </a:lnTo>
+                  <a:lnTo>
+                    <a:pt x="37549" y="66259"/>
+                  </a:lnTo>
+                  <a:lnTo>
+                    <a:pt x="38720" y="65879"/>
+                  </a:lnTo>
+                  <a:lnTo>
+                    <a:pt x="39849" y="65448"/>
+                  </a:lnTo>
+                  <a:lnTo>
+                    <a:pt x="40938" y="64967"/>
+                  </a:lnTo>
+                  <a:lnTo>
+                    <a:pt x="41987" y="64428"/>
+                  </a:lnTo>
+                  <a:lnTo>
+                    <a:pt x="42997" y="63850"/>
+                  </a:lnTo>
+                  <a:lnTo>
+                    <a:pt x="43969" y="63234"/>
+                  </a:lnTo>
+                  <a:lnTo>
+                    <a:pt x="44903" y="62579"/>
+                  </a:lnTo>
+                  <a:lnTo>
+                    <a:pt x="45798" y="61886"/>
+                  </a:lnTo>
+                  <a:lnTo>
+                    <a:pt x="46656" y="61155"/>
+                  </a:lnTo>
+                  <a:lnTo>
+                    <a:pt x="47474" y="60386"/>
+                  </a:lnTo>
+                  <a:lnTo>
+                    <a:pt x="48255" y="59578"/>
+                  </a:lnTo>
+                  <a:lnTo>
+                    <a:pt x="48997" y="58732"/>
+                  </a:lnTo>
+                  <a:lnTo>
+                    <a:pt x="49701" y="57847"/>
+                  </a:lnTo>
+                  <a:lnTo>
+                    <a:pt x="50380" y="56913"/>
+                  </a:lnTo>
+                  <a:lnTo>
+                    <a:pt x="51023" y="55947"/>
+                  </a:lnTo>
+                  <a:lnTo>
+                    <a:pt x="51629" y="54947"/>
+                  </a:lnTo>
+                  <a:lnTo>
+                    <a:pt x="52198" y="53915"/>
+                  </a:lnTo>
+                  <a:lnTo>
+                    <a:pt x="52730" y="52850"/>
+                  </a:lnTo>
+                  <a:lnTo>
+                    <a:pt x="53225" y="51752"/>
+                  </a:lnTo>
+                  <a:lnTo>
+                    <a:pt x="53683" y="50621"/>
+                  </a:lnTo>
+                  <a:lnTo>
+                    <a:pt x="54104" y="49457"/>
+                  </a:lnTo>
+                  <a:lnTo>
+                    <a:pt x="54488" y="48260"/>
+                  </a:lnTo>
+                  <a:lnTo>
+                    <a:pt x="54835" y="47031"/>
+                  </a:lnTo>
+                  <a:lnTo>
+                    <a:pt x="55147" y="45760"/>
+                  </a:lnTo>
+                  <a:lnTo>
+                    <a:pt x="55427" y="44468"/>
+                  </a:lnTo>
+                  <a:lnTo>
+                    <a:pt x="55673" y="43153"/>
+                  </a:lnTo>
+                  <a:lnTo>
+                    <a:pt x="55887" y="41817"/>
+                  </a:lnTo>
+                  <a:lnTo>
+                    <a:pt x="56067" y="40459"/>
+                  </a:lnTo>
+                  <a:lnTo>
+                    <a:pt x="56215" y="39079"/>
+                  </a:lnTo>
+                  <a:lnTo>
+                    <a:pt x="56330" y="37677"/>
+                  </a:lnTo>
+                  <a:lnTo>
+                    <a:pt x="56412" y="36253"/>
+                  </a:lnTo>
+                  <a:lnTo>
+                    <a:pt x="56462" y="34807"/>
+                  </a:lnTo>
+                  <a:close/>
+                </a:path>
+              </a:pathLst>
+            </a:custGeom>
+            <a:solidFill>
+              <a:srgbClr val="FFFFFF">
+                <a:alpha val="100000"/>
+              </a:srgbClr>
+            </a:solidFill>
+          </p:spPr>
+          <p:txBody>
+            <a:bodyPr/>
+            <a:lstStyle/>
+            <a:p/>
+          </p:txBody>
+        </p:sp>
+        <p:sp>
+          <p:nvSpPr>
+            <p:cNvPr id="18" name="pg18"/>
+            <p:cNvSpPr/>
+            <p:nvPr/>
+          </p:nvSpPr>
+          <p:spPr>
+            <a:xfrm>
+              <a:off x="6120111" y="3558942"/>
+              <a:ext cx="43266" cy="92693"/>
+            </a:xfrm>
+            <a:custGeom>
+              <a:avLst/>
+              <a:pathLst>
+                <a:path w="43266" h="92693">
+                  <a:moveTo>
+                    <a:pt x="27041" y="92693"/>
+                  </a:moveTo>
+                  <a:lnTo>
+                    <a:pt x="25382" y="92647"/>
+                  </a:lnTo>
+                  <a:lnTo>
+                    <a:pt x="23801" y="92509"/>
+                  </a:lnTo>
+                  <a:lnTo>
+                    <a:pt x="22299" y="92280"/>
+                  </a:lnTo>
+                  <a:lnTo>
+                    <a:pt x="20874" y="91959"/>
+                  </a:lnTo>
+                  <a:lnTo>
+                    <a:pt x="19527" y="91546"/>
+                  </a:lnTo>
+                  <a:lnTo>
+                    <a:pt x="18259" y="91042"/>
+                  </a:lnTo>
+                  <a:lnTo>
+                    <a:pt x="17068" y="90445"/>
+                  </a:lnTo>
+                  <a:lnTo>
+                    <a:pt x="15956" y="89757"/>
+                  </a:lnTo>
+                  <a:lnTo>
+                    <a:pt x="14921" y="88978"/>
+                  </a:lnTo>
+                  <a:lnTo>
+                    <a:pt x="13965" y="88106"/>
+                  </a:lnTo>
+                  <a:lnTo>
+                    <a:pt x="13094" y="87128"/>
+                  </a:lnTo>
+                  <a:lnTo>
+                    <a:pt x="12314" y="86055"/>
+                  </a:lnTo>
+                  <a:lnTo>
+                    <a:pt x="11626" y="84888"/>
+                  </a:lnTo>
+                  <a:lnTo>
+                    <a:pt x="11030" y="83626"/>
+                  </a:lnTo>
+                  <a:lnTo>
+                    <a:pt x="10525" y="82270"/>
+                  </a:lnTo>
+                  <a:lnTo>
+                    <a:pt x="10112" y="80819"/>
+                  </a:lnTo>
+                  <a:lnTo>
+                    <a:pt x="9791" y="79274"/>
+                  </a:lnTo>
+                  <a:lnTo>
+                    <a:pt x="9562" y="77635"/>
+                  </a:lnTo>
+                  <a:lnTo>
+                    <a:pt x="9424" y="75901"/>
+                  </a:lnTo>
+                  <a:lnTo>
+                    <a:pt x="9378" y="74072"/>
+                  </a:lnTo>
+                  <a:lnTo>
+                    <a:pt x="9378" y="30395"/>
+                  </a:lnTo>
+                  <a:lnTo>
+                    <a:pt x="0" y="30395"/>
+                  </a:lnTo>
+                  <a:lnTo>
+                    <a:pt x="0" y="17388"/>
+                  </a:lnTo>
+                  <a:lnTo>
+                    <a:pt x="10337" y="17388"/>
+                  </a:lnTo>
+                  <a:lnTo>
+                    <a:pt x="16361" y="0"/>
+                  </a:lnTo>
+                  <a:lnTo>
+                    <a:pt x="28410" y="0"/>
+                  </a:lnTo>
+                  <a:lnTo>
+                    <a:pt x="28410" y="17388"/>
+                  </a:lnTo>
+                  <a:lnTo>
+                    <a:pt x="42444" y="17388"/>
+                  </a:lnTo>
+                  <a:lnTo>
+                    <a:pt x="42444" y="30395"/>
+                  </a:lnTo>
+                  <a:lnTo>
+                    <a:pt x="28410" y="30395"/>
+                  </a:lnTo>
+                  <a:lnTo>
+                    <a:pt x="28410" y="68869"/>
+                  </a:lnTo>
+                  <a:lnTo>
+                    <a:pt x="28430" y="69923"/>
+                  </a:lnTo>
+                  <a:lnTo>
+                    <a:pt x="28492" y="70920"/>
+                  </a:lnTo>
+                  <a:lnTo>
+                    <a:pt x="28595" y="71861"/>
+                  </a:lnTo>
+                  <a:lnTo>
+                    <a:pt x="28739" y="72747"/>
+                  </a:lnTo>
+                  <a:lnTo>
+                    <a:pt x="28923" y="73576"/>
+                  </a:lnTo>
+                  <a:lnTo>
+                    <a:pt x="29149" y="74349"/>
+                  </a:lnTo>
+                  <a:lnTo>
+                    <a:pt x="29416" y="75065"/>
+                  </a:lnTo>
+                  <a:lnTo>
+                    <a:pt x="29724" y="75726"/>
+                  </a:lnTo>
+                  <a:lnTo>
+                    <a:pt x="30073" y="76330"/>
+                  </a:lnTo>
+                  <a:lnTo>
+                    <a:pt x="30464" y="76879"/>
+                  </a:lnTo>
+                  <a:lnTo>
+                    <a:pt x="30897" y="77360"/>
+                  </a:lnTo>
+                  <a:lnTo>
+                    <a:pt x="31376" y="77791"/>
+                  </a:lnTo>
+                  <a:lnTo>
+                    <a:pt x="31899" y="78171"/>
+                  </a:lnTo>
+                  <a:lnTo>
+                    <a:pt x="32468" y="78500"/>
+                  </a:lnTo>
+                  <a:lnTo>
+                    <a:pt x="33082" y="78779"/>
+                  </a:lnTo>
+                  <a:lnTo>
+                    <a:pt x="33742" y="79007"/>
+                  </a:lnTo>
+                  <a:lnTo>
+                    <a:pt x="34446" y="79184"/>
+                  </a:lnTo>
+                  <a:lnTo>
+                    <a:pt x="35196" y="79310"/>
+                  </a:lnTo>
+                  <a:lnTo>
+                    <a:pt x="35990" y="79386"/>
+                  </a:lnTo>
+                  <a:lnTo>
+                    <a:pt x="36830" y="79412"/>
+                  </a:lnTo>
+                  <a:lnTo>
+                    <a:pt x="37183" y="79409"/>
+                  </a:lnTo>
+                  <a:lnTo>
+                    <a:pt x="37529" y="79401"/>
+                  </a:lnTo>
+                  <a:lnTo>
+                    <a:pt x="37868" y="79387"/>
+                  </a:lnTo>
+                  <a:lnTo>
+                    <a:pt x="38200" y="79368"/>
+                  </a:lnTo>
+                  <a:lnTo>
+                    <a:pt x="38525" y="79343"/>
+                  </a:lnTo>
+                  <a:lnTo>
+                    <a:pt x="38843" y="79313"/>
+                  </a:lnTo>
+                  <a:lnTo>
+                    <a:pt x="39155" y="79278"/>
+                  </a:lnTo>
+                  <a:lnTo>
+                    <a:pt x="39459" y="79237"/>
+                  </a:lnTo>
+                  <a:lnTo>
+                    <a:pt x="39757" y="79190"/>
+                  </a:lnTo>
+                  <a:lnTo>
+                    <a:pt x="40048" y="79138"/>
+                  </a:lnTo>
+                  <a:lnTo>
+                    <a:pt x="40339" y="79082"/>
+                  </a:lnTo>
+                  <a:lnTo>
+                    <a:pt x="40637" y="79023"/>
+                  </a:lnTo>
+                  <a:lnTo>
+                    <a:pt x="40941" y="78961"/>
+                  </a:lnTo>
+                  <a:lnTo>
+                    <a:pt x="41253" y="78897"/>
+                  </a:lnTo>
+                  <a:lnTo>
+                    <a:pt x="41571" y="78830"/>
+                  </a:lnTo>
+                  <a:lnTo>
+                    <a:pt x="41896" y="78760"/>
+                  </a:lnTo>
+                  <a:lnTo>
+                    <a:pt x="42228" y="78688"/>
+                  </a:lnTo>
+                  <a:lnTo>
+                    <a:pt x="42567" y="78612"/>
+                  </a:lnTo>
+                  <a:lnTo>
+                    <a:pt x="42913" y="78534"/>
+                  </a:lnTo>
+                  <a:lnTo>
+                    <a:pt x="43266" y="78453"/>
+                  </a:lnTo>
+                  <a:lnTo>
+                    <a:pt x="43266" y="90365"/>
+                  </a:lnTo>
+                  <a:lnTo>
+                    <a:pt x="42549" y="90592"/>
+                  </a:lnTo>
+                  <a:lnTo>
+                    <a:pt x="41825" y="90806"/>
+                  </a:lnTo>
+                  <a:lnTo>
+                    <a:pt x="41093" y="91008"/>
+                  </a:lnTo>
+                  <a:lnTo>
+                    <a:pt x="40352" y="91198"/>
+                  </a:lnTo>
+                  <a:lnTo>
+                    <a:pt x="39603" y="91375"/>
+                  </a:lnTo>
+                  <a:lnTo>
+                    <a:pt x="38846" y="91540"/>
+                  </a:lnTo>
+                  <a:lnTo>
+                    <a:pt x="38080" y="91693"/>
+                  </a:lnTo>
+                  <a:lnTo>
+                    <a:pt x="37307" y="91833"/>
+                  </a:lnTo>
+                  <a:lnTo>
+                    <a:pt x="36525" y="91961"/>
+                  </a:lnTo>
+                  <a:lnTo>
+                    <a:pt x="35735" y="92077"/>
+                  </a:lnTo>
+                  <a:lnTo>
+                    <a:pt x="34933" y="92194"/>
+                  </a:lnTo>
+                  <a:lnTo>
+                    <a:pt x="34117" y="92299"/>
+                  </a:lnTo>
+                  <a:lnTo>
+                    <a:pt x="33285" y="92391"/>
+                  </a:lnTo>
+                  <a:lnTo>
+                    <a:pt x="32438" y="92471"/>
+                  </a:lnTo>
+                  <a:lnTo>
+                    <a:pt x="31576" y="92539"/>
+                  </a:lnTo>
+                  <a:lnTo>
+                    <a:pt x="30699" y="92594"/>
+                  </a:lnTo>
+                  <a:lnTo>
+                    <a:pt x="29807" y="92637"/>
+                  </a:lnTo>
+                  <a:lnTo>
+                    <a:pt x="28900" y="92668"/>
+                  </a:lnTo>
+                  <a:lnTo>
+                    <a:pt x="27978" y="92687"/>
+                  </a:lnTo>
+                  <a:close/>
+                </a:path>
+              </a:pathLst>
+            </a:custGeom>
+            <a:solidFill>
+              <a:srgbClr val="FFFFFF">
+                <a:alpha val="100000"/>
+              </a:srgbClr>
+            </a:solidFill>
+          </p:spPr>
+          <p:txBody>
+            <a:bodyPr/>
+            <a:lstStyle/>
+            <a:p/>
+          </p:txBody>
+        </p:sp>
+        <p:sp>
+          <p:nvSpPr>
+            <p:cNvPr id="19" name="pg19"/>
+            <p:cNvSpPr/>
+            <p:nvPr/>
+          </p:nvSpPr>
+          <p:spPr>
+            <a:xfrm>
+              <a:off x="6174878" y="3548810"/>
+              <a:ext cx="67158" cy="101592"/>
+            </a:xfrm>
+            <a:custGeom>
+              <a:avLst/>
+              <a:pathLst>
+                <a:path w="67158" h="101592">
+                  <a:moveTo>
+                    <a:pt x="18963" y="42307"/>
+                  </a:moveTo>
+                  <a:lnTo>
+                    <a:pt x="19763" y="40656"/>
+                  </a:lnTo>
+                  <a:lnTo>
+                    <a:pt x="20603" y="39098"/>
+                  </a:lnTo>
+                  <a:lnTo>
+                    <a:pt x="21483" y="37633"/>
+                  </a:lnTo>
+                  <a:lnTo>
+                    <a:pt x="22402" y="36261"/>
+                  </a:lnTo>
+                  <a:lnTo>
+                    <a:pt x="23361" y="34982"/>
+                  </a:lnTo>
+                  <a:lnTo>
+                    <a:pt x="24360" y="33796"/>
+                  </a:lnTo>
+                  <a:lnTo>
+                    <a:pt x="25398" y="32704"/>
+                  </a:lnTo>
+                  <a:lnTo>
+                    <a:pt x="26477" y="31704"/>
+                  </a:lnTo>
+                  <a:lnTo>
+                    <a:pt x="27595" y="30798"/>
+                  </a:lnTo>
+                  <a:lnTo>
+                    <a:pt x="28752" y="29984"/>
+                  </a:lnTo>
+                  <a:lnTo>
+                    <a:pt x="29952" y="29256"/>
+                  </a:lnTo>
+                  <a:lnTo>
+                    <a:pt x="31198" y="28604"/>
+                  </a:lnTo>
+                  <a:lnTo>
+                    <a:pt x="32488" y="28029"/>
+                  </a:lnTo>
+                  <a:lnTo>
+                    <a:pt x="33824" y="27531"/>
+                  </a:lnTo>
+                  <a:lnTo>
+                    <a:pt x="35204" y="27109"/>
+                  </a:lnTo>
+                  <a:lnTo>
+                    <a:pt x="36630" y="26764"/>
+                  </a:lnTo>
+                  <a:lnTo>
+                    <a:pt x="38102" y="26496"/>
+                  </a:lnTo>
+                  <a:lnTo>
+                    <a:pt x="39618" y="26304"/>
+                  </a:lnTo>
+                  <a:lnTo>
+                    <a:pt x="41180" y="26189"/>
+                  </a:lnTo>
+                  <a:lnTo>
+                    <a:pt x="42786" y="26151"/>
+                  </a:lnTo>
+                  <a:lnTo>
+                    <a:pt x="44107" y="26173"/>
+                  </a:lnTo>
+                  <a:lnTo>
+                    <a:pt x="45385" y="26238"/>
+                  </a:lnTo>
+                  <a:lnTo>
+                    <a:pt x="46621" y="26348"/>
+                  </a:lnTo>
+                  <a:lnTo>
+                    <a:pt x="47814" y="26501"/>
+                  </a:lnTo>
+                  <a:lnTo>
+                    <a:pt x="48965" y="26698"/>
+                  </a:lnTo>
+                  <a:lnTo>
+                    <a:pt x="50073" y="26939"/>
+                  </a:lnTo>
+                  <a:lnTo>
+                    <a:pt x="51139" y="27224"/>
+                  </a:lnTo>
+                  <a:lnTo>
+                    <a:pt x="52162" y="27553"/>
+                  </a:lnTo>
+                  <a:lnTo>
+                    <a:pt x="53143" y="27925"/>
+                  </a:lnTo>
+                  <a:lnTo>
+                    <a:pt x="54082" y="28341"/>
+                  </a:lnTo>
+                  <a:lnTo>
+                    <a:pt x="54995" y="28796"/>
+                  </a:lnTo>
+                  <a:lnTo>
+                    <a:pt x="55873" y="29283"/>
+                  </a:lnTo>
+                  <a:lnTo>
+                    <a:pt x="56715" y="29804"/>
+                  </a:lnTo>
+                  <a:lnTo>
+                    <a:pt x="57521" y="30357"/>
+                  </a:lnTo>
+                  <a:lnTo>
+                    <a:pt x="58292" y="30943"/>
+                  </a:lnTo>
+                  <a:lnTo>
+                    <a:pt x="59027" y="31562"/>
+                  </a:lnTo>
+                  <a:lnTo>
+                    <a:pt x="59727" y="32214"/>
+                  </a:lnTo>
+                  <a:lnTo>
+                    <a:pt x="60391" y="32898"/>
+                  </a:lnTo>
+                  <a:lnTo>
+                    <a:pt x="61020" y="33616"/>
+                  </a:lnTo>
+                  <a:lnTo>
+                    <a:pt x="61612" y="34366"/>
+                  </a:lnTo>
+                  <a:lnTo>
+                    <a:pt x="62185" y="35146"/>
+                  </a:lnTo>
+                  <a:lnTo>
+                    <a:pt x="62724" y="35954"/>
+                  </a:lnTo>
+                  <a:lnTo>
+                    <a:pt x="63231" y="36789"/>
+                  </a:lnTo>
+                  <a:lnTo>
+                    <a:pt x="63705" y="37652"/>
+                  </a:lnTo>
+                  <a:lnTo>
+                    <a:pt x="64145" y="38542"/>
+                  </a:lnTo>
+                  <a:lnTo>
+                    <a:pt x="64553" y="39459"/>
+                  </a:lnTo>
+                  <a:lnTo>
+                    <a:pt x="64929" y="40404"/>
+                  </a:lnTo>
+                  <a:lnTo>
+                    <a:pt x="65271" y="41376"/>
+                  </a:lnTo>
+                  <a:lnTo>
+                    <a:pt x="65580" y="42376"/>
+                  </a:lnTo>
+                  <a:lnTo>
+                    <a:pt x="65857" y="43402"/>
+                  </a:lnTo>
+                  <a:lnTo>
+                    <a:pt x="66104" y="44451"/>
+                  </a:lnTo>
+                  <a:lnTo>
+                    <a:pt x="66325" y="45516"/>
+                  </a:lnTo>
+                  <a:lnTo>
+                    <a:pt x="66520" y="46598"/>
+                  </a:lnTo>
+                  <a:lnTo>
+                    <a:pt x="66689" y="47696"/>
+                  </a:lnTo>
+                  <a:lnTo>
+                    <a:pt x="66832" y="48811"/>
+                  </a:lnTo>
+                  <a:lnTo>
+                    <a:pt x="66950" y="49942"/>
+                  </a:lnTo>
+                  <a:lnTo>
+                    <a:pt x="67041" y="51089"/>
+                  </a:lnTo>
+                  <a:lnTo>
+                    <a:pt x="67106" y="52253"/>
+                  </a:lnTo>
+                  <a:lnTo>
+                    <a:pt x="67145" y="53433"/>
+                  </a:lnTo>
+                  <a:lnTo>
+                    <a:pt x="67158" y="54630"/>
+                  </a:lnTo>
+                  <a:lnTo>
+                    <a:pt x="67158" y="101592"/>
+                  </a:lnTo>
+                  <a:lnTo>
+                    <a:pt x="47989" y="101592"/>
+                  </a:lnTo>
+                  <a:lnTo>
+                    <a:pt x="47989" y="60106"/>
+                  </a:lnTo>
+                  <a:lnTo>
+                    <a:pt x="47982" y="59251"/>
+                  </a:lnTo>
+                  <a:lnTo>
+                    <a:pt x="47962" y="58411"/>
+                  </a:lnTo>
+                  <a:lnTo>
+                    <a:pt x="47928" y="57586"/>
+                  </a:lnTo>
+                  <a:lnTo>
+                    <a:pt x="47880" y="56777"/>
+                  </a:lnTo>
+                  <a:lnTo>
+                    <a:pt x="47818" y="55982"/>
+                  </a:lnTo>
+                  <a:lnTo>
+                    <a:pt x="47743" y="55202"/>
+                  </a:lnTo>
+                  <a:lnTo>
+                    <a:pt x="47654" y="54437"/>
+                  </a:lnTo>
+                  <a:lnTo>
+                    <a:pt x="47551" y="53688"/>
+                  </a:lnTo>
+                  <a:lnTo>
+                    <a:pt x="47435" y="52953"/>
+                  </a:lnTo>
+                  <a:lnTo>
+                    <a:pt x="47305" y="52234"/>
+                  </a:lnTo>
+                  <a:lnTo>
+                    <a:pt x="47159" y="51519"/>
+                  </a:lnTo>
+                  <a:lnTo>
+                    <a:pt x="46995" y="50826"/>
+                  </a:lnTo>
+                  <a:lnTo>
+                    <a:pt x="46814" y="50155"/>
+                  </a:lnTo>
+                  <a:lnTo>
+                    <a:pt x="46615" y="49506"/>
+                  </a:lnTo>
+                  <a:lnTo>
+                    <a:pt x="46398" y="48879"/>
+                  </a:lnTo>
+                  <a:lnTo>
+                    <a:pt x="46163" y="48274"/>
+                  </a:lnTo>
+                  <a:lnTo>
+                    <a:pt x="45910" y="47691"/>
+                  </a:lnTo>
+                  <a:lnTo>
+                    <a:pt x="45640" y="47129"/>
+                  </a:lnTo>
+                  <a:lnTo>
+                    <a:pt x="45351" y="46590"/>
+                  </a:lnTo>
+                  <a:lnTo>
+                    <a:pt x="45045" y="46072"/>
+                  </a:lnTo>
+                  <a:lnTo>
+                    <a:pt x="44721" y="45564"/>
+                  </a:lnTo>
+                  <a:lnTo>
+                    <a:pt x="44377" y="45078"/>
+                  </a:lnTo>
+                  <a:lnTo>
+                    <a:pt x="44014" y="44616"/>
+                  </a:lnTo>
+                  <a:lnTo>
+                    <a:pt x="43632" y="44177"/>
+                  </a:lnTo>
+                  <a:lnTo>
+                    <a:pt x="43231" y="43762"/>
+                  </a:lnTo>
+                  <a:lnTo>
+                    <a:pt x="42811" y="43370"/>
+                  </a:lnTo>
+                  <a:lnTo>
+                    <a:pt x="42371" y="43001"/>
+                  </a:lnTo>
+                  <a:lnTo>
+                    <a:pt x="41913" y="42655"/>
+                  </a:lnTo>
+                  <a:lnTo>
+                    <a:pt x="41435" y="42332"/>
+                  </a:lnTo>
+                  <a:lnTo>
+                    <a:pt x="40938" y="42033"/>
+                  </a:lnTo>
+                  <a:lnTo>
+                    <a:pt x="40420" y="41760"/>
+                  </a:lnTo>
+                  <a:lnTo>
+                    <a:pt x="39881" y="41516"/>
+                  </a:lnTo>
+                  <a:lnTo>
+                    <a:pt x="39320" y="41300"/>
+                  </a:lnTo>
+                  <a:lnTo>
+                    <a:pt x="38736" y="41113"/>
+                  </a:lnTo>
+                  <a:lnTo>
+                    <a:pt x="38131" y="40955"/>
+                  </a:lnTo>
+                  <a:lnTo>
+                    <a:pt x="37504" y="40826"/>
+                  </a:lnTo>
+                  <a:lnTo>
+                    <a:pt x="36855" y="40725"/>
+                  </a:lnTo>
+                  <a:lnTo>
+                    <a:pt x="36184" y="40653"/>
+                  </a:lnTo>
+                  <a:lnTo>
+                    <a:pt x="35491" y="40610"/>
+                  </a:lnTo>
+                  <a:lnTo>
+                    <a:pt x="34777" y="40596"/>
+                  </a:lnTo>
+                  <a:lnTo>
+                    <a:pt x="34084" y="40611"/>
+                  </a:lnTo>
+                  <a:lnTo>
+                    <a:pt x="33405" y="40659"/>
+                  </a:lnTo>
+                  <a:lnTo>
+                    <a:pt x="32737" y="40737"/>
+                  </a:lnTo>
+                  <a:lnTo>
+                    <a:pt x="32082" y="40848"/>
+                  </a:lnTo>
+                  <a:lnTo>
+                    <a:pt x="31439" y="40989"/>
+                  </a:lnTo>
+                  <a:lnTo>
+                    <a:pt x="30809" y="41162"/>
+                  </a:lnTo>
+                  <a:lnTo>
+                    <a:pt x="30191" y="41367"/>
+                  </a:lnTo>
+                  <a:lnTo>
+                    <a:pt x="29585" y="41603"/>
+                  </a:lnTo>
+                  <a:lnTo>
+                    <a:pt x="28991" y="41871"/>
+                  </a:lnTo>
+                  <a:lnTo>
+                    <a:pt x="28410" y="42170"/>
+                  </a:lnTo>
+                  <a:lnTo>
+                    <a:pt x="27856" y="42485"/>
+                  </a:lnTo>
+                  <a:lnTo>
+                    <a:pt x="27317" y="42827"/>
+                  </a:lnTo>
+                  <a:lnTo>
+                    <a:pt x="26794" y="43197"/>
+                  </a:lnTo>
+                  <a:lnTo>
+                    <a:pt x="26285" y="43594"/>
+                  </a:lnTo>
+                  <a:lnTo>
+                    <a:pt x="25791" y="44019"/>
+                  </a:lnTo>
+                  <a:lnTo>
+                    <a:pt x="25313" y="44470"/>
+                  </a:lnTo>
+                  <a:lnTo>
+                    <a:pt x="24849" y="44950"/>
+                  </a:lnTo>
+                  <a:lnTo>
+                    <a:pt x="24401" y="45456"/>
+                  </a:lnTo>
+                  <a:lnTo>
+                    <a:pt x="23968" y="45990"/>
+                  </a:lnTo>
+                  <a:lnTo>
+                    <a:pt x="23549" y="46552"/>
+                  </a:lnTo>
+                  <a:lnTo>
+                    <a:pt x="23148" y="47125"/>
+                  </a:lnTo>
+                  <a:lnTo>
+                    <a:pt x="22763" y="47721"/>
+                  </a:lnTo>
+                  <a:lnTo>
+                    <a:pt x="22397" y="48340"/>
+                  </a:lnTo>
+                  <a:lnTo>
+                    <a:pt x="22049" y="48983"/>
+                  </a:lnTo>
+                  <a:lnTo>
+                    <a:pt x="21718" y="49649"/>
+                  </a:lnTo>
+                  <a:lnTo>
+                    <a:pt x="21405" y="50339"/>
+                  </a:lnTo>
+                  <a:lnTo>
+                    <a:pt x="21110" y="51051"/>
+                  </a:lnTo>
+                  <a:lnTo>
+                    <a:pt x="20833" y="51787"/>
+                  </a:lnTo>
+                  <a:lnTo>
+                    <a:pt x="20573" y="52546"/>
+                  </a:lnTo>
+                  <a:lnTo>
+                    <a:pt x="20332" y="53329"/>
+                  </a:lnTo>
+                  <a:lnTo>
+                    <a:pt x="20124" y="54118"/>
+                  </a:lnTo>
+                  <a:lnTo>
+                    <a:pt x="19937" y="54923"/>
+                  </a:lnTo>
+                  <a:lnTo>
+                    <a:pt x="19773" y="55744"/>
+                  </a:lnTo>
+                  <a:lnTo>
+                    <a:pt x="19631" y="56582"/>
+                  </a:lnTo>
+                  <a:lnTo>
+                    <a:pt x="19510" y="57437"/>
+                  </a:lnTo>
+                  <a:lnTo>
+                    <a:pt x="19412" y="58307"/>
+                  </a:lnTo>
+                  <a:lnTo>
+                    <a:pt x="19335" y="59195"/>
+                  </a:lnTo>
+                  <a:lnTo>
+                    <a:pt x="19280" y="60098"/>
+                  </a:lnTo>
+                  <a:lnTo>
+                    <a:pt x="19247" y="61018"/>
+                  </a:lnTo>
+                  <a:lnTo>
+                    <a:pt x="19236" y="61955"/>
+                  </a:lnTo>
+                  <a:lnTo>
+                    <a:pt x="19236" y="101592"/>
+                  </a:lnTo>
+                  <a:lnTo>
+                    <a:pt x="0" y="101592"/>
+                  </a:lnTo>
+                  <a:lnTo>
+                    <a:pt x="0" y="0"/>
+                  </a:lnTo>
+                  <a:lnTo>
+                    <a:pt x="19236" y="0"/>
+                  </a:lnTo>
+                  <a:lnTo>
+                    <a:pt x="19236" y="27725"/>
+                  </a:lnTo>
+                  <a:lnTo>
+                    <a:pt x="19236" y="28164"/>
+                  </a:lnTo>
+                  <a:lnTo>
+                    <a:pt x="19234" y="28604"/>
+                  </a:lnTo>
+                  <a:lnTo>
+                    <a:pt x="19230" y="29046"/>
+                  </a:lnTo>
+                  <a:lnTo>
+                    <a:pt x="19225" y="29489"/>
+                  </a:lnTo>
+                  <a:lnTo>
+                    <a:pt x="19219" y="29933"/>
+                  </a:lnTo>
+                  <a:lnTo>
+                    <a:pt x="19212" y="30379"/>
+                  </a:lnTo>
+                  <a:lnTo>
+                    <a:pt x="19203" y="30826"/>
+                  </a:lnTo>
+                  <a:lnTo>
+                    <a:pt x="19193" y="31274"/>
+                  </a:lnTo>
+                  <a:lnTo>
+                    <a:pt x="19181" y="31724"/>
+                  </a:lnTo>
+                  <a:lnTo>
+                    <a:pt x="19168" y="32175"/>
+                  </a:lnTo>
+                  <a:lnTo>
+                    <a:pt x="19154" y="32611"/>
+                  </a:lnTo>
+                  <a:lnTo>
+                    <a:pt x="19138" y="33043"/>
+                  </a:lnTo>
+                  <a:lnTo>
+                    <a:pt x="19121" y="33471"/>
+                  </a:lnTo>
+                  <a:lnTo>
+                    <a:pt x="19102" y="33895"/>
+                  </a:lnTo>
+                  <a:lnTo>
+                    <a:pt x="19082" y="34315"/>
+                  </a:lnTo>
+                  <a:lnTo>
+                    <a:pt x="19061" y="34730"/>
+                  </a:lnTo>
+                  <a:lnTo>
+                    <a:pt x="19039" y="35142"/>
+                  </a:lnTo>
+                  <a:lnTo>
+                    <a:pt x="19015" y="35549"/>
+                  </a:lnTo>
+                  <a:lnTo>
+                    <a:pt x="18989" y="35952"/>
+                  </a:lnTo>
+                  <a:lnTo>
+                    <a:pt x="18963" y="36351"/>
+                  </a:lnTo>
+                  <a:lnTo>
+                    <a:pt x="18949" y="36731"/>
+                  </a:lnTo>
+                  <a:lnTo>
+                    <a:pt x="18935" y="37104"/>
+                  </a:lnTo>
+                  <a:lnTo>
+                    <a:pt x="18922" y="37470"/>
+                  </a:lnTo>
+                  <a:lnTo>
+                    <a:pt x="18908" y="37830"/>
+                  </a:lnTo>
+                  <a:lnTo>
+                    <a:pt x="18894" y="38182"/>
+                  </a:lnTo>
+                  <a:lnTo>
+                    <a:pt x="18880" y="38528"/>
+                  </a:lnTo>
+                  <a:lnTo>
+                    <a:pt x="18867" y="38867"/>
+                  </a:lnTo>
+                  <a:lnTo>
+                    <a:pt x="18853" y="39199"/>
+                  </a:lnTo>
+                  <a:lnTo>
+                    <a:pt x="18839" y="39524"/>
+                  </a:lnTo>
+                  <a:lnTo>
+                    <a:pt x="18826" y="39843"/>
+                  </a:lnTo>
+                  <a:lnTo>
+                    <a:pt x="18812" y="40151"/>
+                  </a:lnTo>
+                  <a:lnTo>
+                    <a:pt x="18798" y="40445"/>
+                  </a:lnTo>
+                  <a:lnTo>
+                    <a:pt x="18785" y="40726"/>
+                  </a:lnTo>
+                  <a:lnTo>
+                    <a:pt x="18771" y="40993"/>
+                  </a:lnTo>
+                  <a:lnTo>
+                    <a:pt x="18757" y="41246"/>
+                  </a:lnTo>
+                  <a:lnTo>
+                    <a:pt x="18744" y="41486"/>
+                  </a:lnTo>
+                  <a:lnTo>
+                    <a:pt x="18730" y="41711"/>
+                  </a:lnTo>
+                  <a:lnTo>
+                    <a:pt x="18716" y="41924"/>
+                  </a:lnTo>
+                  <a:lnTo>
+                    <a:pt x="18702" y="42122"/>
+                  </a:lnTo>
+                  <a:lnTo>
+                    <a:pt x="18689" y="42307"/>
+                  </a:lnTo>
+                  <a:close/>
+                </a:path>
+              </a:pathLst>
+            </a:custGeom>
+            <a:solidFill>
+              <a:srgbClr val="FFFFFF">
+                <a:alpha val="100000"/>
+              </a:srgbClr>
+            </a:solidFill>
+          </p:spPr>
+          <p:txBody>
+            <a:bodyPr/>
+            <a:lstStyle/>
+            <a:p/>
+          </p:txBody>
+        </p:sp>
+        <p:sp>
+          <p:nvSpPr>
+            <p:cNvPr id="20" name="pg20"/>
+            <p:cNvSpPr/>
+            <p:nvPr/>
+          </p:nvSpPr>
+          <p:spPr>
+            <a:xfrm>
+              <a:off x="6256208" y="3574962"/>
+              <a:ext cx="67705" cy="76810"/>
+            </a:xfrm>
+            <a:custGeom>
+              <a:avLst/>
+              <a:pathLst>
+                <a:path w="67705" h="76810">
+                  <a:moveTo>
+                    <a:pt x="34640" y="76810"/>
+                  </a:moveTo>
+                  <a:lnTo>
+                    <a:pt x="33054" y="76787"/>
+                  </a:lnTo>
+                  <a:lnTo>
+                    <a:pt x="31499" y="76717"/>
+                  </a:lnTo>
+                  <a:lnTo>
+                    <a:pt x="29976" y="76601"/>
+                  </a:lnTo>
+                  <a:lnTo>
+                    <a:pt x="28484" y="76438"/>
+                  </a:lnTo>
+                  <a:lnTo>
+                    <a:pt x="27024" y="76228"/>
+                  </a:lnTo>
+                  <a:lnTo>
+                    <a:pt x="25595" y="75972"/>
+                  </a:lnTo>
+                  <a:lnTo>
+                    <a:pt x="24198" y="75670"/>
+                  </a:lnTo>
+                  <a:lnTo>
+                    <a:pt x="22832" y="75321"/>
+                  </a:lnTo>
+                  <a:lnTo>
+                    <a:pt x="21498" y="74925"/>
+                  </a:lnTo>
+                  <a:lnTo>
+                    <a:pt x="20195" y="74483"/>
+                  </a:lnTo>
+                  <a:lnTo>
+                    <a:pt x="18940" y="73980"/>
+                  </a:lnTo>
+                  <a:lnTo>
+                    <a:pt x="17722" y="73429"/>
+                  </a:lnTo>
+                  <a:lnTo>
+                    <a:pt x="16541" y="72829"/>
+                  </a:lnTo>
+                  <a:lnTo>
+                    <a:pt x="15397" y="72183"/>
+                  </a:lnTo>
+                  <a:lnTo>
+                    <a:pt x="14290" y="71488"/>
+                  </a:lnTo>
+                  <a:lnTo>
+                    <a:pt x="13220" y="70745"/>
+                  </a:lnTo>
+                  <a:lnTo>
+                    <a:pt x="12187" y="69954"/>
+                  </a:lnTo>
+                  <a:lnTo>
+                    <a:pt x="11191" y="69116"/>
+                  </a:lnTo>
+                  <a:lnTo>
+                    <a:pt x="10232" y="68229"/>
+                  </a:lnTo>
+                  <a:lnTo>
+                    <a:pt x="9310" y="67295"/>
+                  </a:lnTo>
+                  <a:lnTo>
+                    <a:pt x="8427" y="66299"/>
+                  </a:lnTo>
+                  <a:lnTo>
+                    <a:pt x="7587" y="65255"/>
+                  </a:lnTo>
+                  <a:lnTo>
+                    <a:pt x="6790" y="64163"/>
+                  </a:lnTo>
+                  <a:lnTo>
+                    <a:pt x="6035" y="63023"/>
+                  </a:lnTo>
+                  <a:lnTo>
+                    <a:pt x="5322" y="61835"/>
+                  </a:lnTo>
+                  <a:lnTo>
+                    <a:pt x="4652" y="60599"/>
+                  </a:lnTo>
+                  <a:lnTo>
+                    <a:pt x="4024" y="59316"/>
+                  </a:lnTo>
+                  <a:lnTo>
+                    <a:pt x="3439" y="57984"/>
+                  </a:lnTo>
+                  <a:lnTo>
+                    <a:pt x="2896" y="56605"/>
+                  </a:lnTo>
+                  <a:lnTo>
+                    <a:pt x="2396" y="55177"/>
+                  </a:lnTo>
+                  <a:lnTo>
+                    <a:pt x="1940" y="53688"/>
+                  </a:lnTo>
+                  <a:lnTo>
+                    <a:pt x="1533" y="52149"/>
+                  </a:lnTo>
+                  <a:lnTo>
+                    <a:pt x="1174" y="50560"/>
+                  </a:lnTo>
+                  <a:lnTo>
+                    <a:pt x="862" y="48923"/>
+                  </a:lnTo>
+                  <a:lnTo>
+                    <a:pt x="599" y="47236"/>
+                  </a:lnTo>
+                  <a:lnTo>
+                    <a:pt x="383" y="45500"/>
+                  </a:lnTo>
+                  <a:lnTo>
+                    <a:pt x="215" y="43715"/>
+                  </a:lnTo>
+                  <a:lnTo>
+                    <a:pt x="95" y="41880"/>
+                  </a:lnTo>
+                  <a:lnTo>
+                    <a:pt x="23" y="39996"/>
+                  </a:lnTo>
+                  <a:lnTo>
+                    <a:pt x="0" y="38063"/>
+                  </a:lnTo>
+                  <a:lnTo>
+                    <a:pt x="28" y="35974"/>
+                  </a:lnTo>
+                  <a:lnTo>
+                    <a:pt x="112" y="33952"/>
+                  </a:lnTo>
+                  <a:lnTo>
+                    <a:pt x="252" y="31998"/>
+                  </a:lnTo>
+                  <a:lnTo>
+                    <a:pt x="449" y="30110"/>
+                  </a:lnTo>
+                  <a:lnTo>
+                    <a:pt x="701" y="28290"/>
+                  </a:lnTo>
+                  <a:lnTo>
+                    <a:pt x="1010" y="26537"/>
+                  </a:lnTo>
+                  <a:lnTo>
+                    <a:pt x="1375" y="24851"/>
+                  </a:lnTo>
+                  <a:lnTo>
+                    <a:pt x="1796" y="23232"/>
+                  </a:lnTo>
+                  <a:lnTo>
+                    <a:pt x="2273" y="21680"/>
+                  </a:lnTo>
+                  <a:lnTo>
+                    <a:pt x="2806" y="20195"/>
+                  </a:lnTo>
+                  <a:lnTo>
+                    <a:pt x="3401" y="18772"/>
+                  </a:lnTo>
+                  <a:lnTo>
+                    <a:pt x="4033" y="17404"/>
+                  </a:lnTo>
+                  <a:lnTo>
+                    <a:pt x="4704" y="16093"/>
+                  </a:lnTo>
+                  <a:lnTo>
+                    <a:pt x="5413" y="14839"/>
+                  </a:lnTo>
+                  <a:lnTo>
+                    <a:pt x="6161" y="13640"/>
+                  </a:lnTo>
+                  <a:lnTo>
+                    <a:pt x="6947" y="12497"/>
+                  </a:lnTo>
+                  <a:lnTo>
+                    <a:pt x="7771" y="11411"/>
+                  </a:lnTo>
+                  <a:lnTo>
+                    <a:pt x="8634" y="10381"/>
+                  </a:lnTo>
+                  <a:lnTo>
+                    <a:pt x="9534" y="9406"/>
+                  </a:lnTo>
+                  <a:lnTo>
+                    <a:pt x="10474" y="8488"/>
+                  </a:lnTo>
+                  <a:lnTo>
+                    <a:pt x="11460" y="7610"/>
+                  </a:lnTo>
+                  <a:lnTo>
+                    <a:pt x="12475" y="6782"/>
+                  </a:lnTo>
+                  <a:lnTo>
+                    <a:pt x="13519" y="6005"/>
+                  </a:lnTo>
+                  <a:lnTo>
+                    <a:pt x="14592" y="5279"/>
+                  </a:lnTo>
+                  <a:lnTo>
+                    <a:pt x="15694" y="4603"/>
+                  </a:lnTo>
+                  <a:lnTo>
+                    <a:pt x="16824" y="3978"/>
+                  </a:lnTo>
+                  <a:lnTo>
+                    <a:pt x="17983" y="3404"/>
+                  </a:lnTo>
+                  <a:lnTo>
+                    <a:pt x="19171" y="2880"/>
+                  </a:lnTo>
+                  <a:lnTo>
+                    <a:pt x="20387" y="2407"/>
+                  </a:lnTo>
+                  <a:lnTo>
+                    <a:pt x="21633" y="1985"/>
+                  </a:lnTo>
+                  <a:lnTo>
+                    <a:pt x="22899" y="1608"/>
+                  </a:lnTo>
+                  <a:lnTo>
+                    <a:pt x="24179" y="1270"/>
+                  </a:lnTo>
+                  <a:lnTo>
+                    <a:pt x="25473" y="972"/>
+                  </a:lnTo>
+                  <a:lnTo>
+                    <a:pt x="26781" y="714"/>
+                  </a:lnTo>
+                  <a:lnTo>
+                    <a:pt x="28102" y="496"/>
+                  </a:lnTo>
+                  <a:lnTo>
+                    <a:pt x="29437" y="317"/>
+                  </a:lnTo>
+                  <a:lnTo>
+                    <a:pt x="30785" y="178"/>
+                  </a:lnTo>
+                  <a:lnTo>
+                    <a:pt x="32148" y="79"/>
+                  </a:lnTo>
+                  <a:lnTo>
+                    <a:pt x="33524" y="19"/>
+                  </a:lnTo>
+                  <a:lnTo>
+                    <a:pt x="34914" y="0"/>
+                  </a:lnTo>
+                  <a:lnTo>
+                    <a:pt x="36640" y="30"/>
+                  </a:lnTo>
+                  <a:lnTo>
+                    <a:pt x="38315" y="123"/>
+                  </a:lnTo>
+                  <a:lnTo>
+                    <a:pt x="39937" y="277"/>
+                  </a:lnTo>
+                  <a:lnTo>
+                    <a:pt x="41507" y="492"/>
+                  </a:lnTo>
+                  <a:lnTo>
+                    <a:pt x="43026" y="770"/>
+                  </a:lnTo>
+                  <a:lnTo>
+                    <a:pt x="44492" y="1109"/>
+                  </a:lnTo>
+                  <a:lnTo>
+                    <a:pt x="45907" y="1509"/>
+                  </a:lnTo>
+                  <a:lnTo>
+                    <a:pt x="47269" y="1971"/>
+                  </a:lnTo>
+                  <a:lnTo>
+                    <a:pt x="48579" y="2495"/>
+                  </a:lnTo>
+                  <a:lnTo>
+                    <a:pt x="49838" y="3080"/>
+                  </a:lnTo>
+                  <a:lnTo>
+                    <a:pt x="51061" y="3707"/>
+                  </a:lnTo>
+                  <a:lnTo>
+                    <a:pt x="52239" y="4384"/>
+                  </a:lnTo>
+                  <a:lnTo>
+                    <a:pt x="53372" y="5109"/>
+                  </a:lnTo>
+                  <a:lnTo>
+                    <a:pt x="54460" y="5884"/>
+                  </a:lnTo>
+                  <a:lnTo>
+                    <a:pt x="55503" y="6708"/>
+                  </a:lnTo>
+                  <a:lnTo>
+                    <a:pt x="56500" y="7582"/>
+                  </a:lnTo>
+                  <a:lnTo>
+                    <a:pt x="57452" y="8505"/>
+                  </a:lnTo>
+                  <a:lnTo>
+                    <a:pt x="58359" y="9477"/>
+                  </a:lnTo>
+                  <a:lnTo>
+                    <a:pt x="59221" y="10498"/>
+                  </a:lnTo>
+                  <a:lnTo>
+                    <a:pt x="60038" y="11569"/>
+                  </a:lnTo>
+                  <a:lnTo>
+                    <a:pt x="60811" y="12686"/>
+                  </a:lnTo>
+                  <a:lnTo>
+                    <a:pt x="61541" y="13847"/>
+                  </a:lnTo>
+                  <a:lnTo>
+                    <a:pt x="62229" y="15052"/>
+                  </a:lnTo>
+                  <a:lnTo>
+                    <a:pt x="62875" y="16301"/>
+                  </a:lnTo>
+                  <a:lnTo>
+                    <a:pt x="63478" y="17593"/>
+                  </a:lnTo>
+                  <a:lnTo>
+                    <a:pt x="64039" y="18930"/>
+                  </a:lnTo>
+                  <a:lnTo>
+                    <a:pt x="64557" y="20310"/>
+                  </a:lnTo>
+                  <a:lnTo>
+                    <a:pt x="65033" y="21734"/>
+                  </a:lnTo>
+                  <a:lnTo>
+                    <a:pt x="65466" y="23202"/>
+                  </a:lnTo>
+                  <a:lnTo>
+                    <a:pt x="65857" y="24713"/>
+                  </a:lnTo>
+                  <a:lnTo>
+                    <a:pt x="66208" y="26249"/>
+                  </a:lnTo>
+                  <a:lnTo>
+                    <a:pt x="66522" y="27818"/>
+                  </a:lnTo>
+                  <a:lnTo>
+                    <a:pt x="66800" y="29420"/>
+                  </a:lnTo>
+                  <a:lnTo>
+                    <a:pt x="67040" y="31055"/>
+                  </a:lnTo>
+                  <a:lnTo>
+                    <a:pt x="67243" y="32723"/>
+                  </a:lnTo>
+                  <a:lnTo>
+                    <a:pt x="67410" y="34423"/>
+                  </a:lnTo>
+                  <a:lnTo>
+                    <a:pt x="67539" y="36157"/>
+                  </a:lnTo>
+                  <a:lnTo>
+                    <a:pt x="67631" y="37923"/>
+                  </a:lnTo>
+                  <a:lnTo>
+                    <a:pt x="67687" y="39722"/>
+                  </a:lnTo>
+                  <a:lnTo>
+                    <a:pt x="67705" y="41554"/>
+                  </a:lnTo>
+                  <a:lnTo>
+                    <a:pt x="67705" y="42102"/>
+                  </a:lnTo>
+                  <a:lnTo>
+                    <a:pt x="20195" y="42102"/>
+                  </a:lnTo>
+                  <a:lnTo>
+                    <a:pt x="20203" y="43027"/>
+                  </a:lnTo>
+                  <a:lnTo>
+                    <a:pt x="20228" y="43939"/>
+                  </a:lnTo>
+                  <a:lnTo>
+                    <a:pt x="20269" y="44839"/>
+                  </a:lnTo>
+                  <a:lnTo>
+                    <a:pt x="20326" y="45727"/>
+                  </a:lnTo>
+                  <a:lnTo>
+                    <a:pt x="20400" y="46603"/>
+                  </a:lnTo>
+                  <a:lnTo>
+                    <a:pt x="20491" y="47466"/>
+                  </a:lnTo>
+                  <a:lnTo>
+                    <a:pt x="20597" y="48317"/>
+                  </a:lnTo>
+                  <a:lnTo>
+                    <a:pt x="20721" y="49156"/>
+                  </a:lnTo>
+                  <a:lnTo>
+                    <a:pt x="20860" y="49982"/>
+                  </a:lnTo>
+                  <a:lnTo>
+                    <a:pt x="21016" y="50796"/>
+                  </a:lnTo>
+                  <a:lnTo>
+                    <a:pt x="21191" y="51580"/>
+                  </a:lnTo>
+                  <a:lnTo>
+                    <a:pt x="21386" y="52343"/>
+                  </a:lnTo>
+                  <a:lnTo>
+                    <a:pt x="21602" y="53086"/>
+                  </a:lnTo>
+                  <a:lnTo>
+                    <a:pt x="21838" y="53808"/>
+                  </a:lnTo>
+                  <a:lnTo>
+                    <a:pt x="22095" y="54510"/>
+                  </a:lnTo>
+                  <a:lnTo>
+                    <a:pt x="22372" y="55191"/>
+                  </a:lnTo>
+                  <a:lnTo>
+                    <a:pt x="22670" y="55852"/>
+                  </a:lnTo>
+                  <a:lnTo>
+                    <a:pt x="22988" y="56492"/>
+                  </a:lnTo>
+                  <a:lnTo>
+                    <a:pt x="23327" y="57111"/>
+                  </a:lnTo>
+                  <a:lnTo>
+                    <a:pt x="23686" y="57710"/>
+                  </a:lnTo>
+                  <a:lnTo>
+                    <a:pt x="24067" y="58274"/>
+                  </a:lnTo>
+                  <a:lnTo>
+                    <a:pt x="24469" y="58814"/>
+                  </a:lnTo>
+                  <a:lnTo>
+                    <a:pt x="24894" y="59331"/>
+                  </a:lnTo>
+                  <a:lnTo>
+                    <a:pt x="25340" y="59824"/>
+                  </a:lnTo>
+                  <a:lnTo>
+                    <a:pt x="25809" y="60295"/>
+                  </a:lnTo>
+                  <a:lnTo>
+                    <a:pt x="26299" y="60742"/>
+                  </a:lnTo>
+                  <a:lnTo>
+                    <a:pt x="26811" y="61165"/>
+                  </a:lnTo>
+                  <a:lnTo>
+                    <a:pt x="27345" y="61566"/>
+                  </a:lnTo>
+                  <a:lnTo>
+                    <a:pt x="27901" y="61943"/>
+                  </a:lnTo>
+                  <a:lnTo>
+                    <a:pt x="28478" y="62297"/>
+                  </a:lnTo>
+                  <a:lnTo>
+                    <a:pt x="29079" y="62609"/>
+                  </a:lnTo>
+                  <a:lnTo>
+                    <a:pt x="29705" y="62889"/>
+                  </a:lnTo>
+                  <a:lnTo>
+                    <a:pt x="30356" y="63135"/>
+                  </a:lnTo>
+                  <a:lnTo>
+                    <a:pt x="31031" y="63349"/>
+                  </a:lnTo>
+                  <a:lnTo>
+                    <a:pt x="31730" y="63529"/>
+                  </a:lnTo>
+                  <a:lnTo>
+                    <a:pt x="32454" y="63677"/>
+                  </a:lnTo>
+                  <a:lnTo>
+                    <a:pt x="33203" y="63792"/>
+                  </a:lnTo>
+                  <a:lnTo>
+                    <a:pt x="33977" y="63874"/>
+                  </a:lnTo>
+                  <a:lnTo>
+                    <a:pt x="34775" y="63924"/>
+                  </a:lnTo>
+                  <a:lnTo>
+                    <a:pt x="35598" y="63940"/>
+                  </a:lnTo>
+                  <a:lnTo>
+                    <a:pt x="36593" y="63919"/>
+                  </a:lnTo>
+                  <a:lnTo>
+                    <a:pt x="37551" y="63855"/>
+                  </a:lnTo>
+                  <a:lnTo>
+                    <a:pt x="38471" y="63749"/>
+                  </a:lnTo>
+                  <a:lnTo>
+                    <a:pt x="39355" y="63601"/>
+                  </a:lnTo>
+                  <a:lnTo>
+                    <a:pt x="40202" y="63410"/>
+                  </a:lnTo>
+                  <a:lnTo>
+                    <a:pt x="41012" y="63176"/>
+                  </a:lnTo>
+                  <a:lnTo>
+                    <a:pt x="41785" y="62900"/>
+                  </a:lnTo>
+                  <a:lnTo>
+                    <a:pt x="42521" y="62582"/>
+                  </a:lnTo>
+                  <a:lnTo>
+                    <a:pt x="43220" y="62221"/>
+                  </a:lnTo>
+                  <a:lnTo>
+                    <a:pt x="43882" y="61818"/>
+                  </a:lnTo>
+                  <a:lnTo>
+                    <a:pt x="44507" y="61356"/>
+                  </a:lnTo>
+                  <a:lnTo>
+                    <a:pt x="45095" y="60848"/>
+                  </a:lnTo>
+                  <a:lnTo>
+                    <a:pt x="45646" y="60294"/>
+                  </a:lnTo>
+                  <a:lnTo>
+                    <a:pt x="46160" y="59693"/>
+                  </a:lnTo>
+                  <a:lnTo>
+                    <a:pt x="46637" y="59045"/>
+                  </a:lnTo>
+                  <a:lnTo>
+                    <a:pt x="47077" y="58351"/>
+                  </a:lnTo>
+                  <a:lnTo>
+                    <a:pt x="47481" y="57610"/>
+                  </a:lnTo>
+                  <a:lnTo>
+                    <a:pt x="47847" y="56823"/>
+                  </a:lnTo>
+                  <a:lnTo>
+                    <a:pt x="48176" y="55989"/>
+                  </a:lnTo>
+                  <a:lnTo>
+                    <a:pt x="48468" y="55109"/>
+                  </a:lnTo>
+                  <a:lnTo>
+                    <a:pt x="66610" y="56683"/>
+                  </a:lnTo>
+                  <a:lnTo>
+                    <a:pt x="66353" y="57317"/>
+                  </a:lnTo>
+                  <a:lnTo>
+                    <a:pt x="66076" y="57960"/>
+                  </a:lnTo>
+                  <a:lnTo>
+                    <a:pt x="65778" y="58610"/>
+                  </a:lnTo>
+                  <a:lnTo>
+                    <a:pt x="65460" y="59268"/>
+                  </a:lnTo>
+                  <a:lnTo>
+                    <a:pt x="65121" y="59935"/>
+                  </a:lnTo>
+                  <a:lnTo>
+                    <a:pt x="64762" y="60610"/>
+                  </a:lnTo>
+                  <a:lnTo>
+                    <a:pt x="64382" y="61293"/>
+                  </a:lnTo>
+                  <a:lnTo>
+                    <a:pt x="63981" y="61985"/>
+                  </a:lnTo>
+                  <a:lnTo>
+                    <a:pt x="63560" y="62685"/>
+                  </a:lnTo>
+                  <a:lnTo>
+                    <a:pt x="63119" y="63392"/>
+                  </a:lnTo>
+                  <a:lnTo>
+                    <a:pt x="62665" y="64099"/>
+                  </a:lnTo>
+                  <a:lnTo>
+                    <a:pt x="62182" y="64794"/>
+                  </a:lnTo>
+                  <a:lnTo>
+                    <a:pt x="61669" y="65479"/>
+                  </a:lnTo>
+                  <a:lnTo>
+                    <a:pt x="61125" y="66153"/>
+                  </a:lnTo>
+                  <a:lnTo>
+                    <a:pt x="60551" y="66815"/>
+                  </a:lnTo>
+                  <a:lnTo>
+                    <a:pt x="59948" y="67467"/>
+                  </a:lnTo>
+                  <a:lnTo>
+                    <a:pt x="59314" y="68108"/>
+                  </a:lnTo>
+                  <a:lnTo>
+                    <a:pt x="58650" y="68738"/>
+                  </a:lnTo>
+                  <a:lnTo>
+                    <a:pt x="57955" y="69357"/>
+                  </a:lnTo>
+                  <a:lnTo>
+                    <a:pt x="57231" y="69964"/>
+                  </a:lnTo>
+                  <a:lnTo>
+                    <a:pt x="56473" y="70544"/>
+                  </a:lnTo>
+                  <a:lnTo>
+                    <a:pt x="55678" y="71104"/>
+                  </a:lnTo>
+                  <a:lnTo>
+                    <a:pt x="54847" y="71644"/>
+                  </a:lnTo>
+                  <a:lnTo>
+                    <a:pt x="53978" y="72166"/>
+                  </a:lnTo>
+                  <a:lnTo>
+                    <a:pt x="53072" y="72669"/>
+                  </a:lnTo>
+                  <a:lnTo>
+                    <a:pt x="52130" y="73152"/>
+                  </a:lnTo>
+                  <a:lnTo>
+                    <a:pt x="51150" y="73616"/>
+                  </a:lnTo>
+                  <a:lnTo>
+                    <a:pt x="50133" y="74061"/>
+                  </a:lnTo>
+                  <a:lnTo>
+                    <a:pt x="49080" y="74487"/>
+                  </a:lnTo>
+                  <a:lnTo>
+                    <a:pt x="47989" y="74894"/>
+                  </a:lnTo>
+                  <a:lnTo>
+                    <a:pt x="46870" y="75258"/>
+                  </a:lnTo>
+                  <a:lnTo>
+                    <a:pt x="45703" y="75584"/>
+                  </a:lnTo>
+                  <a:lnTo>
+                    <a:pt x="44488" y="75871"/>
+                  </a:lnTo>
+                  <a:lnTo>
+                    <a:pt x="43224" y="76120"/>
+                  </a:lnTo>
+                  <a:lnTo>
+                    <a:pt x="41913" y="76331"/>
+                  </a:lnTo>
+                  <a:lnTo>
+                    <a:pt x="40555" y="76504"/>
+                  </a:lnTo>
+                  <a:lnTo>
+                    <a:pt x="39148" y="76638"/>
+                  </a:lnTo>
+                  <a:lnTo>
+                    <a:pt x="37693" y="76734"/>
+                  </a:lnTo>
+                  <a:lnTo>
+                    <a:pt x="36190" y="76791"/>
+                  </a:lnTo>
+                  <a:close/>
+                </a:path>
+              </a:pathLst>
+            </a:custGeom>
+            <a:solidFill>
+              <a:srgbClr val="FFFFFF">
+                <a:alpha val="100000"/>
+              </a:srgbClr>
+            </a:solidFill>
+          </p:spPr>
+          <p:txBody>
+            <a:bodyPr/>
+            <a:lstStyle/>
+            <a:p/>
+          </p:txBody>
+        </p:sp>
+        <p:sp>
+          <p:nvSpPr>
+            <p:cNvPr id="21" name="pg21"/>
+            <p:cNvSpPr/>
+            <p:nvPr/>
+          </p:nvSpPr>
+          <p:spPr>
+            <a:xfrm>
+              <a:off x="6276540" y="3587079"/>
+              <a:ext cx="28752" cy="17936"/>
+            </a:xfrm>
+            <a:custGeom>
+              <a:avLst/>
+              <a:pathLst>
+                <a:path w="28752" h="17936">
+                  <a:moveTo>
+                    <a:pt x="14307" y="0"/>
+                  </a:moveTo>
+                  <a:lnTo>
+                    <a:pt x="13722" y="10"/>
+                  </a:lnTo>
+                  <a:lnTo>
+                    <a:pt x="13144" y="41"/>
+                  </a:lnTo>
+                  <a:lnTo>
+                    <a:pt x="12572" y="92"/>
+                  </a:lnTo>
+                  <a:lnTo>
+                    <a:pt x="12007" y="164"/>
+                  </a:lnTo>
+                  <a:lnTo>
+                    <a:pt x="11449" y="256"/>
+                  </a:lnTo>
+                  <a:lnTo>
+                    <a:pt x="10898" y="369"/>
+                  </a:lnTo>
+                  <a:lnTo>
+                    <a:pt x="10354" y="503"/>
+                  </a:lnTo>
+                  <a:lnTo>
+                    <a:pt x="9817" y="657"/>
+                  </a:lnTo>
+                  <a:lnTo>
+                    <a:pt x="9286" y="831"/>
+                  </a:lnTo>
+                  <a:lnTo>
+                    <a:pt x="8762" y="1026"/>
+                  </a:lnTo>
+                  <a:lnTo>
+                    <a:pt x="8262" y="1230"/>
+                  </a:lnTo>
+                  <a:lnTo>
+                    <a:pt x="7774" y="1459"/>
+                  </a:lnTo>
+                  <a:lnTo>
+                    <a:pt x="7298" y="1712"/>
+                  </a:lnTo>
+                  <a:lnTo>
+                    <a:pt x="6834" y="1990"/>
+                  </a:lnTo>
+                  <a:lnTo>
+                    <a:pt x="6383" y="2293"/>
+                  </a:lnTo>
+                  <a:lnTo>
+                    <a:pt x="5944" y="2620"/>
+                  </a:lnTo>
+                  <a:lnTo>
+                    <a:pt x="5518" y="2972"/>
+                  </a:lnTo>
+                  <a:lnTo>
+                    <a:pt x="5104" y="3349"/>
+                  </a:lnTo>
+                  <a:lnTo>
+                    <a:pt x="4702" y="3750"/>
+                  </a:lnTo>
+                  <a:lnTo>
+                    <a:pt x="4312" y="4175"/>
+                  </a:lnTo>
+                  <a:lnTo>
+                    <a:pt x="3950" y="4613"/>
+                  </a:lnTo>
+                  <a:lnTo>
+                    <a:pt x="3600" y="5076"/>
+                  </a:lnTo>
+                  <a:lnTo>
+                    <a:pt x="3265" y="5566"/>
+                  </a:lnTo>
+                  <a:lnTo>
+                    <a:pt x="2943" y="6081"/>
+                  </a:lnTo>
+                  <a:lnTo>
+                    <a:pt x="2635" y="6623"/>
+                  </a:lnTo>
+                  <a:lnTo>
+                    <a:pt x="2341" y="7190"/>
+                  </a:lnTo>
+                  <a:lnTo>
+                    <a:pt x="2060" y="7784"/>
+                  </a:lnTo>
+                  <a:lnTo>
+                    <a:pt x="1793" y="8404"/>
+                  </a:lnTo>
+                  <a:lnTo>
+                    <a:pt x="1540" y="9049"/>
+                  </a:lnTo>
+                  <a:lnTo>
+                    <a:pt x="1300" y="9721"/>
+                  </a:lnTo>
+                  <a:lnTo>
+                    <a:pt x="1078" y="10419"/>
+                  </a:lnTo>
+                  <a:lnTo>
+                    <a:pt x="876" y="11145"/>
+                  </a:lnTo>
+                  <a:lnTo>
+                    <a:pt x="694" y="11898"/>
+                  </a:lnTo>
+                  <a:lnTo>
+                    <a:pt x="533" y="12678"/>
+                  </a:lnTo>
+                  <a:lnTo>
+                    <a:pt x="393" y="13486"/>
+                  </a:lnTo>
+                  <a:lnTo>
+                    <a:pt x="273" y="14321"/>
+                  </a:lnTo>
+                  <a:lnTo>
+                    <a:pt x="174" y="15184"/>
+                  </a:lnTo>
+                  <a:lnTo>
+                    <a:pt x="95" y="16074"/>
+                  </a:lnTo>
+                  <a:lnTo>
+                    <a:pt x="37" y="16991"/>
+                  </a:lnTo>
+                  <a:lnTo>
+                    <a:pt x="0" y="17936"/>
+                  </a:lnTo>
+                  <a:lnTo>
+                    <a:pt x="28752" y="17936"/>
+                  </a:lnTo>
+                  <a:lnTo>
+                    <a:pt x="28611" y="16187"/>
+                  </a:lnTo>
+                  <a:lnTo>
+                    <a:pt x="28404" y="14529"/>
+                  </a:lnTo>
+                  <a:lnTo>
+                    <a:pt x="28134" y="12962"/>
+                  </a:lnTo>
+                  <a:lnTo>
+                    <a:pt x="27799" y="11484"/>
+                  </a:lnTo>
+                  <a:lnTo>
+                    <a:pt x="27400" y="10097"/>
+                  </a:lnTo>
+                  <a:lnTo>
+                    <a:pt x="26937" y="8801"/>
+                  </a:lnTo>
+                  <a:lnTo>
+                    <a:pt x="26409" y="7594"/>
+                  </a:lnTo>
+                  <a:lnTo>
+                    <a:pt x="25817" y="6478"/>
+                  </a:lnTo>
+                  <a:lnTo>
+                    <a:pt x="25160" y="5453"/>
+                  </a:lnTo>
+                  <a:lnTo>
+                    <a:pt x="24439" y="4518"/>
+                  </a:lnTo>
+                  <a:lnTo>
+                    <a:pt x="23660" y="3659"/>
+                  </a:lnTo>
+                  <a:lnTo>
+                    <a:pt x="22829" y="2891"/>
+                  </a:lnTo>
+                  <a:lnTo>
+                    <a:pt x="21946" y="2213"/>
+                  </a:lnTo>
+                  <a:lnTo>
+                    <a:pt x="21011" y="1626"/>
+                  </a:lnTo>
+                  <a:lnTo>
+                    <a:pt x="20024" y="1129"/>
+                  </a:lnTo>
+                  <a:lnTo>
+                    <a:pt x="18985" y="722"/>
+                  </a:lnTo>
+                  <a:lnTo>
+                    <a:pt x="17893" y="406"/>
+                  </a:lnTo>
+                  <a:lnTo>
+                    <a:pt x="16750" y="180"/>
+                  </a:lnTo>
+                  <a:lnTo>
+                    <a:pt x="15555" y="45"/>
+                  </a:lnTo>
+                  <a:close/>
+                </a:path>
+              </a:pathLst>
+            </a:custGeom>
+            <a:solidFill>
+              <a:srgbClr val="FFFFFF">
+                <a:alpha val="100000"/>
+              </a:srgbClr>
+            </a:solidFill>
+          </p:spPr>
+          <p:txBody>
+            <a:bodyPr/>
+            <a:lstStyle/>
+            <a:p/>
+          </p:txBody>
+        </p:sp>
+        <p:sp>
+          <p:nvSpPr>
+            <p:cNvPr id="22" name="pg22"/>
+            <p:cNvSpPr/>
+            <p:nvPr/>
+          </p:nvSpPr>
+          <p:spPr>
+            <a:xfrm>
+              <a:off x="6337947" y="3574893"/>
+              <a:ext cx="43197" cy="75510"/>
+            </a:xfrm>
+            <a:custGeom>
+              <a:avLst/>
+              <a:pathLst>
+                <a:path w="43197" h="75510">
+                  <a:moveTo>
+                    <a:pt x="547" y="75510"/>
+                  </a:moveTo>
+                  <a:lnTo>
+                    <a:pt x="547" y="18826"/>
+                  </a:lnTo>
+                  <a:lnTo>
+                    <a:pt x="546" y="18344"/>
+                  </a:lnTo>
+                  <a:lnTo>
+                    <a:pt x="544" y="17856"/>
+                  </a:lnTo>
+                  <a:lnTo>
+                    <a:pt x="541" y="17363"/>
+                  </a:lnTo>
+                  <a:lnTo>
+                    <a:pt x="536" y="16865"/>
+                  </a:lnTo>
+                  <a:lnTo>
+                    <a:pt x="530" y="16361"/>
+                  </a:lnTo>
+                  <a:lnTo>
+                    <a:pt x="523" y="15852"/>
+                  </a:lnTo>
+                  <a:lnTo>
+                    <a:pt x="514" y="15337"/>
+                  </a:lnTo>
+                  <a:lnTo>
+                    <a:pt x="503" y="14817"/>
+                  </a:lnTo>
+                  <a:lnTo>
+                    <a:pt x="492" y="14291"/>
+                  </a:lnTo>
+                  <a:lnTo>
+                    <a:pt x="479" y="13760"/>
+                  </a:lnTo>
+                  <a:lnTo>
+                    <a:pt x="477" y="13228"/>
+                  </a:lnTo>
+                  <a:lnTo>
+                    <a:pt x="473" y="12703"/>
+                  </a:lnTo>
+                  <a:lnTo>
+                    <a:pt x="466" y="12182"/>
+                  </a:lnTo>
+                  <a:lnTo>
+                    <a:pt x="457" y="11668"/>
+                  </a:lnTo>
+                  <a:lnTo>
+                    <a:pt x="444" y="11158"/>
+                  </a:lnTo>
+                  <a:lnTo>
+                    <a:pt x="429" y="10654"/>
+                  </a:lnTo>
+                  <a:lnTo>
+                    <a:pt x="412" y="10156"/>
+                  </a:lnTo>
+                  <a:lnTo>
+                    <a:pt x="391" y="9663"/>
+                  </a:lnTo>
+                  <a:lnTo>
+                    <a:pt x="368" y="9176"/>
+                  </a:lnTo>
+                  <a:lnTo>
+                    <a:pt x="342" y="8694"/>
+                  </a:lnTo>
+                  <a:lnTo>
+                    <a:pt x="328" y="8206"/>
+                  </a:lnTo>
+                  <a:lnTo>
+                    <a:pt x="314" y="7730"/>
+                  </a:lnTo>
+                  <a:lnTo>
+                    <a:pt x="301" y="7264"/>
+                  </a:lnTo>
+                  <a:lnTo>
+                    <a:pt x="287" y="6810"/>
+                  </a:lnTo>
+                  <a:lnTo>
+                    <a:pt x="273" y="6366"/>
+                  </a:lnTo>
+                  <a:lnTo>
+                    <a:pt x="260" y="5934"/>
+                  </a:lnTo>
+                  <a:lnTo>
+                    <a:pt x="246" y="5512"/>
+                  </a:lnTo>
+                  <a:lnTo>
+                    <a:pt x="232" y="5101"/>
+                  </a:lnTo>
+                  <a:lnTo>
+                    <a:pt x="219" y="4701"/>
+                  </a:lnTo>
+                  <a:lnTo>
+                    <a:pt x="205" y="4312"/>
+                  </a:lnTo>
+                  <a:lnTo>
+                    <a:pt x="191" y="3926"/>
+                  </a:lnTo>
+                  <a:lnTo>
+                    <a:pt x="175" y="3562"/>
+                  </a:lnTo>
+                  <a:lnTo>
+                    <a:pt x="158" y="3220"/>
+                  </a:lnTo>
+                  <a:lnTo>
+                    <a:pt x="139" y="2899"/>
+                  </a:lnTo>
+                  <a:lnTo>
+                    <a:pt x="119" y="2601"/>
+                  </a:lnTo>
+                  <a:lnTo>
+                    <a:pt x="98" y="2324"/>
+                  </a:lnTo>
+                  <a:lnTo>
+                    <a:pt x="75" y="2070"/>
+                  </a:lnTo>
+                  <a:lnTo>
+                    <a:pt x="52" y="1837"/>
+                  </a:lnTo>
+                  <a:lnTo>
+                    <a:pt x="26" y="1626"/>
+                  </a:lnTo>
+                  <a:lnTo>
+                    <a:pt x="0" y="1437"/>
+                  </a:lnTo>
+                  <a:lnTo>
+                    <a:pt x="18346" y="1437"/>
+                  </a:lnTo>
+                  <a:lnTo>
+                    <a:pt x="18374" y="1614"/>
+                  </a:lnTo>
+                  <a:lnTo>
+                    <a:pt x="18401" y="1815"/>
+                  </a:lnTo>
+                  <a:lnTo>
+                    <a:pt x="18429" y="2041"/>
+                  </a:lnTo>
+                  <a:lnTo>
+                    <a:pt x="18456" y="2292"/>
+                  </a:lnTo>
+                  <a:lnTo>
+                    <a:pt x="18483" y="2567"/>
+                  </a:lnTo>
+                  <a:lnTo>
+                    <a:pt x="18511" y="2867"/>
+                  </a:lnTo>
+                  <a:lnTo>
+                    <a:pt x="18538" y="3191"/>
+                  </a:lnTo>
+                  <a:lnTo>
+                    <a:pt x="18566" y="3540"/>
+                  </a:lnTo>
+                  <a:lnTo>
+                    <a:pt x="18593" y="3914"/>
+                  </a:lnTo>
+                  <a:lnTo>
+                    <a:pt x="18620" y="4312"/>
+                  </a:lnTo>
+                  <a:lnTo>
+                    <a:pt x="18648" y="4714"/>
+                  </a:lnTo>
+                  <a:lnTo>
+                    <a:pt x="18675" y="5123"/>
+                  </a:lnTo>
+                  <a:lnTo>
+                    <a:pt x="18702" y="5541"/>
+                  </a:lnTo>
+                  <a:lnTo>
+                    <a:pt x="18730" y="5966"/>
+                  </a:lnTo>
+                  <a:lnTo>
+                    <a:pt x="18757" y="6400"/>
+                  </a:lnTo>
+                  <a:lnTo>
+                    <a:pt x="18785" y="6843"/>
+                  </a:lnTo>
+                  <a:lnTo>
+                    <a:pt x="18812" y="7293"/>
+                  </a:lnTo>
+                  <a:lnTo>
+                    <a:pt x="18839" y="7752"/>
+                  </a:lnTo>
+                  <a:lnTo>
+                    <a:pt x="18867" y="8219"/>
+                  </a:lnTo>
+                  <a:lnTo>
+                    <a:pt x="18894" y="8694"/>
+                  </a:lnTo>
+                  <a:lnTo>
+                    <a:pt x="18921" y="9173"/>
+                  </a:lnTo>
+                  <a:lnTo>
+                    <a:pt x="18946" y="9652"/>
+                  </a:lnTo>
+                  <a:lnTo>
+                    <a:pt x="18970" y="10131"/>
+                  </a:lnTo>
+                  <a:lnTo>
+                    <a:pt x="18993" y="10611"/>
+                  </a:lnTo>
+                  <a:lnTo>
+                    <a:pt x="19014" y="11090"/>
+                  </a:lnTo>
+                  <a:lnTo>
+                    <a:pt x="19034" y="11569"/>
+                  </a:lnTo>
+                  <a:lnTo>
+                    <a:pt x="19052" y="12048"/>
+                  </a:lnTo>
+                  <a:lnTo>
+                    <a:pt x="19069" y="12527"/>
+                  </a:lnTo>
+                  <a:lnTo>
+                    <a:pt x="19085" y="13007"/>
+                  </a:lnTo>
+                  <a:lnTo>
+                    <a:pt x="19100" y="13486"/>
+                  </a:lnTo>
+                  <a:lnTo>
+                    <a:pt x="19126" y="13943"/>
+                  </a:lnTo>
+                  <a:lnTo>
+                    <a:pt x="19149" y="14381"/>
+                  </a:lnTo>
+                  <a:lnTo>
+                    <a:pt x="19169" y="14802"/>
+                  </a:lnTo>
+                  <a:lnTo>
+                    <a:pt x="19187" y="15206"/>
+                  </a:lnTo>
+                  <a:lnTo>
+                    <a:pt x="19202" y="15591"/>
+                  </a:lnTo>
+                  <a:lnTo>
+                    <a:pt x="19215" y="15959"/>
+                  </a:lnTo>
+                  <a:lnTo>
+                    <a:pt x="19224" y="16308"/>
+                  </a:lnTo>
+                  <a:lnTo>
+                    <a:pt x="19231" y="16640"/>
+                  </a:lnTo>
+                  <a:lnTo>
+                    <a:pt x="19235" y="16955"/>
+                  </a:lnTo>
+                  <a:lnTo>
+                    <a:pt x="19236" y="17251"/>
+                  </a:lnTo>
+                  <a:lnTo>
+                    <a:pt x="19510" y="17251"/>
+                  </a:lnTo>
+                  <a:lnTo>
+                    <a:pt x="19798" y="16452"/>
+                  </a:lnTo>
+                  <a:lnTo>
+                    <a:pt x="20085" y="15671"/>
+                  </a:lnTo>
+                  <a:lnTo>
+                    <a:pt x="20373" y="14908"/>
+                  </a:lnTo>
+                  <a:lnTo>
+                    <a:pt x="20660" y="14162"/>
+                  </a:lnTo>
+                  <a:lnTo>
+                    <a:pt x="20948" y="13435"/>
+                  </a:lnTo>
+                  <a:lnTo>
+                    <a:pt x="21235" y="12725"/>
+                  </a:lnTo>
+                  <a:lnTo>
+                    <a:pt x="21523" y="12033"/>
+                  </a:lnTo>
+                  <a:lnTo>
+                    <a:pt x="21811" y="11358"/>
+                  </a:lnTo>
+                  <a:lnTo>
+                    <a:pt x="22098" y="10702"/>
+                  </a:lnTo>
+                  <a:lnTo>
+                    <a:pt x="22386" y="10063"/>
+                  </a:lnTo>
+                  <a:lnTo>
+                    <a:pt x="22678" y="9430"/>
+                  </a:lnTo>
+                  <a:lnTo>
+                    <a:pt x="22980" y="8817"/>
+                  </a:lnTo>
+                  <a:lnTo>
+                    <a:pt x="23291" y="8225"/>
+                  </a:lnTo>
+                  <a:lnTo>
+                    <a:pt x="23612" y="7653"/>
+                  </a:lnTo>
+                  <a:lnTo>
+                    <a:pt x="23943" y="7102"/>
+                  </a:lnTo>
+                  <a:lnTo>
+                    <a:pt x="24283" y="6572"/>
+                  </a:lnTo>
+                  <a:lnTo>
+                    <a:pt x="24633" y="6062"/>
+                  </a:lnTo>
+                  <a:lnTo>
+                    <a:pt x="24992" y="5572"/>
+                  </a:lnTo>
+                  <a:lnTo>
+                    <a:pt x="25361" y="5103"/>
+                  </a:lnTo>
+                  <a:lnTo>
+                    <a:pt x="25740" y="4655"/>
+                  </a:lnTo>
+                  <a:lnTo>
+                    <a:pt x="26145" y="4214"/>
+                  </a:lnTo>
+                  <a:lnTo>
+                    <a:pt x="26564" y="3795"/>
+                  </a:lnTo>
+                  <a:lnTo>
+                    <a:pt x="26999" y="3398"/>
+                  </a:lnTo>
+                  <a:lnTo>
+                    <a:pt x="27449" y="3023"/>
+                  </a:lnTo>
+                  <a:lnTo>
+                    <a:pt x="27914" y="2669"/>
+                  </a:lnTo>
+                  <a:lnTo>
+                    <a:pt x="28394" y="2338"/>
+                  </a:lnTo>
+                  <a:lnTo>
+                    <a:pt x="28888" y="2029"/>
+                  </a:lnTo>
+                  <a:lnTo>
+                    <a:pt x="29398" y="1741"/>
+                  </a:lnTo>
+                  <a:lnTo>
+                    <a:pt x="29924" y="1475"/>
+                  </a:lnTo>
+                  <a:lnTo>
+                    <a:pt x="30464" y="1232"/>
+                  </a:lnTo>
+                  <a:lnTo>
+                    <a:pt x="31024" y="998"/>
+                  </a:lnTo>
+                  <a:lnTo>
+                    <a:pt x="31611" y="788"/>
+                  </a:lnTo>
+                  <a:lnTo>
+                    <a:pt x="32224" y="603"/>
+                  </a:lnTo>
+                  <a:lnTo>
+                    <a:pt x="32863" y="443"/>
+                  </a:lnTo>
+                  <a:lnTo>
+                    <a:pt x="33527" y="308"/>
+                  </a:lnTo>
+                  <a:lnTo>
+                    <a:pt x="34218" y="197"/>
+                  </a:lnTo>
+                  <a:lnTo>
+                    <a:pt x="34935" y="110"/>
+                  </a:lnTo>
+                  <a:lnTo>
+                    <a:pt x="35678" y="49"/>
+                  </a:lnTo>
+                  <a:lnTo>
+                    <a:pt x="36446" y="12"/>
+                  </a:lnTo>
+                  <a:lnTo>
+                    <a:pt x="37241" y="0"/>
+                  </a:lnTo>
+                  <a:lnTo>
+                    <a:pt x="37583" y="3"/>
+                  </a:lnTo>
+                  <a:lnTo>
+                    <a:pt x="37923" y="13"/>
+                  </a:lnTo>
+                  <a:lnTo>
+                    <a:pt x="38262" y="30"/>
+                  </a:lnTo>
+                  <a:lnTo>
+                    <a:pt x="38599" y="54"/>
+                  </a:lnTo>
+                  <a:lnTo>
+                    <a:pt x="38935" y="85"/>
+                  </a:lnTo>
+                  <a:lnTo>
+                    <a:pt x="39270" y="123"/>
+                  </a:lnTo>
+                  <a:lnTo>
+                    <a:pt x="39604" y="167"/>
+                  </a:lnTo>
+                  <a:lnTo>
+                    <a:pt x="39936" y="219"/>
+                  </a:lnTo>
+                  <a:lnTo>
+                    <a:pt x="40266" y="277"/>
+                  </a:lnTo>
+                  <a:lnTo>
+                    <a:pt x="40596" y="342"/>
+                  </a:lnTo>
+                  <a:lnTo>
+                    <a:pt x="40930" y="398"/>
+                  </a:lnTo>
+                  <a:lnTo>
+                    <a:pt x="41247" y="457"/>
+                  </a:lnTo>
+                  <a:lnTo>
+                    <a:pt x="41549" y="518"/>
+                  </a:lnTo>
+                  <a:lnTo>
+                    <a:pt x="41833" y="583"/>
+                  </a:lnTo>
+                  <a:lnTo>
+                    <a:pt x="42102" y="650"/>
+                  </a:lnTo>
+                  <a:lnTo>
+                    <a:pt x="42354" y="720"/>
+                  </a:lnTo>
+                  <a:lnTo>
+                    <a:pt x="42589" y="792"/>
+                  </a:lnTo>
+                  <a:lnTo>
+                    <a:pt x="42808" y="868"/>
+                  </a:lnTo>
+                  <a:lnTo>
+                    <a:pt x="43011" y="946"/>
+                  </a:lnTo>
+                  <a:lnTo>
+                    <a:pt x="43197" y="1026"/>
+                  </a:lnTo>
+                  <a:lnTo>
+                    <a:pt x="43197" y="17114"/>
+                  </a:lnTo>
+                  <a:lnTo>
+                    <a:pt x="42827" y="17033"/>
+                  </a:lnTo>
+                  <a:lnTo>
+                    <a:pt x="42455" y="16955"/>
+                  </a:lnTo>
+                  <a:lnTo>
+                    <a:pt x="42082" y="16880"/>
+                  </a:lnTo>
+                  <a:lnTo>
+                    <a:pt x="41707" y="16808"/>
+                  </a:lnTo>
+                  <a:lnTo>
+                    <a:pt x="41332" y="16738"/>
+                  </a:lnTo>
+                  <a:lnTo>
+                    <a:pt x="40954" y="16671"/>
+                  </a:lnTo>
+                  <a:lnTo>
+                    <a:pt x="40576" y="16606"/>
+                  </a:lnTo>
+                  <a:lnTo>
+                    <a:pt x="40196" y="16545"/>
+                  </a:lnTo>
+                  <a:lnTo>
+                    <a:pt x="39815" y="16486"/>
+                  </a:lnTo>
+                  <a:lnTo>
+                    <a:pt x="39432" y="16430"/>
+                  </a:lnTo>
+                  <a:lnTo>
+                    <a:pt x="39055" y="16365"/>
+                  </a:lnTo>
+                  <a:lnTo>
+                    <a:pt x="38662" y="16306"/>
+                  </a:lnTo>
+                  <a:lnTo>
+                    <a:pt x="38255" y="16255"/>
+                  </a:lnTo>
+                  <a:lnTo>
+                    <a:pt x="37833" y="16211"/>
+                  </a:lnTo>
+                  <a:lnTo>
+                    <a:pt x="37395" y="16173"/>
+                  </a:lnTo>
+                  <a:lnTo>
+                    <a:pt x="36943" y="16142"/>
+                  </a:lnTo>
+                  <a:lnTo>
+                    <a:pt x="36475" y="16118"/>
+                  </a:lnTo>
+                  <a:lnTo>
+                    <a:pt x="35992" y="16101"/>
+                  </a:lnTo>
+                  <a:lnTo>
+                    <a:pt x="35495" y="16091"/>
+                  </a:lnTo>
+                  <a:lnTo>
+                    <a:pt x="34982" y="16087"/>
+                  </a:lnTo>
+                  <a:lnTo>
+                    <a:pt x="33576" y="16146"/>
+                  </a:lnTo>
+                  <a:lnTo>
+                    <a:pt x="32233" y="16320"/>
+                  </a:lnTo>
+                  <a:lnTo>
+                    <a:pt x="30953" y="16611"/>
+                  </a:lnTo>
+                  <a:lnTo>
+                    <a:pt x="29735" y="17018"/>
+                  </a:lnTo>
+                  <a:lnTo>
+                    <a:pt x="28581" y="17542"/>
+                  </a:lnTo>
+                  <a:lnTo>
+                    <a:pt x="27490" y="18182"/>
+                  </a:lnTo>
+                  <a:lnTo>
+                    <a:pt x="26462" y="18939"/>
+                  </a:lnTo>
+                  <a:lnTo>
+                    <a:pt x="25496" y="19812"/>
+                  </a:lnTo>
+                  <a:lnTo>
+                    <a:pt x="24594" y="20801"/>
+                  </a:lnTo>
+                  <a:lnTo>
+                    <a:pt x="23755" y="21906"/>
+                  </a:lnTo>
+                  <a:lnTo>
+                    <a:pt x="23000" y="23126"/>
+                  </a:lnTo>
+                  <a:lnTo>
+                    <a:pt x="22325" y="24458"/>
+                  </a:lnTo>
+                  <a:lnTo>
+                    <a:pt x="21730" y="25903"/>
+                  </a:lnTo>
+                  <a:lnTo>
+                    <a:pt x="21214" y="27460"/>
+                  </a:lnTo>
+                  <a:lnTo>
+                    <a:pt x="20777" y="29129"/>
+                  </a:lnTo>
+                  <a:lnTo>
+                    <a:pt x="20419" y="30910"/>
+                  </a:lnTo>
+                  <a:lnTo>
+                    <a:pt x="20141" y="32804"/>
+                  </a:lnTo>
+                  <a:lnTo>
+                    <a:pt x="19943" y="34809"/>
+                  </a:lnTo>
+                  <a:lnTo>
+                    <a:pt x="19824" y="36928"/>
+                  </a:lnTo>
+                  <a:lnTo>
+                    <a:pt x="19784" y="39158"/>
+                  </a:lnTo>
+                  <a:lnTo>
+                    <a:pt x="19784" y="75510"/>
+                  </a:lnTo>
+                  <a:close/>
+                </a:path>
+              </a:pathLst>
+            </a:custGeom>
+            <a:solidFill>
+              <a:srgbClr val="FFFFFF">
+                <a:alpha val="100000"/>
+              </a:srgbClr>
+            </a:solidFill>
+          </p:spPr>
+          <p:txBody>
+            <a:bodyPr/>
+            <a:lstStyle/>
+            <a:p/>
+          </p:txBody>
+        </p:sp>
+        <p:sp>
+          <p:nvSpPr>
+            <p:cNvPr id="23" name="pg23"/>
+            <p:cNvSpPr/>
+            <p:nvPr/>
+          </p:nvSpPr>
+          <p:spPr>
+            <a:xfrm>
+              <a:off x="6388196" y="3574893"/>
+              <a:ext cx="67295" cy="76879"/>
+            </a:xfrm>
+            <a:custGeom>
+              <a:avLst/>
+              <a:pathLst>
+                <a:path w="67295" h="76879">
+                  <a:moveTo>
+                    <a:pt x="67295" y="53877"/>
+                  </a:moveTo>
+                  <a:lnTo>
+                    <a:pt x="67272" y="54934"/>
+                  </a:lnTo>
+                  <a:lnTo>
+                    <a:pt x="67204" y="55969"/>
+                  </a:lnTo>
+                  <a:lnTo>
+                    <a:pt x="67091" y="56982"/>
+                  </a:lnTo>
+                  <a:lnTo>
+                    <a:pt x="66933" y="57973"/>
+                  </a:lnTo>
+                  <a:lnTo>
+                    <a:pt x="66730" y="58943"/>
+                  </a:lnTo>
+                  <a:lnTo>
+                    <a:pt x="66481" y="59890"/>
+                  </a:lnTo>
+                  <a:lnTo>
+                    <a:pt x="66188" y="60816"/>
+                  </a:lnTo>
+                  <a:lnTo>
+                    <a:pt x="65849" y="61719"/>
+                  </a:lnTo>
+                  <a:lnTo>
+                    <a:pt x="65465" y="62601"/>
+                  </a:lnTo>
+                  <a:lnTo>
+                    <a:pt x="65035" y="63461"/>
+                  </a:lnTo>
+                  <a:lnTo>
+                    <a:pt x="64577" y="64297"/>
+                  </a:lnTo>
+                  <a:lnTo>
+                    <a:pt x="64077" y="65109"/>
+                  </a:lnTo>
+                  <a:lnTo>
+                    <a:pt x="63536" y="65897"/>
+                  </a:lnTo>
+                  <a:lnTo>
+                    <a:pt x="62954" y="66659"/>
+                  </a:lnTo>
+                  <a:lnTo>
+                    <a:pt x="62331" y="67397"/>
+                  </a:lnTo>
+                  <a:lnTo>
+                    <a:pt x="61667" y="68111"/>
+                  </a:lnTo>
+                  <a:lnTo>
+                    <a:pt x="60962" y="68799"/>
+                  </a:lnTo>
+                  <a:lnTo>
+                    <a:pt x="60216" y="69463"/>
+                  </a:lnTo>
+                  <a:lnTo>
+                    <a:pt x="59429" y="70103"/>
+                  </a:lnTo>
+                  <a:lnTo>
+                    <a:pt x="58600" y="70718"/>
+                  </a:lnTo>
+                  <a:lnTo>
+                    <a:pt x="57732" y="71293"/>
+                  </a:lnTo>
+                  <a:lnTo>
+                    <a:pt x="56826" y="71843"/>
+                  </a:lnTo>
+                  <a:lnTo>
+                    <a:pt x="55881" y="72367"/>
+                  </a:lnTo>
+                  <a:lnTo>
+                    <a:pt x="54898" y="72864"/>
+                  </a:lnTo>
+                  <a:lnTo>
+                    <a:pt x="53877" y="73336"/>
+                  </a:lnTo>
+                  <a:lnTo>
+                    <a:pt x="52817" y="73782"/>
+                  </a:lnTo>
+                  <a:lnTo>
+                    <a:pt x="51719" y="74201"/>
+                  </a:lnTo>
+                  <a:lnTo>
+                    <a:pt x="50582" y="74595"/>
+                  </a:lnTo>
+                  <a:lnTo>
+                    <a:pt x="49408" y="74963"/>
+                  </a:lnTo>
+                  <a:lnTo>
+                    <a:pt x="48195" y="75304"/>
+                  </a:lnTo>
+                  <a:lnTo>
+                    <a:pt x="46945" y="75603"/>
+                  </a:lnTo>
+                  <a:lnTo>
+                    <a:pt x="45662" y="75871"/>
+                  </a:lnTo>
+                  <a:lnTo>
+                    <a:pt x="44344" y="76107"/>
+                  </a:lnTo>
+                  <a:lnTo>
+                    <a:pt x="42992" y="76312"/>
+                  </a:lnTo>
+                  <a:lnTo>
+                    <a:pt x="41605" y="76485"/>
+                  </a:lnTo>
+                  <a:lnTo>
+                    <a:pt x="40185" y="76627"/>
+                  </a:lnTo>
+                  <a:lnTo>
+                    <a:pt x="38730" y="76737"/>
+                  </a:lnTo>
+                  <a:lnTo>
+                    <a:pt x="37241" y="76816"/>
+                  </a:lnTo>
+                  <a:lnTo>
+                    <a:pt x="35718" y="76863"/>
+                  </a:lnTo>
+                  <a:lnTo>
+                    <a:pt x="34160" y="76879"/>
+                  </a:lnTo>
+                  <a:lnTo>
+                    <a:pt x="32764" y="76869"/>
+                  </a:lnTo>
+                  <a:lnTo>
+                    <a:pt x="31395" y="76838"/>
+                  </a:lnTo>
+                  <a:lnTo>
+                    <a:pt x="30053" y="76786"/>
+                  </a:lnTo>
+                  <a:lnTo>
+                    <a:pt x="28739" y="76715"/>
+                  </a:lnTo>
+                  <a:lnTo>
+                    <a:pt x="27452" y="76622"/>
+                  </a:lnTo>
+                  <a:lnTo>
+                    <a:pt x="26192" y="76509"/>
+                  </a:lnTo>
+                  <a:lnTo>
+                    <a:pt x="24960" y="76376"/>
+                  </a:lnTo>
+                  <a:lnTo>
+                    <a:pt x="23755" y="76222"/>
+                  </a:lnTo>
+                  <a:lnTo>
+                    <a:pt x="22577" y="76047"/>
+                  </a:lnTo>
+                  <a:lnTo>
+                    <a:pt x="21427" y="75852"/>
+                  </a:lnTo>
+                  <a:lnTo>
+                    <a:pt x="20304" y="75634"/>
+                  </a:lnTo>
+                  <a:lnTo>
+                    <a:pt x="19209" y="75389"/>
+                  </a:lnTo>
+                  <a:lnTo>
+                    <a:pt x="18141" y="75119"/>
+                  </a:lnTo>
+                  <a:lnTo>
+                    <a:pt x="17101" y="74822"/>
+                  </a:lnTo>
+                  <a:lnTo>
+                    <a:pt x="16087" y="74500"/>
+                  </a:lnTo>
+                  <a:lnTo>
+                    <a:pt x="15102" y="74151"/>
+                  </a:lnTo>
+                  <a:lnTo>
+                    <a:pt x="14143" y="73777"/>
+                  </a:lnTo>
+                  <a:lnTo>
+                    <a:pt x="13212" y="73376"/>
+                  </a:lnTo>
+                  <a:lnTo>
+                    <a:pt x="12308" y="72950"/>
+                  </a:lnTo>
+                  <a:lnTo>
+                    <a:pt x="11432" y="72497"/>
+                  </a:lnTo>
+                  <a:lnTo>
+                    <a:pt x="10597" y="72005"/>
+                  </a:lnTo>
+                  <a:lnTo>
+                    <a:pt x="9789" y="71484"/>
+                  </a:lnTo>
+                  <a:lnTo>
+                    <a:pt x="9009" y="70937"/>
+                  </a:lnTo>
+                  <a:lnTo>
+                    <a:pt x="8256" y="70362"/>
+                  </a:lnTo>
+                  <a:lnTo>
+                    <a:pt x="7530" y="69759"/>
+                  </a:lnTo>
+                  <a:lnTo>
+                    <a:pt x="6832" y="69129"/>
+                  </a:lnTo>
+                  <a:lnTo>
+                    <a:pt x="6161" y="68472"/>
+                  </a:lnTo>
+                  <a:lnTo>
+                    <a:pt x="5517" y="67787"/>
+                  </a:lnTo>
+                  <a:lnTo>
+                    <a:pt x="4901" y="67076"/>
+                  </a:lnTo>
+                  <a:lnTo>
+                    <a:pt x="4312" y="66336"/>
+                  </a:lnTo>
+                  <a:lnTo>
+                    <a:pt x="3752" y="65565"/>
+                  </a:lnTo>
+                  <a:lnTo>
+                    <a:pt x="3220" y="64759"/>
+                  </a:lnTo>
+                  <a:lnTo>
+                    <a:pt x="2717" y="63917"/>
+                  </a:lnTo>
+                  <a:lnTo>
+                    <a:pt x="2242" y="63039"/>
+                  </a:lnTo>
+                  <a:lnTo>
+                    <a:pt x="1797" y="62126"/>
+                  </a:lnTo>
+                  <a:lnTo>
+                    <a:pt x="1380" y="61177"/>
+                  </a:lnTo>
+                  <a:lnTo>
+                    <a:pt x="991" y="60193"/>
+                  </a:lnTo>
+                  <a:lnTo>
+                    <a:pt x="632" y="59173"/>
+                  </a:lnTo>
+                  <a:lnTo>
+                    <a:pt x="301" y="58117"/>
+                  </a:lnTo>
+                  <a:lnTo>
+                    <a:pt x="0" y="57026"/>
+                  </a:lnTo>
+                  <a:lnTo>
+                    <a:pt x="16909" y="54493"/>
+                  </a:lnTo>
+                  <a:lnTo>
+                    <a:pt x="17079" y="55097"/>
+                  </a:lnTo>
+                  <a:lnTo>
+                    <a:pt x="17262" y="55678"/>
+                  </a:lnTo>
+                  <a:lnTo>
+                    <a:pt x="17457" y="56236"/>
+                  </a:lnTo>
+                  <a:lnTo>
+                    <a:pt x="17665" y="56771"/>
+                  </a:lnTo>
+                  <a:lnTo>
+                    <a:pt x="17884" y="57282"/>
+                  </a:lnTo>
+                  <a:lnTo>
+                    <a:pt x="18116" y="57771"/>
+                  </a:lnTo>
+                  <a:lnTo>
+                    <a:pt x="18361" y="58235"/>
+                  </a:lnTo>
+                  <a:lnTo>
+                    <a:pt x="18618" y="58677"/>
+                  </a:lnTo>
+                  <a:lnTo>
+                    <a:pt x="18887" y="59095"/>
+                  </a:lnTo>
+                  <a:lnTo>
+                    <a:pt x="19168" y="59490"/>
+                  </a:lnTo>
+                  <a:lnTo>
+                    <a:pt x="19462" y="59865"/>
+                  </a:lnTo>
+                  <a:lnTo>
+                    <a:pt x="19770" y="60221"/>
+                  </a:lnTo>
+                  <a:lnTo>
+                    <a:pt x="20092" y="60560"/>
+                  </a:lnTo>
+                  <a:lnTo>
+                    <a:pt x="20428" y="60881"/>
+                  </a:lnTo>
+                  <a:lnTo>
+                    <a:pt x="20777" y="61185"/>
+                  </a:lnTo>
+                  <a:lnTo>
+                    <a:pt x="21140" y="61470"/>
+                  </a:lnTo>
+                  <a:lnTo>
+                    <a:pt x="21516" y="61738"/>
+                  </a:lnTo>
+                  <a:lnTo>
+                    <a:pt x="21906" y="61988"/>
+                  </a:lnTo>
+                  <a:lnTo>
+                    <a:pt x="22310" y="62220"/>
+                  </a:lnTo>
+                  <a:lnTo>
+                    <a:pt x="22728" y="62434"/>
+                  </a:lnTo>
+                  <a:lnTo>
+                    <a:pt x="23159" y="62633"/>
+                  </a:lnTo>
+                  <a:lnTo>
+                    <a:pt x="23604" y="62817"/>
+                  </a:lnTo>
+                  <a:lnTo>
+                    <a:pt x="24063" y="62989"/>
+                  </a:lnTo>
+                  <a:lnTo>
+                    <a:pt x="24535" y="63146"/>
+                  </a:lnTo>
+                  <a:lnTo>
+                    <a:pt x="25021" y="63290"/>
+                  </a:lnTo>
+                  <a:lnTo>
+                    <a:pt x="25521" y="63420"/>
+                  </a:lnTo>
+                  <a:lnTo>
+                    <a:pt x="26034" y="63536"/>
+                  </a:lnTo>
+                  <a:lnTo>
+                    <a:pt x="26562" y="63639"/>
+                  </a:lnTo>
+                  <a:lnTo>
+                    <a:pt x="27102" y="63728"/>
+                  </a:lnTo>
+                  <a:lnTo>
+                    <a:pt x="27657" y="63803"/>
+                  </a:lnTo>
+                  <a:lnTo>
+                    <a:pt x="28239" y="63868"/>
+                  </a:lnTo>
+                  <a:lnTo>
+                    <a:pt x="28837" y="63926"/>
+                  </a:lnTo>
+                  <a:lnTo>
+                    <a:pt x="29450" y="63978"/>
+                  </a:lnTo>
+                  <a:lnTo>
+                    <a:pt x="30078" y="64022"/>
+                  </a:lnTo>
+                  <a:lnTo>
+                    <a:pt x="30720" y="64060"/>
+                  </a:lnTo>
+                  <a:lnTo>
+                    <a:pt x="31378" y="64091"/>
+                  </a:lnTo>
+                  <a:lnTo>
+                    <a:pt x="32051" y="64115"/>
+                  </a:lnTo>
+                  <a:lnTo>
+                    <a:pt x="32739" y="64132"/>
+                  </a:lnTo>
+                  <a:lnTo>
+                    <a:pt x="33442" y="64142"/>
+                  </a:lnTo>
+                  <a:lnTo>
+                    <a:pt x="34160" y="64145"/>
+                  </a:lnTo>
+                  <a:lnTo>
+                    <a:pt x="34813" y="64142"/>
+                  </a:lnTo>
+                  <a:lnTo>
+                    <a:pt x="35456" y="64132"/>
+                  </a:lnTo>
+                  <a:lnTo>
+                    <a:pt x="36089" y="64115"/>
+                  </a:lnTo>
+                  <a:lnTo>
+                    <a:pt x="36713" y="64091"/>
+                  </a:lnTo>
+                  <a:lnTo>
+                    <a:pt x="37327" y="64060"/>
+                  </a:lnTo>
+                  <a:lnTo>
+                    <a:pt x="37931" y="64022"/>
+                  </a:lnTo>
+                  <a:lnTo>
+                    <a:pt x="38526" y="63978"/>
+                  </a:lnTo>
+                  <a:lnTo>
+                    <a:pt x="39111" y="63926"/>
+                  </a:lnTo>
+                  <a:lnTo>
+                    <a:pt x="39687" y="63868"/>
+                  </a:lnTo>
+                  <a:lnTo>
+                    <a:pt x="40253" y="63803"/>
+                  </a:lnTo>
+                  <a:lnTo>
+                    <a:pt x="40820" y="63716"/>
+                  </a:lnTo>
+                  <a:lnTo>
+                    <a:pt x="41371" y="63620"/>
+                  </a:lnTo>
+                  <a:lnTo>
+                    <a:pt x="41905" y="63514"/>
+                  </a:lnTo>
+                  <a:lnTo>
+                    <a:pt x="42422" y="63398"/>
+                  </a:lnTo>
+                  <a:lnTo>
+                    <a:pt x="42923" y="63273"/>
+                  </a:lnTo>
+                  <a:lnTo>
+                    <a:pt x="43408" y="63138"/>
+                  </a:lnTo>
+                  <a:lnTo>
+                    <a:pt x="43876" y="62993"/>
+                  </a:lnTo>
+                  <a:lnTo>
+                    <a:pt x="44328" y="62839"/>
+                  </a:lnTo>
+                  <a:lnTo>
+                    <a:pt x="44763" y="62676"/>
+                  </a:lnTo>
+                  <a:lnTo>
+                    <a:pt x="45182" y="62502"/>
+                  </a:lnTo>
+                  <a:lnTo>
+                    <a:pt x="45597" y="62304"/>
+                  </a:lnTo>
+                  <a:lnTo>
+                    <a:pt x="45993" y="62092"/>
+                  </a:lnTo>
+                  <a:lnTo>
+                    <a:pt x="46369" y="61866"/>
+                  </a:lnTo>
+                  <a:lnTo>
+                    <a:pt x="46727" y="61626"/>
+                  </a:lnTo>
+                  <a:lnTo>
+                    <a:pt x="47065" y="61373"/>
+                  </a:lnTo>
+                  <a:lnTo>
+                    <a:pt x="47384" y="61106"/>
+                  </a:lnTo>
+                  <a:lnTo>
+                    <a:pt x="47684" y="60825"/>
+                  </a:lnTo>
+                  <a:lnTo>
+                    <a:pt x="47965" y="60531"/>
+                  </a:lnTo>
+                  <a:lnTo>
+                    <a:pt x="48226" y="60223"/>
+                  </a:lnTo>
+                  <a:lnTo>
+                    <a:pt x="48468" y="59901"/>
+                  </a:lnTo>
+                  <a:lnTo>
+                    <a:pt x="48690" y="59551"/>
+                  </a:lnTo>
+                  <a:lnTo>
+                    <a:pt x="48887" y="59184"/>
+                  </a:lnTo>
+                  <a:lnTo>
+                    <a:pt x="49062" y="58800"/>
+                  </a:lnTo>
+                  <a:lnTo>
+                    <a:pt x="49213" y="58400"/>
+                  </a:lnTo>
+                  <a:lnTo>
+                    <a:pt x="49341" y="57984"/>
+                  </a:lnTo>
+                  <a:lnTo>
+                    <a:pt x="49446" y="57552"/>
+                  </a:lnTo>
+                  <a:lnTo>
+                    <a:pt x="49527" y="57102"/>
+                  </a:lnTo>
+                  <a:lnTo>
+                    <a:pt x="49586" y="56637"/>
+                  </a:lnTo>
+                  <a:lnTo>
+                    <a:pt x="49621" y="56155"/>
+                  </a:lnTo>
+                  <a:lnTo>
+                    <a:pt x="49632" y="55657"/>
+                  </a:lnTo>
+                  <a:lnTo>
+                    <a:pt x="49615" y="55094"/>
+                  </a:lnTo>
+                  <a:lnTo>
+                    <a:pt x="49564" y="54556"/>
+                  </a:lnTo>
+                  <a:lnTo>
+                    <a:pt x="49478" y="54042"/>
+                  </a:lnTo>
+                  <a:lnTo>
+                    <a:pt x="49358" y="53554"/>
+                  </a:lnTo>
+                  <a:lnTo>
+                    <a:pt x="49204" y="53089"/>
+                  </a:lnTo>
+                  <a:lnTo>
+                    <a:pt x="49016" y="52650"/>
+                  </a:lnTo>
+                  <a:lnTo>
+                    <a:pt x="48794" y="52235"/>
+                  </a:lnTo>
+                  <a:lnTo>
+                    <a:pt x="48537" y="51845"/>
+                  </a:lnTo>
+                  <a:lnTo>
+                    <a:pt x="48246" y="51479"/>
+                  </a:lnTo>
+                  <a:lnTo>
+                    <a:pt x="47921" y="51138"/>
+                  </a:lnTo>
+                  <a:lnTo>
+                    <a:pt x="47579" y="50803"/>
+                  </a:lnTo>
+                  <a:lnTo>
+                    <a:pt x="47211" y="50481"/>
+                  </a:lnTo>
+                  <a:lnTo>
+                    <a:pt x="46818" y="50173"/>
+                  </a:lnTo>
+                  <a:lnTo>
+                    <a:pt x="46398" y="49879"/>
+                  </a:lnTo>
+                  <a:lnTo>
+                    <a:pt x="45953" y="49598"/>
+                  </a:lnTo>
+                  <a:lnTo>
+                    <a:pt x="45481" y="49331"/>
+                  </a:lnTo>
+                  <a:lnTo>
+                    <a:pt x="44983" y="49078"/>
+                  </a:lnTo>
+                  <a:lnTo>
+                    <a:pt x="44459" y="48838"/>
+                  </a:lnTo>
+                  <a:lnTo>
+                    <a:pt x="43910" y="48612"/>
+                  </a:lnTo>
+                  <a:lnTo>
+                    <a:pt x="43334" y="48400"/>
+                  </a:lnTo>
+                  <a:lnTo>
+                    <a:pt x="42748" y="48184"/>
+                  </a:lnTo>
+                  <a:lnTo>
+                    <a:pt x="42140" y="47975"/>
+                  </a:lnTo>
+                  <a:lnTo>
+                    <a:pt x="41510" y="47774"/>
+                  </a:lnTo>
+                  <a:lnTo>
+                    <a:pt x="40859" y="47578"/>
+                  </a:lnTo>
+                  <a:lnTo>
+                    <a:pt x="40185" y="47390"/>
+                  </a:lnTo>
+                  <a:lnTo>
+                    <a:pt x="39489" y="47209"/>
+                  </a:lnTo>
+                  <a:lnTo>
+                    <a:pt x="38772" y="47034"/>
+                  </a:lnTo>
+                  <a:lnTo>
+                    <a:pt x="38033" y="46866"/>
+                  </a:lnTo>
+                  <a:lnTo>
+                    <a:pt x="37271" y="46706"/>
+                  </a:lnTo>
+                  <a:lnTo>
+                    <a:pt x="36488" y="46552"/>
+                  </a:lnTo>
+                  <a:lnTo>
+                    <a:pt x="35702" y="46385"/>
+                  </a:lnTo>
+                  <a:lnTo>
+                    <a:pt x="34905" y="46215"/>
+                  </a:lnTo>
+                  <a:lnTo>
+                    <a:pt x="34098" y="46040"/>
+                  </a:lnTo>
+                  <a:lnTo>
+                    <a:pt x="33279" y="45861"/>
+                  </a:lnTo>
+                  <a:lnTo>
+                    <a:pt x="32449" y="45679"/>
+                  </a:lnTo>
+                  <a:lnTo>
+                    <a:pt x="31608" y="45492"/>
+                  </a:lnTo>
+                  <a:lnTo>
+                    <a:pt x="30757" y="45301"/>
+                  </a:lnTo>
+                  <a:lnTo>
+                    <a:pt x="29894" y="45106"/>
+                  </a:lnTo>
+                  <a:lnTo>
+                    <a:pt x="29021" y="44906"/>
+                  </a:lnTo>
+                  <a:lnTo>
+                    <a:pt x="28136" y="44703"/>
+                  </a:lnTo>
+                  <a:lnTo>
+                    <a:pt x="27206" y="44494"/>
+                  </a:lnTo>
+                  <a:lnTo>
+                    <a:pt x="26279" y="44276"/>
+                  </a:lnTo>
+                  <a:lnTo>
+                    <a:pt x="25355" y="44050"/>
+                  </a:lnTo>
+                  <a:lnTo>
+                    <a:pt x="24434" y="43816"/>
+                  </a:lnTo>
+                  <a:lnTo>
+                    <a:pt x="23515" y="43574"/>
+                  </a:lnTo>
+                  <a:lnTo>
+                    <a:pt x="22599" y="43323"/>
+                  </a:lnTo>
+                  <a:lnTo>
+                    <a:pt x="21686" y="43064"/>
+                  </a:lnTo>
+                  <a:lnTo>
+                    <a:pt x="20775" y="42797"/>
+                  </a:lnTo>
+                  <a:lnTo>
+                    <a:pt x="19868" y="42522"/>
+                  </a:lnTo>
+                  <a:lnTo>
+                    <a:pt x="18963" y="42239"/>
+                  </a:lnTo>
+                  <a:lnTo>
+                    <a:pt x="18069" y="41941"/>
+                  </a:lnTo>
+                  <a:lnTo>
+                    <a:pt x="17194" y="41623"/>
+                  </a:lnTo>
+                  <a:lnTo>
+                    <a:pt x="16338" y="41284"/>
+                  </a:lnTo>
+                  <a:lnTo>
+                    <a:pt x="15501" y="40924"/>
+                  </a:lnTo>
+                  <a:lnTo>
+                    <a:pt x="14684" y="40544"/>
+                  </a:lnTo>
+                  <a:lnTo>
+                    <a:pt x="13886" y="40144"/>
+                  </a:lnTo>
+                  <a:lnTo>
+                    <a:pt x="13107" y="39723"/>
+                  </a:lnTo>
+                  <a:lnTo>
+                    <a:pt x="12347" y="39281"/>
+                  </a:lnTo>
+                  <a:lnTo>
+                    <a:pt x="11606" y="38819"/>
+                  </a:lnTo>
+                  <a:lnTo>
+                    <a:pt x="10884" y="38336"/>
+                  </a:lnTo>
+                  <a:lnTo>
+                    <a:pt x="10186" y="37831"/>
+                  </a:lnTo>
+                  <a:lnTo>
+                    <a:pt x="9515" y="37299"/>
+                  </a:lnTo>
+                  <a:lnTo>
+                    <a:pt x="8872" y="36741"/>
+                  </a:lnTo>
+                  <a:lnTo>
+                    <a:pt x="8256" y="36157"/>
+                  </a:lnTo>
+                  <a:lnTo>
+                    <a:pt x="7667" y="35547"/>
+                  </a:lnTo>
+                  <a:lnTo>
+                    <a:pt x="7106" y="34911"/>
+                  </a:lnTo>
+                  <a:lnTo>
+                    <a:pt x="6572" y="34249"/>
+                  </a:lnTo>
+                  <a:lnTo>
+                    <a:pt x="6065" y="33561"/>
+                  </a:lnTo>
+                  <a:lnTo>
+                    <a:pt x="5586" y="32847"/>
+                  </a:lnTo>
+                  <a:lnTo>
+                    <a:pt x="5134" y="32107"/>
+                  </a:lnTo>
+                  <a:lnTo>
+                    <a:pt x="4718" y="31320"/>
+                  </a:lnTo>
+                  <a:lnTo>
+                    <a:pt x="4345" y="30494"/>
+                  </a:lnTo>
+                  <a:lnTo>
+                    <a:pt x="4017" y="29628"/>
+                  </a:lnTo>
+                  <a:lnTo>
+                    <a:pt x="3732" y="28722"/>
+                  </a:lnTo>
+                  <a:lnTo>
+                    <a:pt x="3491" y="27777"/>
+                  </a:lnTo>
+                  <a:lnTo>
+                    <a:pt x="3294" y="26792"/>
+                  </a:lnTo>
+                  <a:lnTo>
+                    <a:pt x="3140" y="25767"/>
+                  </a:lnTo>
+                  <a:lnTo>
+                    <a:pt x="3031" y="24702"/>
+                  </a:lnTo>
+                  <a:lnTo>
+                    <a:pt x="2965" y="23598"/>
+                  </a:lnTo>
+                  <a:lnTo>
+                    <a:pt x="2943" y="22454"/>
+                  </a:lnTo>
+                  <a:lnTo>
+                    <a:pt x="2964" y="21411"/>
+                  </a:lnTo>
+                  <a:lnTo>
+                    <a:pt x="3025" y="20392"/>
+                  </a:lnTo>
+                  <a:lnTo>
+                    <a:pt x="3128" y="19396"/>
+                  </a:lnTo>
+                  <a:lnTo>
+                    <a:pt x="3272" y="18423"/>
+                  </a:lnTo>
+                  <a:lnTo>
+                    <a:pt x="3457" y="17474"/>
+                  </a:lnTo>
+                  <a:lnTo>
+                    <a:pt x="3683" y="16547"/>
+                  </a:lnTo>
+                  <a:lnTo>
+                    <a:pt x="3950" y="15644"/>
+                  </a:lnTo>
+                  <a:lnTo>
+                    <a:pt x="4258" y="14765"/>
+                  </a:lnTo>
+                  <a:lnTo>
+                    <a:pt x="4607" y="13908"/>
+                  </a:lnTo>
+                  <a:lnTo>
+                    <a:pt x="4997" y="13075"/>
+                  </a:lnTo>
+                  <a:lnTo>
+                    <a:pt x="5427" y="12253"/>
+                  </a:lnTo>
+                  <a:lnTo>
+                    <a:pt x="5895" y="11457"/>
+                  </a:lnTo>
+                  <a:lnTo>
+                    <a:pt x="6402" y="10687"/>
+                  </a:lnTo>
+                  <a:lnTo>
+                    <a:pt x="6947" y="9942"/>
+                  </a:lnTo>
+                  <a:lnTo>
+                    <a:pt x="7530" y="9224"/>
+                  </a:lnTo>
+                  <a:lnTo>
+                    <a:pt x="8152" y="8532"/>
+                  </a:lnTo>
+                  <a:lnTo>
+                    <a:pt x="8812" y="7866"/>
+                  </a:lnTo>
+                  <a:lnTo>
+                    <a:pt x="9510" y="7226"/>
+                  </a:lnTo>
+                  <a:lnTo>
+                    <a:pt x="10246" y="6612"/>
+                  </a:lnTo>
+                  <a:lnTo>
+                    <a:pt x="11021" y="6024"/>
+                  </a:lnTo>
+                  <a:lnTo>
+                    <a:pt x="11834" y="5450"/>
+                  </a:lnTo>
+                  <a:lnTo>
+                    <a:pt x="12684" y="4904"/>
+                  </a:lnTo>
+                  <a:lnTo>
+                    <a:pt x="13570" y="4387"/>
+                  </a:lnTo>
+                  <a:lnTo>
+                    <a:pt x="14494" y="3899"/>
+                  </a:lnTo>
+                  <a:lnTo>
+                    <a:pt x="15454" y="3440"/>
+                  </a:lnTo>
+                  <a:lnTo>
+                    <a:pt x="16452" y="3009"/>
+                  </a:lnTo>
+                  <a:lnTo>
+                    <a:pt x="17486" y="2607"/>
+                  </a:lnTo>
+                  <a:lnTo>
+                    <a:pt x="18557" y="2234"/>
+                  </a:lnTo>
+                  <a:lnTo>
+                    <a:pt x="19666" y="1890"/>
+                  </a:lnTo>
+                  <a:lnTo>
+                    <a:pt x="20811" y="1574"/>
+                  </a:lnTo>
+                  <a:lnTo>
+                    <a:pt x="22006" y="1275"/>
+                  </a:lnTo>
+                  <a:lnTo>
+                    <a:pt x="23234" y="1007"/>
+                  </a:lnTo>
+                  <a:lnTo>
+                    <a:pt x="24498" y="771"/>
+                  </a:lnTo>
+                  <a:lnTo>
+                    <a:pt x="25795" y="566"/>
+                  </a:lnTo>
+                  <a:lnTo>
+                    <a:pt x="27126" y="393"/>
+                  </a:lnTo>
+                  <a:lnTo>
+                    <a:pt x="28492" y="251"/>
+                  </a:lnTo>
+                  <a:lnTo>
+                    <a:pt x="29892" y="141"/>
+                  </a:lnTo>
+                  <a:lnTo>
+                    <a:pt x="31326" y="62"/>
+                  </a:lnTo>
+                  <a:lnTo>
+                    <a:pt x="32795" y="15"/>
+                  </a:lnTo>
+                  <a:lnTo>
+                    <a:pt x="34297" y="0"/>
+                  </a:lnTo>
+                  <a:lnTo>
+                    <a:pt x="35494" y="11"/>
+                  </a:lnTo>
+                  <a:lnTo>
+                    <a:pt x="36674" y="46"/>
+                  </a:lnTo>
+                  <a:lnTo>
+                    <a:pt x="37838" y="104"/>
+                  </a:lnTo>
+                  <a:lnTo>
+                    <a:pt x="38985" y="186"/>
+                  </a:lnTo>
+                  <a:lnTo>
+                    <a:pt x="40116" y="290"/>
+                  </a:lnTo>
+                  <a:lnTo>
+                    <a:pt x="41231" y="418"/>
+                  </a:lnTo>
+                  <a:lnTo>
+                    <a:pt x="42329" y="570"/>
+                  </a:lnTo>
+                  <a:lnTo>
+                    <a:pt x="43411" y="744"/>
+                  </a:lnTo>
+                  <a:lnTo>
+                    <a:pt x="44476" y="942"/>
+                  </a:lnTo>
+                  <a:lnTo>
+                    <a:pt x="45525" y="1163"/>
+                  </a:lnTo>
+                  <a:lnTo>
+                    <a:pt x="46554" y="1396"/>
+                  </a:lnTo>
+                  <a:lnTo>
+                    <a:pt x="47562" y="1656"/>
+                  </a:lnTo>
+                  <a:lnTo>
+                    <a:pt x="48548" y="1944"/>
+                  </a:lnTo>
+                  <a:lnTo>
+                    <a:pt x="49512" y="2259"/>
+                  </a:lnTo>
+                  <a:lnTo>
+                    <a:pt x="50454" y="2601"/>
+                  </a:lnTo>
+                  <a:lnTo>
+                    <a:pt x="51374" y="2971"/>
+                  </a:lnTo>
+                  <a:lnTo>
+                    <a:pt x="52272" y="3368"/>
+                  </a:lnTo>
+                  <a:lnTo>
+                    <a:pt x="53148" y="3792"/>
+                  </a:lnTo>
+                  <a:lnTo>
+                    <a:pt x="54003" y="4244"/>
+                  </a:lnTo>
+                  <a:lnTo>
+                    <a:pt x="54835" y="4723"/>
+                  </a:lnTo>
+                  <a:lnTo>
+                    <a:pt x="55643" y="5216"/>
+                  </a:lnTo>
+                  <a:lnTo>
+                    <a:pt x="56423" y="5736"/>
+                  </a:lnTo>
+                  <a:lnTo>
+                    <a:pt x="57176" y="6284"/>
+                  </a:lnTo>
+                  <a:lnTo>
+                    <a:pt x="57902" y="6859"/>
+                  </a:lnTo>
+                  <a:lnTo>
+                    <a:pt x="58600" y="7462"/>
+                  </a:lnTo>
+                  <a:lnTo>
+                    <a:pt x="59271" y="8091"/>
+                  </a:lnTo>
+                  <a:lnTo>
+                    <a:pt x="59915" y="8749"/>
+                  </a:lnTo>
+                  <a:lnTo>
+                    <a:pt x="60531" y="9433"/>
+                  </a:lnTo>
+                  <a:lnTo>
+                    <a:pt x="61120" y="10145"/>
+                  </a:lnTo>
+                  <a:lnTo>
+                    <a:pt x="61681" y="10884"/>
+                  </a:lnTo>
+                  <a:lnTo>
+                    <a:pt x="62225" y="11653"/>
+                  </a:lnTo>
+                  <a:lnTo>
+                    <a:pt x="62735" y="12454"/>
+                  </a:lnTo>
+                  <a:lnTo>
+                    <a:pt x="63211" y="13285"/>
+                  </a:lnTo>
+                  <a:lnTo>
+                    <a:pt x="63653" y="14149"/>
+                  </a:lnTo>
+                  <a:lnTo>
+                    <a:pt x="64060" y="15043"/>
+                  </a:lnTo>
+                  <a:lnTo>
+                    <a:pt x="64433" y="15970"/>
+                  </a:lnTo>
+                  <a:lnTo>
+                    <a:pt x="64772" y="16927"/>
+                  </a:lnTo>
+                  <a:lnTo>
+                    <a:pt x="65077" y="17917"/>
+                  </a:lnTo>
+                  <a:lnTo>
+                    <a:pt x="65347" y="18937"/>
+                  </a:lnTo>
+                  <a:lnTo>
+                    <a:pt x="65583" y="19989"/>
+                  </a:lnTo>
+                  <a:lnTo>
+                    <a:pt x="48537" y="21769"/>
+                  </a:lnTo>
+                  <a:lnTo>
+                    <a:pt x="48433" y="21245"/>
+                  </a:lnTo>
+                  <a:lnTo>
+                    <a:pt x="48315" y="20740"/>
+                  </a:lnTo>
+                  <a:lnTo>
+                    <a:pt x="48182" y="20254"/>
+                  </a:lnTo>
+                  <a:lnTo>
+                    <a:pt x="48033" y="19787"/>
+                  </a:lnTo>
+                  <a:lnTo>
+                    <a:pt x="47869" y="19339"/>
+                  </a:lnTo>
+                  <a:lnTo>
+                    <a:pt x="47691" y="18911"/>
+                  </a:lnTo>
+                  <a:lnTo>
+                    <a:pt x="47497" y="18501"/>
+                  </a:lnTo>
+                  <a:lnTo>
+                    <a:pt x="47288" y="18111"/>
+                  </a:lnTo>
+                  <a:lnTo>
+                    <a:pt x="47064" y="17740"/>
+                  </a:lnTo>
+                  <a:lnTo>
+                    <a:pt x="46825" y="17388"/>
+                  </a:lnTo>
+                  <a:lnTo>
+                    <a:pt x="46573" y="17040"/>
+                  </a:lnTo>
+                  <a:lnTo>
+                    <a:pt x="46308" y="16706"/>
+                  </a:lnTo>
+                  <a:lnTo>
+                    <a:pt x="46031" y="16388"/>
+                  </a:lnTo>
+                  <a:lnTo>
+                    <a:pt x="45741" y="16085"/>
+                  </a:lnTo>
+                  <a:lnTo>
+                    <a:pt x="45439" y="15796"/>
+                  </a:lnTo>
+                  <a:lnTo>
+                    <a:pt x="45125" y="15523"/>
+                  </a:lnTo>
+                  <a:lnTo>
+                    <a:pt x="44798" y="15265"/>
+                  </a:lnTo>
+                  <a:lnTo>
+                    <a:pt x="44459" y="15022"/>
+                  </a:lnTo>
+                  <a:lnTo>
+                    <a:pt x="44108" y="14794"/>
+                  </a:lnTo>
+                  <a:lnTo>
+                    <a:pt x="43745" y="14581"/>
+                  </a:lnTo>
+                  <a:lnTo>
+                    <a:pt x="43383" y="14383"/>
+                  </a:lnTo>
+                  <a:lnTo>
+                    <a:pt x="43008" y="14198"/>
+                  </a:lnTo>
+                  <a:lnTo>
+                    <a:pt x="42621" y="14027"/>
+                  </a:lnTo>
+                  <a:lnTo>
+                    <a:pt x="42222" y="13869"/>
+                  </a:lnTo>
+                  <a:lnTo>
+                    <a:pt x="41811" y="13726"/>
+                  </a:lnTo>
+                  <a:lnTo>
+                    <a:pt x="41387" y="13595"/>
+                  </a:lnTo>
+                  <a:lnTo>
+                    <a:pt x="40951" y="13479"/>
+                  </a:lnTo>
+                  <a:lnTo>
+                    <a:pt x="40503" y="13376"/>
+                  </a:lnTo>
+                  <a:lnTo>
+                    <a:pt x="40042" y="13287"/>
+                  </a:lnTo>
+                  <a:lnTo>
+                    <a:pt x="39569" y="13212"/>
+                  </a:lnTo>
+                  <a:lnTo>
+                    <a:pt x="39085" y="13134"/>
+                  </a:lnTo>
+                  <a:lnTo>
+                    <a:pt x="38591" y="13064"/>
+                  </a:lnTo>
+                  <a:lnTo>
+                    <a:pt x="38088" y="13003"/>
+                  </a:lnTo>
+                  <a:lnTo>
+                    <a:pt x="37575" y="12949"/>
+                  </a:lnTo>
+                  <a:lnTo>
+                    <a:pt x="37053" y="12904"/>
+                  </a:lnTo>
+                  <a:lnTo>
+                    <a:pt x="36521" y="12867"/>
+                  </a:lnTo>
+                  <a:lnTo>
+                    <a:pt x="35979" y="12838"/>
+                  </a:lnTo>
+                  <a:lnTo>
+                    <a:pt x="35428" y="12818"/>
+                  </a:lnTo>
+                  <a:lnTo>
+                    <a:pt x="34868" y="12805"/>
+                  </a:lnTo>
+                  <a:lnTo>
+                    <a:pt x="34297" y="12801"/>
+                  </a:lnTo>
+                  <a:lnTo>
+                    <a:pt x="32962" y="12819"/>
+                  </a:lnTo>
+                  <a:lnTo>
+                    <a:pt x="31696" y="12873"/>
+                  </a:lnTo>
+                  <a:lnTo>
+                    <a:pt x="30498" y="12962"/>
+                  </a:lnTo>
+                  <a:lnTo>
+                    <a:pt x="29368" y="13086"/>
+                  </a:lnTo>
+                  <a:lnTo>
+                    <a:pt x="28307" y="13246"/>
+                  </a:lnTo>
+                  <a:lnTo>
+                    <a:pt x="27315" y="13442"/>
+                  </a:lnTo>
+                  <a:lnTo>
+                    <a:pt x="26390" y="13673"/>
+                  </a:lnTo>
+                  <a:lnTo>
+                    <a:pt x="25535" y="13940"/>
+                  </a:lnTo>
+                  <a:lnTo>
+                    <a:pt x="24747" y="14243"/>
+                  </a:lnTo>
+                  <a:lnTo>
+                    <a:pt x="24029" y="14581"/>
+                  </a:lnTo>
+                  <a:lnTo>
+                    <a:pt x="23378" y="14947"/>
+                  </a:lnTo>
+                  <a:lnTo>
+                    <a:pt x="22796" y="15362"/>
+                  </a:lnTo>
+                  <a:lnTo>
+                    <a:pt x="22283" y="15824"/>
+                  </a:lnTo>
+                  <a:lnTo>
+                    <a:pt x="21838" y="16334"/>
+                  </a:lnTo>
+                  <a:lnTo>
+                    <a:pt x="21461" y="16892"/>
+                  </a:lnTo>
+                  <a:lnTo>
+                    <a:pt x="21153" y="17498"/>
+                  </a:lnTo>
+                  <a:lnTo>
+                    <a:pt x="20914" y="18151"/>
+                  </a:lnTo>
+                  <a:lnTo>
+                    <a:pt x="20743" y="18853"/>
+                  </a:lnTo>
+                  <a:lnTo>
+                    <a:pt x="20640" y="19603"/>
+                  </a:lnTo>
+                  <a:lnTo>
+                    <a:pt x="20606" y="20400"/>
+                  </a:lnTo>
+                  <a:lnTo>
+                    <a:pt x="20619" y="20897"/>
+                  </a:lnTo>
+                  <a:lnTo>
+                    <a:pt x="20660" y="21372"/>
+                  </a:lnTo>
+                  <a:lnTo>
+                    <a:pt x="20729" y="21828"/>
+                  </a:lnTo>
+                  <a:lnTo>
+                    <a:pt x="20825" y="22262"/>
+                  </a:lnTo>
+                  <a:lnTo>
+                    <a:pt x="20948" y="22677"/>
+                  </a:lnTo>
+                  <a:lnTo>
+                    <a:pt x="21099" y="23070"/>
+                  </a:lnTo>
+                  <a:lnTo>
+                    <a:pt x="21277" y="23443"/>
+                  </a:lnTo>
+                  <a:lnTo>
+                    <a:pt x="21482" y="23796"/>
+                  </a:lnTo>
+                  <a:lnTo>
+                    <a:pt x="21715" y="24128"/>
+                  </a:lnTo>
+                  <a:lnTo>
+                    <a:pt x="21975" y="24439"/>
+                  </a:lnTo>
+                  <a:lnTo>
+                    <a:pt x="22273" y="24736"/>
+                  </a:lnTo>
+                  <a:lnTo>
+                    <a:pt x="22594" y="25023"/>
+                  </a:lnTo>
+                  <a:lnTo>
+                    <a:pt x="22936" y="25300"/>
+                  </a:lnTo>
+                  <a:lnTo>
+                    <a:pt x="23300" y="25568"/>
+                  </a:lnTo>
+                  <a:lnTo>
+                    <a:pt x="23686" y="25826"/>
+                  </a:lnTo>
+                  <a:lnTo>
+                    <a:pt x="24094" y="26074"/>
+                  </a:lnTo>
+                  <a:lnTo>
+                    <a:pt x="24524" y="26313"/>
+                  </a:lnTo>
+                  <a:lnTo>
+                    <a:pt x="24976" y="26542"/>
+                  </a:lnTo>
+                  <a:lnTo>
+                    <a:pt x="25450" y="26762"/>
+                  </a:lnTo>
+                  <a:lnTo>
+                    <a:pt x="25945" y="26972"/>
+                  </a:lnTo>
+                  <a:lnTo>
+                    <a:pt x="26475" y="27162"/>
+                  </a:lnTo>
+                  <a:lnTo>
+                    <a:pt x="27022" y="27347"/>
+                  </a:lnTo>
+                  <a:lnTo>
+                    <a:pt x="27586" y="27529"/>
+                  </a:lnTo>
+                  <a:lnTo>
+                    <a:pt x="28169" y="27706"/>
+                  </a:lnTo>
+                  <a:lnTo>
+                    <a:pt x="28769" y="27879"/>
+                  </a:lnTo>
+                  <a:lnTo>
+                    <a:pt x="29388" y="28048"/>
+                  </a:lnTo>
+                  <a:lnTo>
+                    <a:pt x="30024" y="28213"/>
+                  </a:lnTo>
+                  <a:lnTo>
+                    <a:pt x="30677" y="28374"/>
+                  </a:lnTo>
+                  <a:lnTo>
+                    <a:pt x="31349" y="28531"/>
+                  </a:lnTo>
+                  <a:lnTo>
+                    <a:pt x="32038" y="28684"/>
+                  </a:lnTo>
+                  <a:lnTo>
+                    <a:pt x="32756" y="28824"/>
+                  </a:lnTo>
+                  <a:lnTo>
+                    <a:pt x="33487" y="28971"/>
+                  </a:lnTo>
+                  <a:lnTo>
+                    <a:pt x="34230" y="29125"/>
+                  </a:lnTo>
+                  <a:lnTo>
+                    <a:pt x="34985" y="29286"/>
+                  </a:lnTo>
+                  <a:lnTo>
+                    <a:pt x="35752" y="29454"/>
+                  </a:lnTo>
+                  <a:lnTo>
+                    <a:pt x="36532" y="29629"/>
+                  </a:lnTo>
+                  <a:lnTo>
+                    <a:pt x="37324" y="29810"/>
+                  </a:lnTo>
+                  <a:lnTo>
+                    <a:pt x="38128" y="29998"/>
+                  </a:lnTo>
+                  <a:lnTo>
+                    <a:pt x="38945" y="30193"/>
+                  </a:lnTo>
+                  <a:lnTo>
+                    <a:pt x="39774" y="30395"/>
+                  </a:lnTo>
+                  <a:lnTo>
+                    <a:pt x="40799" y="30618"/>
+                  </a:lnTo>
+                  <a:lnTo>
+                    <a:pt x="41820" y="30850"/>
+                  </a:lnTo>
+                  <a:lnTo>
+                    <a:pt x="42836" y="31089"/>
+                  </a:lnTo>
+                  <a:lnTo>
+                    <a:pt x="43849" y="31337"/>
+                  </a:lnTo>
+                  <a:lnTo>
+                    <a:pt x="44857" y="31593"/>
+                  </a:lnTo>
+                  <a:lnTo>
+                    <a:pt x="45861" y="31858"/>
+                  </a:lnTo>
+                  <a:lnTo>
+                    <a:pt x="46862" y="32130"/>
+                  </a:lnTo>
+                  <a:lnTo>
+                    <a:pt x="47858" y="32411"/>
+                  </a:lnTo>
+                  <a:lnTo>
+                    <a:pt x="48850" y="32700"/>
+                  </a:lnTo>
+                  <a:lnTo>
+                    <a:pt x="49838" y="32997"/>
+                  </a:lnTo>
+                  <a:lnTo>
+                    <a:pt x="50825" y="33296"/>
+                  </a:lnTo>
+                  <a:lnTo>
+                    <a:pt x="51790" y="33618"/>
+                  </a:lnTo>
+                  <a:lnTo>
+                    <a:pt x="52731" y="33964"/>
+                  </a:lnTo>
+                  <a:lnTo>
+                    <a:pt x="53649" y="34333"/>
+                  </a:lnTo>
+                  <a:lnTo>
+                    <a:pt x="54544" y="34725"/>
+                  </a:lnTo>
+                  <a:lnTo>
+                    <a:pt x="55416" y="35141"/>
+                  </a:lnTo>
+                  <a:lnTo>
+                    <a:pt x="56264" y="35580"/>
+                  </a:lnTo>
+                  <a:lnTo>
+                    <a:pt x="57089" y="36042"/>
+                  </a:lnTo>
+                  <a:lnTo>
+                    <a:pt x="57890" y="36527"/>
+                  </a:lnTo>
+                  <a:lnTo>
+                    <a:pt x="58669" y="37036"/>
+                  </a:lnTo>
+                  <a:lnTo>
+                    <a:pt x="59433" y="37557"/>
+                  </a:lnTo>
+                  <a:lnTo>
+                    <a:pt x="60167" y="38109"/>
+                  </a:lnTo>
+                  <a:lnTo>
+                    <a:pt x="60868" y="38691"/>
+                  </a:lnTo>
+                  <a:lnTo>
+                    <a:pt x="61539" y="39303"/>
+                  </a:lnTo>
+                  <a:lnTo>
+                    <a:pt x="62177" y="39945"/>
+                  </a:lnTo>
+                  <a:lnTo>
+                    <a:pt x="62785" y="40618"/>
+                  </a:lnTo>
+                  <a:lnTo>
+                    <a:pt x="63360" y="41320"/>
+                  </a:lnTo>
+                  <a:lnTo>
+                    <a:pt x="63905" y="42052"/>
+                  </a:lnTo>
+                  <a:lnTo>
+                    <a:pt x="64417" y="42815"/>
+                  </a:lnTo>
+                  <a:lnTo>
+                    <a:pt x="64899" y="43608"/>
+                  </a:lnTo>
+                  <a:lnTo>
+                    <a:pt x="65354" y="44438"/>
+                  </a:lnTo>
+                  <a:lnTo>
+                    <a:pt x="65761" y="45311"/>
+                  </a:lnTo>
+                  <a:lnTo>
+                    <a:pt x="66121" y="46228"/>
+                  </a:lnTo>
+                  <a:lnTo>
+                    <a:pt x="66432" y="47190"/>
+                  </a:lnTo>
+                  <a:lnTo>
+                    <a:pt x="66696" y="48195"/>
+                  </a:lnTo>
+                  <a:lnTo>
+                    <a:pt x="66911" y="49243"/>
+                  </a:lnTo>
+                  <a:lnTo>
+                    <a:pt x="67079" y="50336"/>
+                  </a:lnTo>
+                  <a:lnTo>
+                    <a:pt x="67199" y="51472"/>
+                  </a:lnTo>
+                  <a:lnTo>
+                    <a:pt x="67271" y="52653"/>
+                  </a:lnTo>
+                  <a:close/>
+                </a:path>
+              </a:pathLst>
+            </a:custGeom>
+            <a:solidFill>
+              <a:srgbClr val="FFFFFF">
+                <a:alpha val="100000"/>
+              </a:srgbClr>
+            </a:solidFill>
+          </p:spPr>
+          <p:txBody>
+            <a:bodyPr/>
+            <a:lstStyle/>
+            <a:p/>
+          </p:txBody>
+        </p:sp>
+        <p:sp>
+          <p:nvSpPr>
+            <p:cNvPr id="24" name="pg24"/>
+            <p:cNvSpPr/>
+            <p:nvPr/>
+          </p:nvSpPr>
+          <p:spPr>
+            <a:xfrm>
+              <a:off x="5467267" y="2915264"/>
+              <a:ext cx="88996" cy="96458"/>
+            </a:xfrm>
+            <a:custGeom>
+              <a:avLst/>
+              <a:pathLst>
+                <a:path w="88996" h="96458">
+                  <a:moveTo>
+                    <a:pt x="66268" y="96458"/>
+                  </a:moveTo>
+                  <a:lnTo>
+                    <a:pt x="43882" y="59833"/>
+                  </a:lnTo>
+                  <a:lnTo>
+                    <a:pt x="20195" y="59833"/>
+                  </a:lnTo>
+                  <a:lnTo>
+                    <a:pt x="20195" y="96458"/>
+                  </a:lnTo>
+                  <a:lnTo>
+                    <a:pt x="0" y="96458"/>
+                  </a:lnTo>
+                  <a:lnTo>
+                    <a:pt x="0" y="0"/>
+                  </a:lnTo>
+                  <a:lnTo>
+                    <a:pt x="48195" y="0"/>
+                  </a:lnTo>
+                  <a:lnTo>
+                    <a:pt x="49979" y="20"/>
+                  </a:lnTo>
+                  <a:lnTo>
+                    <a:pt x="51716" y="82"/>
+                  </a:lnTo>
+                  <a:lnTo>
+                    <a:pt x="53407" y="184"/>
+                  </a:lnTo>
+                  <a:lnTo>
+                    <a:pt x="55051" y="328"/>
+                  </a:lnTo>
+                  <a:lnTo>
+                    <a:pt x="56649" y="513"/>
+                  </a:lnTo>
+                  <a:lnTo>
+                    <a:pt x="58201" y="739"/>
+                  </a:lnTo>
+                  <a:lnTo>
+                    <a:pt x="59705" y="1006"/>
+                  </a:lnTo>
+                  <a:lnTo>
+                    <a:pt x="61163" y="1314"/>
+                  </a:lnTo>
+                  <a:lnTo>
+                    <a:pt x="62575" y="1663"/>
+                  </a:lnTo>
+                  <a:lnTo>
+                    <a:pt x="63940" y="2053"/>
+                  </a:lnTo>
+                  <a:lnTo>
+                    <a:pt x="65273" y="2468"/>
+                  </a:lnTo>
+                  <a:lnTo>
+                    <a:pt x="66561" y="2919"/>
+                  </a:lnTo>
+                  <a:lnTo>
+                    <a:pt x="67803" y="3405"/>
+                  </a:lnTo>
+                  <a:lnTo>
+                    <a:pt x="69001" y="3926"/>
+                  </a:lnTo>
+                  <a:lnTo>
+                    <a:pt x="70153" y="4484"/>
+                  </a:lnTo>
+                  <a:lnTo>
+                    <a:pt x="71260" y="5076"/>
+                  </a:lnTo>
+                  <a:lnTo>
+                    <a:pt x="72322" y="5705"/>
+                  </a:lnTo>
+                  <a:lnTo>
+                    <a:pt x="73338" y="6369"/>
+                  </a:lnTo>
+                  <a:lnTo>
+                    <a:pt x="74310" y="7069"/>
+                  </a:lnTo>
+                  <a:lnTo>
+                    <a:pt x="75236" y="7804"/>
+                  </a:lnTo>
+                  <a:lnTo>
+                    <a:pt x="76116" y="8560"/>
+                  </a:lnTo>
+                  <a:lnTo>
+                    <a:pt x="76950" y="9348"/>
+                  </a:lnTo>
+                  <a:lnTo>
+                    <a:pt x="77737" y="10170"/>
+                  </a:lnTo>
+                  <a:lnTo>
+                    <a:pt x="78478" y="11024"/>
+                  </a:lnTo>
+                  <a:lnTo>
+                    <a:pt x="79172" y="11911"/>
+                  </a:lnTo>
+                  <a:lnTo>
+                    <a:pt x="79820" y="12831"/>
+                  </a:lnTo>
+                  <a:lnTo>
+                    <a:pt x="80421" y="13784"/>
+                  </a:lnTo>
+                  <a:lnTo>
+                    <a:pt x="80975" y="14770"/>
+                  </a:lnTo>
+                  <a:lnTo>
+                    <a:pt x="81483" y="15789"/>
+                  </a:lnTo>
+                  <a:lnTo>
+                    <a:pt x="81945" y="16840"/>
+                  </a:lnTo>
+                  <a:lnTo>
+                    <a:pt x="82374" y="17908"/>
+                  </a:lnTo>
+                  <a:lnTo>
+                    <a:pt x="82758" y="19004"/>
+                  </a:lnTo>
+                  <a:lnTo>
+                    <a:pt x="83097" y="20126"/>
+                  </a:lnTo>
+                  <a:lnTo>
+                    <a:pt x="83391" y="21277"/>
+                  </a:lnTo>
+                  <a:lnTo>
+                    <a:pt x="83639" y="22454"/>
+                  </a:lnTo>
+                  <a:lnTo>
+                    <a:pt x="83842" y="23659"/>
+                  </a:lnTo>
+                  <a:lnTo>
+                    <a:pt x="84001" y="24891"/>
+                  </a:lnTo>
+                  <a:lnTo>
+                    <a:pt x="84114" y="26151"/>
+                  </a:lnTo>
+                  <a:lnTo>
+                    <a:pt x="84181" y="27438"/>
+                  </a:lnTo>
+                  <a:lnTo>
+                    <a:pt x="84204" y="28752"/>
+                  </a:lnTo>
+                  <a:lnTo>
+                    <a:pt x="84188" y="29825"/>
+                  </a:lnTo>
+                  <a:lnTo>
+                    <a:pt x="84138" y="30880"/>
+                  </a:lnTo>
+                  <a:lnTo>
+                    <a:pt x="84056" y="31917"/>
+                  </a:lnTo>
+                  <a:lnTo>
+                    <a:pt x="83941" y="32936"/>
+                  </a:lnTo>
+                  <a:lnTo>
+                    <a:pt x="83793" y="33938"/>
+                  </a:lnTo>
+                  <a:lnTo>
+                    <a:pt x="83612" y="34922"/>
+                  </a:lnTo>
+                  <a:lnTo>
+                    <a:pt x="83399" y="35888"/>
+                  </a:lnTo>
+                  <a:lnTo>
+                    <a:pt x="83152" y="36836"/>
+                  </a:lnTo>
+                  <a:lnTo>
+                    <a:pt x="82873" y="37766"/>
+                  </a:lnTo>
+                  <a:lnTo>
+                    <a:pt x="82561" y="38679"/>
+                  </a:lnTo>
+                  <a:lnTo>
+                    <a:pt x="82233" y="39559"/>
+                  </a:lnTo>
+                  <a:lnTo>
+                    <a:pt x="81879" y="40420"/>
+                  </a:lnTo>
+                  <a:lnTo>
+                    <a:pt x="81499" y="41262"/>
+                  </a:lnTo>
+                  <a:lnTo>
+                    <a:pt x="81093" y="42085"/>
+                  </a:lnTo>
+                  <a:lnTo>
+                    <a:pt x="80661" y="42889"/>
+                  </a:lnTo>
+                  <a:lnTo>
+                    <a:pt x="80203" y="43674"/>
+                  </a:lnTo>
+                  <a:lnTo>
+                    <a:pt x="79719" y="44439"/>
+                  </a:lnTo>
+                  <a:lnTo>
+                    <a:pt x="79209" y="45185"/>
+                  </a:lnTo>
+                  <a:lnTo>
+                    <a:pt x="78673" y="45912"/>
+                  </a:lnTo>
+                  <a:lnTo>
+                    <a:pt x="78111" y="46620"/>
+                  </a:lnTo>
+                  <a:lnTo>
+                    <a:pt x="77539" y="47307"/>
+                  </a:lnTo>
+                  <a:lnTo>
+                    <a:pt x="76945" y="47973"/>
+                  </a:lnTo>
+                  <a:lnTo>
+                    <a:pt x="76328" y="48616"/>
+                  </a:lnTo>
+                  <a:lnTo>
+                    <a:pt x="75690" y="49238"/>
+                  </a:lnTo>
+                  <a:lnTo>
+                    <a:pt x="75030" y="49838"/>
+                  </a:lnTo>
+                  <a:lnTo>
+                    <a:pt x="74349" y="50415"/>
+                  </a:lnTo>
+                  <a:lnTo>
+                    <a:pt x="73645" y="50971"/>
+                  </a:lnTo>
+                  <a:lnTo>
+                    <a:pt x="72919" y="51505"/>
+                  </a:lnTo>
+                  <a:lnTo>
+                    <a:pt x="72172" y="52017"/>
+                  </a:lnTo>
+                  <a:lnTo>
+                    <a:pt x="71402" y="52507"/>
+                  </a:lnTo>
+                  <a:lnTo>
+                    <a:pt x="70615" y="52961"/>
+                  </a:lnTo>
+                  <a:lnTo>
+                    <a:pt x="69814" y="53389"/>
+                  </a:lnTo>
+                  <a:lnTo>
+                    <a:pt x="68999" y="53793"/>
+                  </a:lnTo>
+                  <a:lnTo>
+                    <a:pt x="68171" y="54172"/>
+                  </a:lnTo>
+                  <a:lnTo>
+                    <a:pt x="67329" y="54527"/>
+                  </a:lnTo>
+                  <a:lnTo>
+                    <a:pt x="66473" y="54857"/>
+                  </a:lnTo>
+                  <a:lnTo>
+                    <a:pt x="65604" y="55162"/>
+                  </a:lnTo>
+                  <a:lnTo>
+                    <a:pt x="64721" y="55443"/>
+                  </a:lnTo>
+                  <a:lnTo>
+                    <a:pt x="63824" y="55699"/>
+                  </a:lnTo>
+                  <a:lnTo>
+                    <a:pt x="62913" y="55930"/>
+                  </a:lnTo>
+                  <a:lnTo>
+                    <a:pt x="88996" y="96458"/>
+                  </a:lnTo>
+                  <a:close/>
+                </a:path>
+              </a:pathLst>
+            </a:custGeom>
+            <a:solidFill>
+              <a:srgbClr val="FFFFFF">
+                <a:alpha val="100000"/>
+              </a:srgbClr>
+            </a:solidFill>
+          </p:spPr>
+          <p:txBody>
+            <a:bodyPr/>
+            <a:lstStyle/>
+            <a:p/>
+          </p:txBody>
+        </p:sp>
+        <p:sp>
+          <p:nvSpPr>
+            <p:cNvPr id="25" name="pg25"/>
+            <p:cNvSpPr/>
+            <p:nvPr/>
+          </p:nvSpPr>
+          <p:spPr>
+            <a:xfrm>
+              <a:off x="5487462" y="2930941"/>
+              <a:ext cx="43676" cy="28478"/>
+            </a:xfrm>
+            <a:custGeom>
+              <a:avLst/>
+              <a:pathLst>
+                <a:path w="43676" h="28478">
+                  <a:moveTo>
+                    <a:pt x="43676" y="13897"/>
+                  </a:moveTo>
+                  <a:lnTo>
+                    <a:pt x="43630" y="12523"/>
+                  </a:lnTo>
+                  <a:lnTo>
+                    <a:pt x="43490" y="11221"/>
+                  </a:lnTo>
+                  <a:lnTo>
+                    <a:pt x="43257" y="9992"/>
+                  </a:lnTo>
+                  <a:lnTo>
+                    <a:pt x="42931" y="8836"/>
+                  </a:lnTo>
+                  <a:lnTo>
+                    <a:pt x="42512" y="7752"/>
+                  </a:lnTo>
+                  <a:lnTo>
+                    <a:pt x="42000" y="6741"/>
+                  </a:lnTo>
+                  <a:lnTo>
+                    <a:pt x="41395" y="5803"/>
+                  </a:lnTo>
+                  <a:lnTo>
+                    <a:pt x="40697" y="4937"/>
+                  </a:lnTo>
+                  <a:lnTo>
+                    <a:pt x="39906" y="4143"/>
+                  </a:lnTo>
+                  <a:lnTo>
+                    <a:pt x="39021" y="3422"/>
+                  </a:lnTo>
+                  <a:lnTo>
+                    <a:pt x="38064" y="2772"/>
+                  </a:lnTo>
+                  <a:lnTo>
+                    <a:pt x="37028" y="2190"/>
+                  </a:lnTo>
+                  <a:lnTo>
+                    <a:pt x="35912" y="1677"/>
+                  </a:lnTo>
+                  <a:lnTo>
+                    <a:pt x="34716" y="1232"/>
+                  </a:lnTo>
+                  <a:lnTo>
+                    <a:pt x="33442" y="855"/>
+                  </a:lnTo>
+                  <a:lnTo>
+                    <a:pt x="32088" y="547"/>
+                  </a:lnTo>
+                  <a:lnTo>
+                    <a:pt x="30654" y="308"/>
+                  </a:lnTo>
+                  <a:lnTo>
+                    <a:pt x="29141" y="136"/>
+                  </a:lnTo>
+                  <a:lnTo>
+                    <a:pt x="27549" y="34"/>
+                  </a:lnTo>
+                  <a:lnTo>
+                    <a:pt x="25877" y="0"/>
+                  </a:lnTo>
+                  <a:lnTo>
+                    <a:pt x="0" y="0"/>
+                  </a:lnTo>
+                  <a:lnTo>
+                    <a:pt x="0" y="28478"/>
+                  </a:lnTo>
+                  <a:lnTo>
+                    <a:pt x="26425" y="28478"/>
+                  </a:lnTo>
+                  <a:lnTo>
+                    <a:pt x="27315" y="28468"/>
+                  </a:lnTo>
+                  <a:lnTo>
+                    <a:pt x="28180" y="28437"/>
+                  </a:lnTo>
+                  <a:lnTo>
+                    <a:pt x="29019" y="28386"/>
+                  </a:lnTo>
+                  <a:lnTo>
+                    <a:pt x="29831" y="28314"/>
+                  </a:lnTo>
+                  <a:lnTo>
+                    <a:pt x="30618" y="28222"/>
+                  </a:lnTo>
+                  <a:lnTo>
+                    <a:pt x="31378" y="28109"/>
+                  </a:lnTo>
+                  <a:lnTo>
+                    <a:pt x="32113" y="27975"/>
+                  </a:lnTo>
+                  <a:lnTo>
+                    <a:pt x="32821" y="27821"/>
+                  </a:lnTo>
+                  <a:lnTo>
+                    <a:pt x="33504" y="27647"/>
+                  </a:lnTo>
+                  <a:lnTo>
+                    <a:pt x="34160" y="27452"/>
+                  </a:lnTo>
+                  <a:lnTo>
+                    <a:pt x="34805" y="27224"/>
+                  </a:lnTo>
+                  <a:lnTo>
+                    <a:pt x="35426" y="26981"/>
+                  </a:lnTo>
+                  <a:lnTo>
+                    <a:pt x="36021" y="26720"/>
+                  </a:lnTo>
+                  <a:lnTo>
+                    <a:pt x="36592" y="26444"/>
+                  </a:lnTo>
+                  <a:lnTo>
+                    <a:pt x="37138" y="26151"/>
+                  </a:lnTo>
+                  <a:lnTo>
+                    <a:pt x="37660" y="25841"/>
+                  </a:lnTo>
+                  <a:lnTo>
+                    <a:pt x="38157" y="25515"/>
+                  </a:lnTo>
+                  <a:lnTo>
+                    <a:pt x="38629" y="25173"/>
+                  </a:lnTo>
+                  <a:lnTo>
+                    <a:pt x="39077" y="24814"/>
+                  </a:lnTo>
+                  <a:lnTo>
+                    <a:pt x="39500" y="24439"/>
+                  </a:lnTo>
+                  <a:lnTo>
+                    <a:pt x="39914" y="24035"/>
+                  </a:lnTo>
+                  <a:lnTo>
+                    <a:pt x="40305" y="23618"/>
+                  </a:lnTo>
+                  <a:lnTo>
+                    <a:pt x="40675" y="23187"/>
+                  </a:lnTo>
+                  <a:lnTo>
+                    <a:pt x="41023" y="22742"/>
+                  </a:lnTo>
+                  <a:lnTo>
+                    <a:pt x="41349" y="22283"/>
+                  </a:lnTo>
+                  <a:lnTo>
+                    <a:pt x="41653" y="21811"/>
+                  </a:lnTo>
+                  <a:lnTo>
+                    <a:pt x="41935" y="21324"/>
+                  </a:lnTo>
+                  <a:lnTo>
+                    <a:pt x="42195" y="20825"/>
+                  </a:lnTo>
+                  <a:lnTo>
+                    <a:pt x="42433" y="20311"/>
+                  </a:lnTo>
+                  <a:lnTo>
+                    <a:pt x="42649" y="19784"/>
+                  </a:lnTo>
+                  <a:lnTo>
+                    <a:pt x="42844" y="19245"/>
+                  </a:lnTo>
+                  <a:lnTo>
+                    <a:pt x="43019" y="18694"/>
+                  </a:lnTo>
+                  <a:lnTo>
+                    <a:pt x="43173" y="18133"/>
+                  </a:lnTo>
+                  <a:lnTo>
+                    <a:pt x="43307" y="17561"/>
+                  </a:lnTo>
+                  <a:lnTo>
+                    <a:pt x="43420" y="16977"/>
+                  </a:lnTo>
+                  <a:lnTo>
+                    <a:pt x="43512" y="16383"/>
+                  </a:lnTo>
+                  <a:lnTo>
+                    <a:pt x="43584" y="15778"/>
+                  </a:lnTo>
+                  <a:lnTo>
+                    <a:pt x="43635" y="15162"/>
+                  </a:lnTo>
+                  <a:lnTo>
+                    <a:pt x="43666" y="14535"/>
+                  </a:lnTo>
+                  <a:close/>
+                </a:path>
+              </a:pathLst>
+            </a:custGeom>
+            <a:solidFill>
+              <a:srgbClr val="FFFFFF">
+                <a:alpha val="100000"/>
+              </a:srgbClr>
+            </a:solidFill>
+          </p:spPr>
+          <p:txBody>
+            <a:bodyPr/>
+            <a:lstStyle/>
+            <a:p/>
+          </p:txBody>
+        </p:sp>
+        <p:sp>
+          <p:nvSpPr>
+            <p:cNvPr id="26" name="pg26"/>
+            <p:cNvSpPr/>
+            <p:nvPr/>
+          </p:nvSpPr>
+          <p:spPr>
+            <a:xfrm>
+              <a:off x="5568517" y="2915264"/>
+              <a:ext cx="78659" cy="96458"/>
+            </a:xfrm>
+            <a:custGeom>
+              <a:avLst/>
+              <a:pathLst>
+                <a:path w="78659" h="96458">
+                  <a:moveTo>
+                    <a:pt x="0" y="96458"/>
+                  </a:moveTo>
+                  <a:lnTo>
+                    <a:pt x="0" y="0"/>
+                  </a:lnTo>
+                  <a:lnTo>
+                    <a:pt x="75852" y="0"/>
+                  </a:lnTo>
+                  <a:lnTo>
+                    <a:pt x="75852" y="15608"/>
+                  </a:lnTo>
+                  <a:lnTo>
+                    <a:pt x="20195" y="15608"/>
+                  </a:lnTo>
+                  <a:lnTo>
+                    <a:pt x="20195" y="39843"/>
+                  </a:lnTo>
+                  <a:lnTo>
+                    <a:pt x="71676" y="39843"/>
+                  </a:lnTo>
+                  <a:lnTo>
+                    <a:pt x="71676" y="55451"/>
+                  </a:lnTo>
+                  <a:lnTo>
+                    <a:pt x="20195" y="55451"/>
+                  </a:lnTo>
+                  <a:lnTo>
+                    <a:pt x="20195" y="80849"/>
+                  </a:lnTo>
+                  <a:lnTo>
+                    <a:pt x="78659" y="80849"/>
+                  </a:lnTo>
+                  <a:lnTo>
+                    <a:pt x="78659" y="96458"/>
+                  </a:lnTo>
+                  <a:close/>
+                </a:path>
+              </a:pathLst>
+            </a:custGeom>
+            <a:solidFill>
+              <a:srgbClr val="FFFFFF">
+                <a:alpha val="100000"/>
+              </a:srgbClr>
+            </a:solidFill>
+          </p:spPr>
+          <p:txBody>
+            <a:bodyPr/>
+            <a:lstStyle/>
+            <a:p/>
+          </p:txBody>
+        </p:sp>
+        <p:sp>
+          <p:nvSpPr>
+            <p:cNvPr id="27" name="pg27"/>
+            <p:cNvSpPr/>
+            <p:nvPr/>
+          </p:nvSpPr>
+          <p:spPr>
+            <a:xfrm>
+              <a:off x="5653612" y="2915264"/>
+              <a:ext cx="91597" cy="96458"/>
+            </a:xfrm>
+            <a:custGeom>
+              <a:avLst/>
+              <a:pathLst>
+                <a:path w="91597" h="96458">
+                  <a:moveTo>
+                    <a:pt x="56136" y="96458"/>
+                  </a:moveTo>
+                  <a:lnTo>
+                    <a:pt x="35667" y="96458"/>
+                  </a:lnTo>
+                  <a:lnTo>
+                    <a:pt x="0" y="0"/>
+                  </a:lnTo>
+                  <a:lnTo>
+                    <a:pt x="21085" y="0"/>
+                  </a:lnTo>
+                  <a:lnTo>
+                    <a:pt x="40938" y="61955"/>
+                  </a:lnTo>
+                  <a:lnTo>
+                    <a:pt x="41129" y="62572"/>
+                  </a:lnTo>
+                  <a:lnTo>
+                    <a:pt x="41319" y="63193"/>
+                  </a:lnTo>
+                  <a:lnTo>
+                    <a:pt x="41507" y="63816"/>
+                  </a:lnTo>
+                  <a:lnTo>
+                    <a:pt x="41694" y="64441"/>
+                  </a:lnTo>
+                  <a:lnTo>
+                    <a:pt x="41879" y="65070"/>
+                  </a:lnTo>
+                  <a:lnTo>
+                    <a:pt x="42063" y="65701"/>
+                  </a:lnTo>
+                  <a:lnTo>
+                    <a:pt x="42246" y="66335"/>
+                  </a:lnTo>
+                  <a:lnTo>
+                    <a:pt x="42428" y="66971"/>
+                  </a:lnTo>
+                  <a:lnTo>
+                    <a:pt x="42608" y="67611"/>
+                  </a:lnTo>
+                  <a:lnTo>
+                    <a:pt x="42786" y="68253"/>
+                  </a:lnTo>
+                  <a:lnTo>
+                    <a:pt x="42963" y="68891"/>
+                  </a:lnTo>
+                  <a:lnTo>
+                    <a:pt x="43137" y="69518"/>
+                  </a:lnTo>
+                  <a:lnTo>
+                    <a:pt x="43308" y="70134"/>
+                  </a:lnTo>
+                  <a:lnTo>
+                    <a:pt x="43476" y="70739"/>
+                  </a:lnTo>
+                  <a:lnTo>
+                    <a:pt x="43642" y="71334"/>
+                  </a:lnTo>
+                  <a:lnTo>
+                    <a:pt x="43805" y="71917"/>
+                  </a:lnTo>
+                  <a:lnTo>
+                    <a:pt x="43965" y="72489"/>
+                  </a:lnTo>
+                  <a:lnTo>
+                    <a:pt x="44123" y="73051"/>
+                  </a:lnTo>
+                  <a:lnTo>
+                    <a:pt x="44277" y="73601"/>
+                  </a:lnTo>
+                  <a:lnTo>
+                    <a:pt x="44429" y="74140"/>
+                  </a:lnTo>
+                  <a:lnTo>
+                    <a:pt x="44593" y="74768"/>
+                  </a:lnTo>
+                  <a:lnTo>
+                    <a:pt x="44755" y="75389"/>
+                  </a:lnTo>
+                  <a:lnTo>
+                    <a:pt x="44916" y="76005"/>
+                  </a:lnTo>
+                  <a:lnTo>
+                    <a:pt x="45076" y="76616"/>
+                  </a:lnTo>
+                  <a:lnTo>
+                    <a:pt x="45234" y="77221"/>
+                  </a:lnTo>
+                  <a:lnTo>
+                    <a:pt x="45390" y="77821"/>
+                  </a:lnTo>
+                  <a:lnTo>
+                    <a:pt x="45546" y="78415"/>
+                  </a:lnTo>
+                  <a:lnTo>
+                    <a:pt x="45700" y="79004"/>
+                  </a:lnTo>
+                  <a:lnTo>
+                    <a:pt x="45853" y="79587"/>
+                  </a:lnTo>
+                  <a:lnTo>
+                    <a:pt x="46004" y="80165"/>
+                  </a:lnTo>
+                  <a:lnTo>
+                    <a:pt x="46141" y="79601"/>
+                  </a:lnTo>
+                  <a:lnTo>
+                    <a:pt x="46280" y="79031"/>
+                  </a:lnTo>
+                  <a:lnTo>
+                    <a:pt x="46421" y="78456"/>
+                  </a:lnTo>
+                  <a:lnTo>
+                    <a:pt x="46562" y="77876"/>
+                  </a:lnTo>
+                  <a:lnTo>
+                    <a:pt x="46706" y="77290"/>
+                  </a:lnTo>
+                  <a:lnTo>
+                    <a:pt x="46850" y="76698"/>
+                  </a:lnTo>
+                  <a:lnTo>
+                    <a:pt x="46996" y="76101"/>
+                  </a:lnTo>
+                  <a:lnTo>
+                    <a:pt x="47143" y="75499"/>
+                  </a:lnTo>
+                  <a:lnTo>
+                    <a:pt x="47292" y="74891"/>
+                  </a:lnTo>
+                  <a:lnTo>
+                    <a:pt x="47442" y="74277"/>
+                  </a:lnTo>
+                  <a:lnTo>
+                    <a:pt x="47580" y="73751"/>
+                  </a:lnTo>
+                  <a:lnTo>
+                    <a:pt x="47724" y="73212"/>
+                  </a:lnTo>
+                  <a:lnTo>
+                    <a:pt x="47871" y="72661"/>
+                  </a:lnTo>
+                  <a:lnTo>
+                    <a:pt x="48022" y="72098"/>
+                  </a:lnTo>
+                  <a:lnTo>
+                    <a:pt x="48177" y="71522"/>
+                  </a:lnTo>
+                  <a:lnTo>
+                    <a:pt x="48337" y="70934"/>
+                  </a:lnTo>
+                  <a:lnTo>
+                    <a:pt x="48501" y="70333"/>
+                  </a:lnTo>
+                  <a:lnTo>
+                    <a:pt x="48668" y="69721"/>
+                  </a:lnTo>
+                  <a:lnTo>
+                    <a:pt x="48840" y="69096"/>
+                  </a:lnTo>
+                  <a:lnTo>
+                    <a:pt x="49016" y="68458"/>
+                  </a:lnTo>
+                  <a:lnTo>
+                    <a:pt x="49208" y="67802"/>
+                  </a:lnTo>
+                  <a:lnTo>
+                    <a:pt x="49399" y="67147"/>
+                  </a:lnTo>
+                  <a:lnTo>
+                    <a:pt x="49591" y="66493"/>
+                  </a:lnTo>
+                  <a:lnTo>
+                    <a:pt x="49783" y="65841"/>
+                  </a:lnTo>
+                  <a:lnTo>
+                    <a:pt x="49974" y="65189"/>
+                  </a:lnTo>
+                  <a:lnTo>
+                    <a:pt x="50166" y="64540"/>
+                  </a:lnTo>
+                  <a:lnTo>
+                    <a:pt x="50358" y="63891"/>
+                  </a:lnTo>
+                  <a:lnTo>
+                    <a:pt x="50550" y="63245"/>
+                  </a:lnTo>
+                  <a:lnTo>
+                    <a:pt x="50741" y="62599"/>
+                  </a:lnTo>
+                  <a:lnTo>
+                    <a:pt x="50933" y="61955"/>
+                  </a:lnTo>
+                  <a:lnTo>
+                    <a:pt x="70718" y="0"/>
+                  </a:lnTo>
+                  <a:lnTo>
+                    <a:pt x="91597" y="0"/>
+                  </a:lnTo>
+                  <a:close/>
+                </a:path>
+              </a:pathLst>
+            </a:custGeom>
+            <a:solidFill>
+              <a:srgbClr val="FFFFFF">
+                <a:alpha val="100000"/>
+              </a:srgbClr>
+            </a:solidFill>
+          </p:spPr>
+          <p:txBody>
+            <a:bodyPr/>
+            <a:lstStyle/>
+            <a:p/>
+          </p:txBody>
+        </p:sp>
+        <p:sp>
+          <p:nvSpPr>
+            <p:cNvPr id="28" name="pg28"/>
+            <p:cNvSpPr/>
+            <p:nvPr/>
+          </p:nvSpPr>
+          <p:spPr>
+            <a:xfrm>
+              <a:off x="5755547" y="2915264"/>
+              <a:ext cx="20195" cy="96458"/>
+            </a:xfrm>
+            <a:custGeom>
+              <a:avLst/>
+              <a:pathLst>
+                <a:path w="20195" h="96458">
+                  <a:moveTo>
+                    <a:pt x="0" y="96458"/>
+                  </a:moveTo>
+                  <a:lnTo>
+                    <a:pt x="0" y="0"/>
+                  </a:lnTo>
+                  <a:lnTo>
+                    <a:pt x="20195" y="0"/>
+                  </a:lnTo>
+                  <a:lnTo>
+                    <a:pt x="20195" y="96458"/>
+                  </a:lnTo>
+                  <a:close/>
+                </a:path>
+              </a:pathLst>
+            </a:custGeom>
+            <a:solidFill>
+              <a:srgbClr val="FFFFFF">
+                <a:alpha val="100000"/>
+              </a:srgbClr>
+            </a:solidFill>
+          </p:spPr>
+          <p:txBody>
+            <a:bodyPr/>
+            <a:lstStyle/>
+            <a:p/>
+          </p:txBody>
+        </p:sp>
+        <p:sp>
+          <p:nvSpPr>
+            <p:cNvPr id="29" name="pg29"/>
+            <p:cNvSpPr/>
+            <p:nvPr/>
+          </p:nvSpPr>
+          <p:spPr>
+            <a:xfrm>
+              <a:off x="5794500" y="2915264"/>
+              <a:ext cx="78659" cy="96458"/>
+            </a:xfrm>
+            <a:custGeom>
+              <a:avLst/>
+              <a:pathLst>
+                <a:path w="78659" h="96458">
+                  <a:moveTo>
+                    <a:pt x="0" y="96458"/>
+                  </a:moveTo>
+                  <a:lnTo>
+                    <a:pt x="0" y="0"/>
+                  </a:lnTo>
+                  <a:lnTo>
+                    <a:pt x="75852" y="0"/>
+                  </a:lnTo>
+                  <a:lnTo>
+                    <a:pt x="75852" y="15608"/>
+                  </a:lnTo>
+                  <a:lnTo>
+                    <a:pt x="20195" y="15608"/>
+                  </a:lnTo>
+                  <a:lnTo>
+                    <a:pt x="20195" y="39843"/>
+                  </a:lnTo>
+                  <a:lnTo>
+                    <a:pt x="71676" y="39843"/>
+                  </a:lnTo>
+                  <a:lnTo>
+                    <a:pt x="71676" y="55451"/>
+                  </a:lnTo>
+                  <a:lnTo>
+                    <a:pt x="20195" y="55451"/>
+                  </a:lnTo>
+                  <a:lnTo>
+                    <a:pt x="20195" y="80849"/>
+                  </a:lnTo>
+                  <a:lnTo>
+                    <a:pt x="78659" y="80849"/>
+                  </a:lnTo>
+                  <a:lnTo>
+                    <a:pt x="78659" y="96458"/>
+                  </a:lnTo>
+                  <a:close/>
+                </a:path>
+              </a:pathLst>
+            </a:custGeom>
+            <a:solidFill>
+              <a:srgbClr val="FFFFFF">
+                <a:alpha val="100000"/>
+              </a:srgbClr>
+            </a:solidFill>
+          </p:spPr>
+          <p:txBody>
+            <a:bodyPr/>
+            <a:lstStyle/>
+            <a:p/>
+          </p:txBody>
+        </p:sp>
+        <p:sp>
+          <p:nvSpPr>
+            <p:cNvPr id="30" name="pg30"/>
+            <p:cNvSpPr/>
+            <p:nvPr/>
+          </p:nvSpPr>
+          <p:spPr>
+            <a:xfrm>
+              <a:off x="5878773" y="2915264"/>
+              <a:ext cx="132057" cy="96458"/>
+            </a:xfrm>
+            <a:custGeom>
+              <a:avLst/>
+              <a:pathLst>
+                <a:path w="132057" h="96458">
+                  <a:moveTo>
+                    <a:pt x="107138" y="96458"/>
+                  </a:moveTo>
+                  <a:lnTo>
+                    <a:pt x="83177" y="96458"/>
+                  </a:lnTo>
+                  <a:lnTo>
+                    <a:pt x="70101" y="40664"/>
+                  </a:lnTo>
+                  <a:lnTo>
+                    <a:pt x="69977" y="40148"/>
+                  </a:lnTo>
+                  <a:lnTo>
+                    <a:pt x="69849" y="39613"/>
+                  </a:lnTo>
+                  <a:lnTo>
+                    <a:pt x="69719" y="39058"/>
+                  </a:lnTo>
+                  <a:lnTo>
+                    <a:pt x="69587" y="38484"/>
+                  </a:lnTo>
+                  <a:lnTo>
+                    <a:pt x="69451" y="37891"/>
+                  </a:lnTo>
+                  <a:lnTo>
+                    <a:pt x="69313" y="37279"/>
+                  </a:lnTo>
+                  <a:lnTo>
+                    <a:pt x="69172" y="36648"/>
+                  </a:lnTo>
+                  <a:lnTo>
+                    <a:pt x="69028" y="35998"/>
+                  </a:lnTo>
+                  <a:lnTo>
+                    <a:pt x="68881" y="35328"/>
+                  </a:lnTo>
+                  <a:lnTo>
+                    <a:pt x="68732" y="34640"/>
+                  </a:lnTo>
+                  <a:lnTo>
+                    <a:pt x="68596" y="33943"/>
+                  </a:lnTo>
+                  <a:lnTo>
+                    <a:pt x="68461" y="33251"/>
+                  </a:lnTo>
+                  <a:lnTo>
+                    <a:pt x="68328" y="32563"/>
+                  </a:lnTo>
+                  <a:lnTo>
+                    <a:pt x="68196" y="31879"/>
+                  </a:lnTo>
+                  <a:lnTo>
+                    <a:pt x="68065" y="31200"/>
+                  </a:lnTo>
+                  <a:lnTo>
+                    <a:pt x="67935" y="30524"/>
+                  </a:lnTo>
+                  <a:lnTo>
+                    <a:pt x="67807" y="29852"/>
+                  </a:lnTo>
+                  <a:lnTo>
+                    <a:pt x="67681" y="29185"/>
+                  </a:lnTo>
+                  <a:lnTo>
+                    <a:pt x="67555" y="28522"/>
+                  </a:lnTo>
+                  <a:lnTo>
+                    <a:pt x="67432" y="27862"/>
+                  </a:lnTo>
+                  <a:lnTo>
+                    <a:pt x="67282" y="27106"/>
+                  </a:lnTo>
+                  <a:lnTo>
+                    <a:pt x="67136" y="26345"/>
+                  </a:lnTo>
+                  <a:lnTo>
+                    <a:pt x="66992" y="25578"/>
+                  </a:lnTo>
+                  <a:lnTo>
+                    <a:pt x="66851" y="24806"/>
+                  </a:lnTo>
+                  <a:lnTo>
+                    <a:pt x="66713" y="24029"/>
+                  </a:lnTo>
+                  <a:lnTo>
+                    <a:pt x="66577" y="23245"/>
+                  </a:lnTo>
+                  <a:lnTo>
+                    <a:pt x="66444" y="22457"/>
+                  </a:lnTo>
+                  <a:lnTo>
+                    <a:pt x="66314" y="21663"/>
+                  </a:lnTo>
+                  <a:lnTo>
+                    <a:pt x="66187" y="20863"/>
+                  </a:lnTo>
+                  <a:lnTo>
+                    <a:pt x="66062" y="20058"/>
+                  </a:lnTo>
+                  <a:lnTo>
+                    <a:pt x="65912" y="20864"/>
+                  </a:lnTo>
+                  <a:lnTo>
+                    <a:pt x="65761" y="21665"/>
+                  </a:lnTo>
+                  <a:lnTo>
+                    <a:pt x="65610" y="22463"/>
+                  </a:lnTo>
+                  <a:lnTo>
+                    <a:pt x="65460" y="23256"/>
+                  </a:lnTo>
+                  <a:lnTo>
+                    <a:pt x="65309" y="24046"/>
+                  </a:lnTo>
+                  <a:lnTo>
+                    <a:pt x="65159" y="24831"/>
+                  </a:lnTo>
+                  <a:lnTo>
+                    <a:pt x="65008" y="25612"/>
+                  </a:lnTo>
+                  <a:lnTo>
+                    <a:pt x="64857" y="26389"/>
+                  </a:lnTo>
+                  <a:lnTo>
+                    <a:pt x="64707" y="27162"/>
+                  </a:lnTo>
+                  <a:lnTo>
+                    <a:pt x="64556" y="27931"/>
+                  </a:lnTo>
+                  <a:lnTo>
+                    <a:pt x="64488" y="28261"/>
+                  </a:lnTo>
+                  <a:lnTo>
+                    <a:pt x="64419" y="28593"/>
+                  </a:lnTo>
+                  <a:lnTo>
+                    <a:pt x="64351" y="28929"/>
+                  </a:lnTo>
+                  <a:lnTo>
+                    <a:pt x="64282" y="29267"/>
+                  </a:lnTo>
+                  <a:lnTo>
+                    <a:pt x="64214" y="29608"/>
+                  </a:lnTo>
+                  <a:lnTo>
+                    <a:pt x="64145" y="29952"/>
+                  </a:lnTo>
+                  <a:lnTo>
+                    <a:pt x="64077" y="30298"/>
+                  </a:lnTo>
+                  <a:lnTo>
+                    <a:pt x="64009" y="30647"/>
+                  </a:lnTo>
+                  <a:lnTo>
+                    <a:pt x="63940" y="30999"/>
+                  </a:lnTo>
+                  <a:lnTo>
+                    <a:pt x="63872" y="31354"/>
+                  </a:lnTo>
+                  <a:lnTo>
+                    <a:pt x="63802" y="31696"/>
+                  </a:lnTo>
+                  <a:lnTo>
+                    <a:pt x="63732" y="32038"/>
+                  </a:lnTo>
+                  <a:lnTo>
+                    <a:pt x="63660" y="32381"/>
+                  </a:lnTo>
+                  <a:lnTo>
+                    <a:pt x="63587" y="32723"/>
+                  </a:lnTo>
+                  <a:lnTo>
+                    <a:pt x="63512" y="33065"/>
+                  </a:lnTo>
+                  <a:lnTo>
+                    <a:pt x="63436" y="33407"/>
+                  </a:lnTo>
+                  <a:lnTo>
+                    <a:pt x="63359" y="33750"/>
+                  </a:lnTo>
+                  <a:lnTo>
+                    <a:pt x="63280" y="34092"/>
+                  </a:lnTo>
+                  <a:lnTo>
+                    <a:pt x="63200" y="34434"/>
+                  </a:lnTo>
+                  <a:lnTo>
+                    <a:pt x="63119" y="34777"/>
+                  </a:lnTo>
+                  <a:lnTo>
+                    <a:pt x="63050" y="35104"/>
+                  </a:lnTo>
+                  <a:lnTo>
+                    <a:pt x="62982" y="35428"/>
+                  </a:lnTo>
+                  <a:lnTo>
+                    <a:pt x="62913" y="35750"/>
+                  </a:lnTo>
+                  <a:lnTo>
+                    <a:pt x="62845" y="36069"/>
+                  </a:lnTo>
+                  <a:lnTo>
+                    <a:pt x="62776" y="36385"/>
+                  </a:lnTo>
+                  <a:lnTo>
+                    <a:pt x="62708" y="36699"/>
+                  </a:lnTo>
+                  <a:lnTo>
+                    <a:pt x="62639" y="37010"/>
+                  </a:lnTo>
+                  <a:lnTo>
+                    <a:pt x="62571" y="37318"/>
+                  </a:lnTo>
+                  <a:lnTo>
+                    <a:pt x="62502" y="37623"/>
+                  </a:lnTo>
+                  <a:lnTo>
+                    <a:pt x="62434" y="37926"/>
+                  </a:lnTo>
+                  <a:lnTo>
+                    <a:pt x="62379" y="38224"/>
+                  </a:lnTo>
+                  <a:lnTo>
+                    <a:pt x="62322" y="38517"/>
+                  </a:lnTo>
+                  <a:lnTo>
+                    <a:pt x="62264" y="38805"/>
+                  </a:lnTo>
+                  <a:lnTo>
+                    <a:pt x="62204" y="39087"/>
+                  </a:lnTo>
+                  <a:lnTo>
+                    <a:pt x="62143" y="39363"/>
+                  </a:lnTo>
+                  <a:lnTo>
+                    <a:pt x="62081" y="39634"/>
+                  </a:lnTo>
+                  <a:lnTo>
+                    <a:pt x="62017" y="39900"/>
+                  </a:lnTo>
+                  <a:lnTo>
+                    <a:pt x="61952" y="40160"/>
+                  </a:lnTo>
+                  <a:lnTo>
+                    <a:pt x="61886" y="40415"/>
+                  </a:lnTo>
+                  <a:lnTo>
+                    <a:pt x="61818" y="40664"/>
+                  </a:lnTo>
+                  <a:lnTo>
+                    <a:pt x="48811" y="96458"/>
+                  </a:lnTo>
+                  <a:lnTo>
+                    <a:pt x="24850" y="96458"/>
+                  </a:lnTo>
+                  <a:lnTo>
+                    <a:pt x="0" y="0"/>
+                  </a:lnTo>
+                  <a:lnTo>
+                    <a:pt x="20469" y="0"/>
+                  </a:lnTo>
+                  <a:lnTo>
+                    <a:pt x="32517" y="53671"/>
+                  </a:lnTo>
+                  <a:lnTo>
+                    <a:pt x="32721" y="54546"/>
+                  </a:lnTo>
+                  <a:lnTo>
+                    <a:pt x="32923" y="55418"/>
+                  </a:lnTo>
+                  <a:lnTo>
+                    <a:pt x="33121" y="56288"/>
+                  </a:lnTo>
+                  <a:lnTo>
+                    <a:pt x="33317" y="57154"/>
+                  </a:lnTo>
+                  <a:lnTo>
+                    <a:pt x="33510" y="58018"/>
+                  </a:lnTo>
+                  <a:lnTo>
+                    <a:pt x="33700" y="58880"/>
+                  </a:lnTo>
+                  <a:lnTo>
+                    <a:pt x="33888" y="59738"/>
+                  </a:lnTo>
+                  <a:lnTo>
+                    <a:pt x="34073" y="60594"/>
+                  </a:lnTo>
+                  <a:lnTo>
+                    <a:pt x="34255" y="61447"/>
+                  </a:lnTo>
+                  <a:lnTo>
+                    <a:pt x="34434" y="62297"/>
+                  </a:lnTo>
+                  <a:lnTo>
+                    <a:pt x="34611" y="63137"/>
+                  </a:lnTo>
+                  <a:lnTo>
+                    <a:pt x="34785" y="63959"/>
+                  </a:lnTo>
+                  <a:lnTo>
+                    <a:pt x="34956" y="64764"/>
+                  </a:lnTo>
+                  <a:lnTo>
+                    <a:pt x="35124" y="65550"/>
+                  </a:lnTo>
+                  <a:lnTo>
+                    <a:pt x="35290" y="66319"/>
+                  </a:lnTo>
+                  <a:lnTo>
+                    <a:pt x="35453" y="67070"/>
+                  </a:lnTo>
+                  <a:lnTo>
+                    <a:pt x="35613" y="67803"/>
+                  </a:lnTo>
+                  <a:lnTo>
+                    <a:pt x="35771" y="68519"/>
+                  </a:lnTo>
+                  <a:lnTo>
+                    <a:pt x="35925" y="69216"/>
+                  </a:lnTo>
+                  <a:lnTo>
+                    <a:pt x="36077" y="69896"/>
+                  </a:lnTo>
+                  <a:lnTo>
+                    <a:pt x="36240" y="70673"/>
+                  </a:lnTo>
+                  <a:lnTo>
+                    <a:pt x="36400" y="71443"/>
+                  </a:lnTo>
+                  <a:lnTo>
+                    <a:pt x="36558" y="72207"/>
+                  </a:lnTo>
+                  <a:lnTo>
+                    <a:pt x="36713" y="72963"/>
+                  </a:lnTo>
+                  <a:lnTo>
+                    <a:pt x="36865" y="73713"/>
+                  </a:lnTo>
+                  <a:lnTo>
+                    <a:pt x="37014" y="74455"/>
+                  </a:lnTo>
+                  <a:lnTo>
+                    <a:pt x="37160" y="75191"/>
+                  </a:lnTo>
+                  <a:lnTo>
+                    <a:pt x="37304" y="75920"/>
+                  </a:lnTo>
+                  <a:lnTo>
+                    <a:pt x="37445" y="76643"/>
+                  </a:lnTo>
+                  <a:lnTo>
+                    <a:pt x="37583" y="77358"/>
+                  </a:lnTo>
+                  <a:lnTo>
+                    <a:pt x="37788" y="76348"/>
+                  </a:lnTo>
+                  <a:lnTo>
+                    <a:pt x="37991" y="75343"/>
+                  </a:lnTo>
+                  <a:lnTo>
+                    <a:pt x="38193" y="74343"/>
+                  </a:lnTo>
+                  <a:lnTo>
+                    <a:pt x="38394" y="73349"/>
+                  </a:lnTo>
+                  <a:lnTo>
+                    <a:pt x="38593" y="72361"/>
+                  </a:lnTo>
+                  <a:lnTo>
+                    <a:pt x="38791" y="71377"/>
+                  </a:lnTo>
+                  <a:lnTo>
+                    <a:pt x="38988" y="70400"/>
+                  </a:lnTo>
+                  <a:lnTo>
+                    <a:pt x="39183" y="69428"/>
+                  </a:lnTo>
+                  <a:lnTo>
+                    <a:pt x="39376" y="68461"/>
+                  </a:lnTo>
+                  <a:lnTo>
+                    <a:pt x="39569" y="67500"/>
+                  </a:lnTo>
+                  <a:lnTo>
+                    <a:pt x="39652" y="67088"/>
+                  </a:lnTo>
+                  <a:lnTo>
+                    <a:pt x="39736" y="66673"/>
+                  </a:lnTo>
+                  <a:lnTo>
+                    <a:pt x="39821" y="66255"/>
+                  </a:lnTo>
+                  <a:lnTo>
+                    <a:pt x="39908" y="65835"/>
+                  </a:lnTo>
+                  <a:lnTo>
+                    <a:pt x="39997" y="65412"/>
+                  </a:lnTo>
+                  <a:lnTo>
+                    <a:pt x="40086" y="64986"/>
+                  </a:lnTo>
+                  <a:lnTo>
+                    <a:pt x="40177" y="64558"/>
+                  </a:lnTo>
+                  <a:lnTo>
+                    <a:pt x="40270" y="64126"/>
+                  </a:lnTo>
+                  <a:lnTo>
+                    <a:pt x="40364" y="63692"/>
+                  </a:lnTo>
+                  <a:lnTo>
+                    <a:pt x="40459" y="63256"/>
+                  </a:lnTo>
+                  <a:lnTo>
+                    <a:pt x="40554" y="62818"/>
+                  </a:lnTo>
+                  <a:lnTo>
+                    <a:pt x="40648" y="62382"/>
+                  </a:lnTo>
+                  <a:lnTo>
+                    <a:pt x="40740" y="61947"/>
+                  </a:lnTo>
+                  <a:lnTo>
+                    <a:pt x="40831" y="61514"/>
+                  </a:lnTo>
+                  <a:lnTo>
+                    <a:pt x="40921" y="61082"/>
+                  </a:lnTo>
+                  <a:lnTo>
+                    <a:pt x="41009" y="60651"/>
+                  </a:lnTo>
+                  <a:lnTo>
+                    <a:pt x="41096" y="60222"/>
+                  </a:lnTo>
+                  <a:lnTo>
+                    <a:pt x="41182" y="59794"/>
+                  </a:lnTo>
+                  <a:lnTo>
+                    <a:pt x="41266" y="59368"/>
+                  </a:lnTo>
+                  <a:lnTo>
+                    <a:pt x="41349" y="58943"/>
+                  </a:lnTo>
+                  <a:lnTo>
+                    <a:pt x="41444" y="58520"/>
+                  </a:lnTo>
+                  <a:lnTo>
+                    <a:pt x="41538" y="58102"/>
+                  </a:lnTo>
+                  <a:lnTo>
+                    <a:pt x="41630" y="57688"/>
+                  </a:lnTo>
+                  <a:lnTo>
+                    <a:pt x="41721" y="57278"/>
+                  </a:lnTo>
+                  <a:lnTo>
+                    <a:pt x="41811" y="56872"/>
+                  </a:lnTo>
+                  <a:lnTo>
+                    <a:pt x="41899" y="56470"/>
+                  </a:lnTo>
+                  <a:lnTo>
+                    <a:pt x="41986" y="56072"/>
+                  </a:lnTo>
+                  <a:lnTo>
+                    <a:pt x="42072" y="55678"/>
+                  </a:lnTo>
+                  <a:lnTo>
+                    <a:pt x="42156" y="55289"/>
+                  </a:lnTo>
+                  <a:lnTo>
+                    <a:pt x="42239" y="54904"/>
+                  </a:lnTo>
+                  <a:lnTo>
+                    <a:pt x="42333" y="54511"/>
+                  </a:lnTo>
+                  <a:lnTo>
+                    <a:pt x="42425" y="54126"/>
+                  </a:lnTo>
+                  <a:lnTo>
+                    <a:pt x="42514" y="53749"/>
+                  </a:lnTo>
+                  <a:lnTo>
+                    <a:pt x="42600" y="53381"/>
+                  </a:lnTo>
+                  <a:lnTo>
+                    <a:pt x="42684" y="53021"/>
+                  </a:lnTo>
+                  <a:lnTo>
+                    <a:pt x="42764" y="52669"/>
+                  </a:lnTo>
+                  <a:lnTo>
+                    <a:pt x="42842" y="52325"/>
+                  </a:lnTo>
+                  <a:lnTo>
+                    <a:pt x="42918" y="51990"/>
+                  </a:lnTo>
+                  <a:lnTo>
+                    <a:pt x="42990" y="51663"/>
+                  </a:lnTo>
+                  <a:lnTo>
+                    <a:pt x="43060" y="51344"/>
+                  </a:lnTo>
+                  <a:lnTo>
+                    <a:pt x="54972" y="0"/>
+                  </a:lnTo>
+                  <a:lnTo>
+                    <a:pt x="77563" y="0"/>
+                  </a:lnTo>
+                  <a:lnTo>
+                    <a:pt x="89749" y="51344"/>
+                  </a:lnTo>
+                  <a:lnTo>
+                    <a:pt x="89831" y="51676"/>
+                  </a:lnTo>
+                  <a:lnTo>
+                    <a:pt x="89913" y="52017"/>
+                  </a:lnTo>
+                  <a:lnTo>
+                    <a:pt x="89996" y="52366"/>
+                  </a:lnTo>
+                  <a:lnTo>
+                    <a:pt x="90078" y="52724"/>
+                  </a:lnTo>
+                  <a:lnTo>
+                    <a:pt x="90160" y="53089"/>
+                  </a:lnTo>
+                  <a:lnTo>
+                    <a:pt x="90242" y="53463"/>
+                  </a:lnTo>
+                  <a:lnTo>
+                    <a:pt x="90324" y="53845"/>
+                  </a:lnTo>
+                  <a:lnTo>
+                    <a:pt x="90406" y="54235"/>
+                  </a:lnTo>
+                  <a:lnTo>
+                    <a:pt x="90488" y="54634"/>
+                  </a:lnTo>
+                  <a:lnTo>
+                    <a:pt x="90571" y="55040"/>
+                  </a:lnTo>
+                  <a:lnTo>
+                    <a:pt x="90653" y="55440"/>
+                  </a:lnTo>
+                  <a:lnTo>
+                    <a:pt x="90735" y="55843"/>
+                  </a:lnTo>
+                  <a:lnTo>
+                    <a:pt x="90817" y="56250"/>
+                  </a:lnTo>
+                  <a:lnTo>
+                    <a:pt x="90899" y="56662"/>
+                  </a:lnTo>
+                  <a:lnTo>
+                    <a:pt x="90981" y="57077"/>
+                  </a:lnTo>
+                  <a:lnTo>
+                    <a:pt x="91064" y="57497"/>
+                  </a:lnTo>
+                  <a:lnTo>
+                    <a:pt x="91146" y="57921"/>
+                  </a:lnTo>
+                  <a:lnTo>
+                    <a:pt x="91228" y="58348"/>
+                  </a:lnTo>
+                  <a:lnTo>
+                    <a:pt x="91310" y="58780"/>
+                  </a:lnTo>
+                  <a:lnTo>
+                    <a:pt x="91392" y="59216"/>
+                  </a:lnTo>
+                  <a:lnTo>
+                    <a:pt x="91474" y="59642"/>
+                  </a:lnTo>
+                  <a:lnTo>
+                    <a:pt x="91556" y="60068"/>
+                  </a:lnTo>
+                  <a:lnTo>
+                    <a:pt x="91639" y="60496"/>
+                  </a:lnTo>
+                  <a:lnTo>
+                    <a:pt x="91721" y="60925"/>
+                  </a:lnTo>
+                  <a:lnTo>
+                    <a:pt x="91803" y="61356"/>
+                  </a:lnTo>
+                  <a:lnTo>
+                    <a:pt x="91885" y="61788"/>
+                  </a:lnTo>
+                  <a:lnTo>
+                    <a:pt x="91967" y="62221"/>
+                  </a:lnTo>
+                  <a:lnTo>
+                    <a:pt x="92049" y="62656"/>
+                  </a:lnTo>
+                  <a:lnTo>
+                    <a:pt x="92131" y="63092"/>
+                  </a:lnTo>
+                  <a:lnTo>
+                    <a:pt x="92214" y="63529"/>
+                  </a:lnTo>
+                  <a:lnTo>
+                    <a:pt x="92295" y="63953"/>
+                  </a:lnTo>
+                  <a:lnTo>
+                    <a:pt x="92375" y="64375"/>
+                  </a:lnTo>
+                  <a:lnTo>
+                    <a:pt x="92454" y="64797"/>
+                  </a:lnTo>
+                  <a:lnTo>
+                    <a:pt x="92531" y="65216"/>
+                  </a:lnTo>
+                  <a:lnTo>
+                    <a:pt x="92607" y="65634"/>
+                  </a:lnTo>
+                  <a:lnTo>
+                    <a:pt x="92682" y="66051"/>
+                  </a:lnTo>
+                  <a:lnTo>
+                    <a:pt x="92755" y="66467"/>
+                  </a:lnTo>
+                  <a:lnTo>
+                    <a:pt x="92827" y="66881"/>
+                  </a:lnTo>
+                  <a:lnTo>
+                    <a:pt x="92898" y="67294"/>
+                  </a:lnTo>
+                  <a:lnTo>
+                    <a:pt x="92967" y="67705"/>
+                  </a:lnTo>
+                  <a:lnTo>
+                    <a:pt x="93131" y="68664"/>
+                  </a:lnTo>
+                  <a:lnTo>
+                    <a:pt x="93295" y="69625"/>
+                  </a:lnTo>
+                  <a:lnTo>
+                    <a:pt x="93460" y="70587"/>
+                  </a:lnTo>
+                  <a:lnTo>
+                    <a:pt x="93624" y="71550"/>
+                  </a:lnTo>
+                  <a:lnTo>
+                    <a:pt x="93788" y="72515"/>
+                  </a:lnTo>
+                  <a:lnTo>
+                    <a:pt x="93952" y="73481"/>
+                  </a:lnTo>
+                  <a:lnTo>
+                    <a:pt x="94117" y="74448"/>
+                  </a:lnTo>
+                  <a:lnTo>
+                    <a:pt x="94281" y="75417"/>
+                  </a:lnTo>
+                  <a:lnTo>
+                    <a:pt x="94445" y="76387"/>
+                  </a:lnTo>
+                  <a:lnTo>
+                    <a:pt x="94610" y="77358"/>
+                  </a:lnTo>
+                  <a:lnTo>
+                    <a:pt x="94775" y="76589"/>
+                  </a:lnTo>
+                  <a:lnTo>
+                    <a:pt x="94941" y="75814"/>
+                  </a:lnTo>
+                  <a:lnTo>
+                    <a:pt x="95109" y="75033"/>
+                  </a:lnTo>
+                  <a:lnTo>
+                    <a:pt x="95278" y="74247"/>
+                  </a:lnTo>
+                  <a:lnTo>
+                    <a:pt x="95448" y="73456"/>
+                  </a:lnTo>
+                  <a:lnTo>
+                    <a:pt x="95620" y="72659"/>
+                  </a:lnTo>
+                  <a:lnTo>
+                    <a:pt x="95793" y="71857"/>
+                  </a:lnTo>
+                  <a:lnTo>
+                    <a:pt x="95968" y="71049"/>
+                  </a:lnTo>
+                  <a:lnTo>
+                    <a:pt x="96144" y="70236"/>
+                  </a:lnTo>
+                  <a:lnTo>
+                    <a:pt x="96321" y="69417"/>
+                  </a:lnTo>
+                  <a:lnTo>
+                    <a:pt x="96474" y="68712"/>
+                  </a:lnTo>
+                  <a:lnTo>
+                    <a:pt x="96631" y="67993"/>
+                  </a:lnTo>
+                  <a:lnTo>
+                    <a:pt x="96791" y="67260"/>
+                  </a:lnTo>
+                  <a:lnTo>
+                    <a:pt x="96956" y="66514"/>
+                  </a:lnTo>
+                  <a:lnTo>
+                    <a:pt x="97126" y="65754"/>
+                  </a:lnTo>
+                  <a:lnTo>
+                    <a:pt x="97299" y="64981"/>
+                  </a:lnTo>
+                  <a:lnTo>
+                    <a:pt x="97476" y="64193"/>
+                  </a:lnTo>
+                  <a:lnTo>
+                    <a:pt x="97657" y="63392"/>
+                  </a:lnTo>
+                  <a:lnTo>
+                    <a:pt x="97843" y="62578"/>
+                  </a:lnTo>
+                  <a:lnTo>
+                    <a:pt x="98033" y="61749"/>
+                  </a:lnTo>
+                  <a:lnTo>
+                    <a:pt x="98224" y="60917"/>
+                  </a:lnTo>
+                  <a:lnTo>
+                    <a:pt x="98416" y="60090"/>
+                  </a:lnTo>
+                  <a:lnTo>
+                    <a:pt x="98608" y="59268"/>
+                  </a:lnTo>
+                  <a:lnTo>
+                    <a:pt x="98799" y="58452"/>
+                  </a:lnTo>
+                  <a:lnTo>
+                    <a:pt x="98991" y="57642"/>
+                  </a:lnTo>
+                  <a:lnTo>
+                    <a:pt x="99183" y="56837"/>
+                  </a:lnTo>
+                  <a:lnTo>
+                    <a:pt x="99374" y="56037"/>
+                  </a:lnTo>
+                  <a:lnTo>
+                    <a:pt x="99566" y="55243"/>
+                  </a:lnTo>
+                  <a:lnTo>
+                    <a:pt x="99758" y="54454"/>
+                  </a:lnTo>
+                  <a:lnTo>
+                    <a:pt x="99949" y="53671"/>
+                  </a:lnTo>
+                  <a:lnTo>
+                    <a:pt x="111587" y="0"/>
+                  </a:lnTo>
+                  <a:lnTo>
+                    <a:pt x="132057" y="0"/>
+                  </a:lnTo>
+                  <a:close/>
+                </a:path>
+              </a:pathLst>
+            </a:custGeom>
+            <a:solidFill>
+              <a:srgbClr val="FFFFFF">
+                <a:alpha val="100000"/>
+              </a:srgbClr>
+            </a:solidFill>
+          </p:spPr>
+          <p:txBody>
+            <a:bodyPr/>
+            <a:lstStyle/>
+            <a:p/>
           </p:txBody>
         </p:sp>
       </p:grpSp>
